--- a/docs/01.pptx
+++ b/docs/01.pptx
@@ -5,7 +5,7 @@
     <p:sldMasterId id="2147483648" r:id="rId1"/>
   </p:sldMasterIdLst>
   <p:notesMasterIdLst>
-    <p:notesMasterId r:id="rId8"/>
+    <p:notesMasterId r:id="rId12"/>
   </p:notesMasterIdLst>
   <p:sldIdLst>
     <p:sldId id="256" r:id="rId2"/>
@@ -14,6 +14,10 @@
     <p:sldId id="259" r:id="rId5"/>
     <p:sldId id="261" r:id="rId6"/>
     <p:sldId id="260" r:id="rId7"/>
+    <p:sldId id="262" r:id="rId8"/>
+    <p:sldId id="263" r:id="rId9"/>
+    <p:sldId id="264" r:id="rId10"/>
+    <p:sldId id="265" r:id="rId11"/>
   </p:sldIdLst>
   <p:sldSz cx="9144000" cy="6858000" type="screen4x3"/>
   <p:notesSz cx="6858000" cy="9144000"/>
@@ -112,6 +116,22 @@
       </a:defRPr>
     </a:lvl9pPr>
   </p:defaultTextStyle>
+  <p:extLst>
+    <p:ext uri="{EFAFB233-063F-42B5-8137-9DF3F51BA10A}">
+      <p15:sldGuideLst xmlns:p15="http://schemas.microsoft.com/office/powerpoint/2012/main">
+        <p15:guide id="1" orient="horz" pos="2160">
+          <p15:clr>
+            <a:srgbClr val="A4A3A4"/>
+          </p15:clr>
+        </p15:guide>
+        <p15:guide id="2" pos="2880">
+          <p15:clr>
+            <a:srgbClr val="A4A3A4"/>
+          </p15:clr>
+        </p15:guide>
+      </p15:sldGuideLst>
+    </p:ext>
+  </p:extLst>
 </p:presentation>
 </file>
 
@@ -197,7 +217,7 @@
           <a:p>
             <a:fld id="{CB1C2BA7-0370-4E4B-9997-E70834CB9037}" type="datetimeFigureOut">
               <a:rPr lang="ru-RU" smtClean="0"/>
-              <a:t>25.03.2016</a:t>
+              <a:t>27.03.2016</a:t>
             </a:fld>
             <a:endParaRPr lang="ru-RU"/>
           </a:p>
@@ -653,6 +673,324 @@
 </p:notes>
 </file>
 
+<file path=ppt/notesSlides/notesSlide3.xml><?xml version="1.0" encoding="utf-8"?>
+<p:notes xmlns:a="http://schemas.openxmlformats.org/drawingml/2006/main" xmlns:r="http://schemas.openxmlformats.org/officeDocument/2006/relationships" xmlns:p="http://schemas.openxmlformats.org/presentationml/2006/main">
+  <p:cSld>
+    <p:spTree>
+      <p:nvGrpSpPr>
+        <p:cNvPr id="1" name=""/>
+        <p:cNvGrpSpPr/>
+        <p:nvPr/>
+      </p:nvGrpSpPr>
+      <p:grpSpPr>
+        <a:xfrm>
+          <a:off x="0" y="0"/>
+          <a:ext cx="0" cy="0"/>
+          <a:chOff x="0" y="0"/>
+          <a:chExt cx="0" cy="0"/>
+        </a:xfrm>
+      </p:grpSpPr>
+      <p:sp>
+        <p:nvSpPr>
+          <p:cNvPr id="2" name="Slide Image Placeholder 1"/>
+          <p:cNvSpPr>
+            <a:spLocks noGrp="1" noRot="1" noChangeAspect="1"/>
+          </p:cNvSpPr>
+          <p:nvPr>
+            <p:ph type="sldImg"/>
+          </p:nvPr>
+        </p:nvSpPr>
+        <p:spPr/>
+      </p:sp>
+      <p:sp>
+        <p:nvSpPr>
+          <p:cNvPr id="3" name="Notes Placeholder 2"/>
+          <p:cNvSpPr>
+            <a:spLocks noGrp="1"/>
+          </p:cNvSpPr>
+          <p:nvPr>
+            <p:ph type="body" idx="1"/>
+          </p:nvPr>
+        </p:nvSpPr>
+        <p:spPr/>
+        <p:txBody>
+          <a:bodyPr/>
+          <a:lstStyle/>
+          <a:p>
+            <a:r>
+              <a:rPr lang="en-US" dirty="0" smtClean="0"/>
+              <a:t>Nothing to do with</a:t>
+            </a:r>
+            <a:r>
+              <a:rPr lang="en-US" baseline="0" dirty="0" smtClean="0"/>
+              <a:t> java</a:t>
+            </a:r>
+          </a:p>
+          <a:p>
+            <a:r>
+              <a:rPr lang="en-US" baseline="0" dirty="0" smtClean="0"/>
+              <a:t>Not a scripting </a:t>
+            </a:r>
+            <a:r>
+              <a:rPr lang="en-US" baseline="0" dirty="0" err="1" smtClean="0"/>
+              <a:t>lang</a:t>
+            </a:r>
+            <a:r>
+              <a:rPr lang="en-US" baseline="0" dirty="0" smtClean="0"/>
+              <a:t> anymore</a:t>
+            </a:r>
+            <a:endParaRPr lang="en-US" dirty="0"/>
+          </a:p>
+        </p:txBody>
+      </p:sp>
+      <p:sp>
+        <p:nvSpPr>
+          <p:cNvPr id="4" name="Slide Number Placeholder 3"/>
+          <p:cNvSpPr>
+            <a:spLocks noGrp="1"/>
+          </p:cNvSpPr>
+          <p:nvPr>
+            <p:ph type="sldNum" sz="quarter" idx="10"/>
+          </p:nvPr>
+        </p:nvSpPr>
+        <p:spPr/>
+        <p:txBody>
+          <a:bodyPr/>
+          <a:lstStyle/>
+          <a:p>
+            <a:fld id="{DA8CAE91-5FC7-41E5-8054-44424FFBB7AB}" type="slidenum">
+              <a:rPr lang="ru-RU" smtClean="0"/>
+              <a:t>8</a:t>
+            </a:fld>
+            <a:endParaRPr lang="ru-RU"/>
+          </a:p>
+        </p:txBody>
+      </p:sp>
+    </p:spTree>
+    <p:extLst>
+      <p:ext uri="{BB962C8B-B14F-4D97-AF65-F5344CB8AC3E}">
+        <p14:creationId xmlns:p14="http://schemas.microsoft.com/office/powerpoint/2010/main" val="3609066261"/>
+      </p:ext>
+    </p:extLst>
+  </p:cSld>
+  <p:clrMapOvr>
+    <a:masterClrMapping/>
+  </p:clrMapOvr>
+</p:notes>
+</file>
+
+<file path=ppt/notesSlides/notesSlide4.xml><?xml version="1.0" encoding="utf-8"?>
+<p:notes xmlns:a="http://schemas.openxmlformats.org/drawingml/2006/main" xmlns:r="http://schemas.openxmlformats.org/officeDocument/2006/relationships" xmlns:p="http://schemas.openxmlformats.org/presentationml/2006/main">
+  <p:cSld>
+    <p:spTree>
+      <p:nvGrpSpPr>
+        <p:cNvPr id="1" name=""/>
+        <p:cNvGrpSpPr/>
+        <p:nvPr/>
+      </p:nvGrpSpPr>
+      <p:grpSpPr>
+        <a:xfrm>
+          <a:off x="0" y="0"/>
+          <a:ext cx="0" cy="0"/>
+          <a:chOff x="0" y="0"/>
+          <a:chExt cx="0" cy="0"/>
+        </a:xfrm>
+      </p:grpSpPr>
+      <p:sp>
+        <p:nvSpPr>
+          <p:cNvPr id="2" name="Slide Image Placeholder 1"/>
+          <p:cNvSpPr>
+            <a:spLocks noGrp="1" noRot="1" noChangeAspect="1"/>
+          </p:cNvSpPr>
+          <p:nvPr>
+            <p:ph type="sldImg"/>
+          </p:nvPr>
+        </p:nvSpPr>
+        <p:spPr/>
+      </p:sp>
+      <p:sp>
+        <p:nvSpPr>
+          <p:cNvPr id="3" name="Notes Placeholder 2"/>
+          <p:cNvSpPr>
+            <a:spLocks noGrp="1"/>
+          </p:cNvSpPr>
+          <p:nvPr>
+            <p:ph type="body" idx="1"/>
+          </p:nvPr>
+        </p:nvSpPr>
+        <p:spPr/>
+        <p:txBody>
+          <a:bodyPr/>
+          <a:lstStyle/>
+          <a:p>
+            <a:r>
+              <a:rPr lang="en-US" dirty="0" smtClean="0"/>
+              <a:t>Nothing to do with</a:t>
+            </a:r>
+            <a:r>
+              <a:rPr lang="en-US" baseline="0" dirty="0" smtClean="0"/>
+              <a:t> java</a:t>
+            </a:r>
+          </a:p>
+          <a:p>
+            <a:r>
+              <a:rPr lang="en-US" baseline="0" dirty="0" smtClean="0"/>
+              <a:t>Not a scripting </a:t>
+            </a:r>
+            <a:r>
+              <a:rPr lang="en-US" baseline="0" dirty="0" err="1" smtClean="0"/>
+              <a:t>lang</a:t>
+            </a:r>
+            <a:r>
+              <a:rPr lang="en-US" baseline="0" dirty="0" smtClean="0"/>
+              <a:t> anymore</a:t>
+            </a:r>
+            <a:endParaRPr lang="en-US" dirty="0"/>
+          </a:p>
+        </p:txBody>
+      </p:sp>
+      <p:sp>
+        <p:nvSpPr>
+          <p:cNvPr id="4" name="Slide Number Placeholder 3"/>
+          <p:cNvSpPr>
+            <a:spLocks noGrp="1"/>
+          </p:cNvSpPr>
+          <p:nvPr>
+            <p:ph type="sldNum" sz="quarter" idx="10"/>
+          </p:nvPr>
+        </p:nvSpPr>
+        <p:spPr/>
+        <p:txBody>
+          <a:bodyPr/>
+          <a:lstStyle/>
+          <a:p>
+            <a:fld id="{DA8CAE91-5FC7-41E5-8054-44424FFBB7AB}" type="slidenum">
+              <a:rPr lang="ru-RU" smtClean="0"/>
+              <a:t>9</a:t>
+            </a:fld>
+            <a:endParaRPr lang="ru-RU"/>
+          </a:p>
+        </p:txBody>
+      </p:sp>
+    </p:spTree>
+    <p:extLst>
+      <p:ext uri="{BB962C8B-B14F-4D97-AF65-F5344CB8AC3E}">
+        <p14:creationId xmlns:p14="http://schemas.microsoft.com/office/powerpoint/2010/main" val="1226178349"/>
+      </p:ext>
+    </p:extLst>
+  </p:cSld>
+  <p:clrMapOvr>
+    <a:masterClrMapping/>
+  </p:clrMapOvr>
+</p:notes>
+</file>
+
+<file path=ppt/notesSlides/notesSlide5.xml><?xml version="1.0" encoding="utf-8"?>
+<p:notes xmlns:a="http://schemas.openxmlformats.org/drawingml/2006/main" xmlns:r="http://schemas.openxmlformats.org/officeDocument/2006/relationships" xmlns:p="http://schemas.openxmlformats.org/presentationml/2006/main">
+  <p:cSld>
+    <p:spTree>
+      <p:nvGrpSpPr>
+        <p:cNvPr id="1" name=""/>
+        <p:cNvGrpSpPr/>
+        <p:nvPr/>
+      </p:nvGrpSpPr>
+      <p:grpSpPr>
+        <a:xfrm>
+          <a:off x="0" y="0"/>
+          <a:ext cx="0" cy="0"/>
+          <a:chOff x="0" y="0"/>
+          <a:chExt cx="0" cy="0"/>
+        </a:xfrm>
+      </p:grpSpPr>
+      <p:sp>
+        <p:nvSpPr>
+          <p:cNvPr id="2" name="Slide Image Placeholder 1"/>
+          <p:cNvSpPr>
+            <a:spLocks noGrp="1" noRot="1" noChangeAspect="1"/>
+          </p:cNvSpPr>
+          <p:nvPr>
+            <p:ph type="sldImg"/>
+          </p:nvPr>
+        </p:nvSpPr>
+        <p:spPr/>
+      </p:sp>
+      <p:sp>
+        <p:nvSpPr>
+          <p:cNvPr id="3" name="Notes Placeholder 2"/>
+          <p:cNvSpPr>
+            <a:spLocks noGrp="1"/>
+          </p:cNvSpPr>
+          <p:nvPr>
+            <p:ph type="body" idx="1"/>
+          </p:nvPr>
+        </p:nvSpPr>
+        <p:spPr/>
+        <p:txBody>
+          <a:bodyPr/>
+          <a:lstStyle/>
+          <a:p>
+            <a:r>
+              <a:rPr lang="en-US" dirty="0" smtClean="0"/>
+              <a:t>Nothing to do with</a:t>
+            </a:r>
+            <a:r>
+              <a:rPr lang="en-US" baseline="0" dirty="0" smtClean="0"/>
+              <a:t> java</a:t>
+            </a:r>
+          </a:p>
+          <a:p>
+            <a:r>
+              <a:rPr lang="en-US" baseline="0" dirty="0" smtClean="0"/>
+              <a:t>Not a scripting </a:t>
+            </a:r>
+            <a:r>
+              <a:rPr lang="en-US" baseline="0" dirty="0" err="1" smtClean="0"/>
+              <a:t>lang</a:t>
+            </a:r>
+            <a:r>
+              <a:rPr lang="en-US" baseline="0" dirty="0" smtClean="0"/>
+              <a:t> anymore</a:t>
+            </a:r>
+            <a:endParaRPr lang="en-US" dirty="0"/>
+          </a:p>
+        </p:txBody>
+      </p:sp>
+      <p:sp>
+        <p:nvSpPr>
+          <p:cNvPr id="4" name="Slide Number Placeholder 3"/>
+          <p:cNvSpPr>
+            <a:spLocks noGrp="1"/>
+          </p:cNvSpPr>
+          <p:nvPr>
+            <p:ph type="sldNum" sz="quarter" idx="10"/>
+          </p:nvPr>
+        </p:nvSpPr>
+        <p:spPr/>
+        <p:txBody>
+          <a:bodyPr/>
+          <a:lstStyle/>
+          <a:p>
+            <a:fld id="{DA8CAE91-5FC7-41E5-8054-44424FFBB7AB}" type="slidenum">
+              <a:rPr lang="ru-RU" smtClean="0"/>
+              <a:t>10</a:t>
+            </a:fld>
+            <a:endParaRPr lang="ru-RU"/>
+          </a:p>
+        </p:txBody>
+      </p:sp>
+    </p:spTree>
+    <p:extLst>
+      <p:ext uri="{BB962C8B-B14F-4D97-AF65-F5344CB8AC3E}">
+        <p14:creationId xmlns:p14="http://schemas.microsoft.com/office/powerpoint/2010/main" val="359482980"/>
+      </p:ext>
+    </p:extLst>
+  </p:cSld>
+  <p:clrMapOvr>
+    <a:masterClrMapping/>
+  </p:clrMapOvr>
+</p:notes>
+</file>
+
 <file path=ppt/slideLayouts/slideLayout1.xml><?xml version="1.0" encoding="utf-8"?>
 <p:sldLayout xmlns:a="http://schemas.openxmlformats.org/drawingml/2006/main" xmlns:r="http://schemas.openxmlformats.org/officeDocument/2006/relationships" xmlns:p="http://schemas.openxmlformats.org/presentationml/2006/main" type="title" preserve="1">
   <p:cSld name="Title Slide">
@@ -835,7 +1173,7 @@
             <a:fld id="{1D8BD707-D9CF-40AE-B4C6-C98DA3205C09}" type="datetimeFigureOut">
               <a:rPr lang="en-US" smtClean="0"/>
               <a:pPr/>
-              <a:t>3/25/2016</a:t>
+              <a:t>3/27/2016</a:t>
             </a:fld>
             <a:endParaRPr lang="en-US"/>
           </a:p>
@@ -1002,7 +1340,7 @@
             <a:fld id="{1D8BD707-D9CF-40AE-B4C6-C98DA3205C09}" type="datetimeFigureOut">
               <a:rPr lang="en-US" smtClean="0"/>
               <a:pPr/>
-              <a:t>3/25/2016</a:t>
+              <a:t>3/27/2016</a:t>
             </a:fld>
             <a:endParaRPr lang="en-US"/>
           </a:p>
@@ -1179,7 +1517,7 @@
             <a:fld id="{1D8BD707-D9CF-40AE-B4C6-C98DA3205C09}" type="datetimeFigureOut">
               <a:rPr lang="en-US" smtClean="0"/>
               <a:pPr/>
-              <a:t>3/25/2016</a:t>
+              <a:t>3/27/2016</a:t>
             </a:fld>
             <a:endParaRPr lang="en-US"/>
           </a:p>
@@ -1346,7 +1684,7 @@
             <a:fld id="{1D8BD707-D9CF-40AE-B4C6-C98DA3205C09}" type="datetimeFigureOut">
               <a:rPr lang="en-US" smtClean="0"/>
               <a:pPr/>
-              <a:t>3/25/2016</a:t>
+              <a:t>3/27/2016</a:t>
             </a:fld>
             <a:endParaRPr lang="en-US"/>
           </a:p>
@@ -1589,7 +1927,7 @@
             <a:fld id="{1D8BD707-D9CF-40AE-B4C6-C98DA3205C09}" type="datetimeFigureOut">
               <a:rPr lang="en-US" smtClean="0"/>
               <a:pPr/>
-              <a:t>3/25/2016</a:t>
+              <a:t>3/27/2016</a:t>
             </a:fld>
             <a:endParaRPr lang="en-US"/>
           </a:p>
@@ -1874,7 +2212,7 @@
             <a:fld id="{1D8BD707-D9CF-40AE-B4C6-C98DA3205C09}" type="datetimeFigureOut">
               <a:rPr lang="en-US" smtClean="0"/>
               <a:pPr/>
-              <a:t>3/25/2016</a:t>
+              <a:t>3/27/2016</a:t>
             </a:fld>
             <a:endParaRPr lang="en-US"/>
           </a:p>
@@ -2293,7 +2631,7 @@
             <a:fld id="{1D8BD707-D9CF-40AE-B4C6-C98DA3205C09}" type="datetimeFigureOut">
               <a:rPr lang="en-US" smtClean="0"/>
               <a:pPr/>
-              <a:t>3/25/2016</a:t>
+              <a:t>3/27/2016</a:t>
             </a:fld>
             <a:endParaRPr lang="en-US"/>
           </a:p>
@@ -2408,7 +2746,7 @@
             <a:fld id="{1D8BD707-D9CF-40AE-B4C6-C98DA3205C09}" type="datetimeFigureOut">
               <a:rPr lang="en-US" smtClean="0"/>
               <a:pPr/>
-              <a:t>3/25/2016</a:t>
+              <a:t>3/27/2016</a:t>
             </a:fld>
             <a:endParaRPr lang="en-US"/>
           </a:p>
@@ -2500,7 +2838,7 @@
             <a:fld id="{1D8BD707-D9CF-40AE-B4C6-C98DA3205C09}" type="datetimeFigureOut">
               <a:rPr lang="en-US" smtClean="0"/>
               <a:pPr/>
-              <a:t>3/25/2016</a:t>
+              <a:t>3/27/2016</a:t>
             </a:fld>
             <a:endParaRPr lang="en-US"/>
           </a:p>
@@ -2774,7 +3112,7 @@
             <a:fld id="{1D8BD707-D9CF-40AE-B4C6-C98DA3205C09}" type="datetimeFigureOut">
               <a:rPr lang="en-US" smtClean="0"/>
               <a:pPr/>
-              <a:t>3/25/2016</a:t>
+              <a:t>3/27/2016</a:t>
             </a:fld>
             <a:endParaRPr lang="en-US"/>
           </a:p>
@@ -3024,7 +3362,7 @@
             <a:fld id="{1D8BD707-D9CF-40AE-B4C6-C98DA3205C09}" type="datetimeFigureOut">
               <a:rPr lang="en-US" smtClean="0"/>
               <a:pPr/>
-              <a:t>3/25/2016</a:t>
+              <a:t>3/27/2016</a:t>
             </a:fld>
             <a:endParaRPr lang="en-US"/>
           </a:p>
@@ -3239,7 +3577,7 @@
             <a:fld id="{1D8BD707-D9CF-40AE-B4C6-C98DA3205C09}" type="datetimeFigureOut">
               <a:rPr lang="en-US" smtClean="0"/>
               <a:pPr/>
-              <a:t>3/25/2016</a:t>
+              <a:t>3/27/2016</a:t>
             </a:fld>
             <a:endParaRPr lang="en-US"/>
           </a:p>
@@ -3669,6 +4007,119 @@
 </p:sld>
 </file>
 
+<file path=ppt/slides/slide10.xml><?xml version="1.0" encoding="utf-8"?>
+<p:sld xmlns:a="http://schemas.openxmlformats.org/drawingml/2006/main" xmlns:r="http://schemas.openxmlformats.org/officeDocument/2006/relationships" xmlns:p="http://schemas.openxmlformats.org/presentationml/2006/main">
+  <p:cSld>
+    <p:spTree>
+      <p:nvGrpSpPr>
+        <p:cNvPr id="1" name=""/>
+        <p:cNvGrpSpPr/>
+        <p:nvPr/>
+      </p:nvGrpSpPr>
+      <p:grpSpPr>
+        <a:xfrm>
+          <a:off x="0" y="0"/>
+          <a:ext cx="0" cy="0"/>
+          <a:chOff x="0" y="0"/>
+          <a:chExt cx="0" cy="0"/>
+        </a:xfrm>
+      </p:grpSpPr>
+      <p:sp>
+        <p:nvSpPr>
+          <p:cNvPr id="2" name="Title 1"/>
+          <p:cNvSpPr>
+            <a:spLocks noGrp="1"/>
+          </p:cNvSpPr>
+          <p:nvPr>
+            <p:ph type="title"/>
+          </p:nvPr>
+        </p:nvSpPr>
+        <p:spPr/>
+        <p:txBody>
+          <a:bodyPr/>
+          <a:lstStyle/>
+          <a:p>
+            <a:r>
+              <a:rPr lang="en-US" dirty="0" smtClean="0"/>
+              <a:t>Angular 1 vs 2</a:t>
+            </a:r>
+            <a:endParaRPr lang="en-US" dirty="0"/>
+          </a:p>
+        </p:txBody>
+      </p:sp>
+      <p:sp>
+        <p:nvSpPr>
+          <p:cNvPr id="3" name="Content Placeholder 2"/>
+          <p:cNvSpPr>
+            <a:spLocks noGrp="1"/>
+          </p:cNvSpPr>
+          <p:nvPr>
+            <p:ph idx="1"/>
+          </p:nvPr>
+        </p:nvSpPr>
+        <p:spPr/>
+        <p:txBody>
+          <a:bodyPr/>
+          <a:lstStyle/>
+          <a:p>
+            <a:pPr marL="0" indent="0">
+              <a:buNone/>
+            </a:pPr>
+            <a:r>
+              <a:rPr lang="en-US" dirty="0" smtClean="0"/>
+              <a:t>(what people say)</a:t>
+            </a:r>
+          </a:p>
+          <a:p>
+            <a:r>
+              <a:rPr lang="en-US" dirty="0" smtClean="0"/>
+              <a:t>2 is too raw</a:t>
+            </a:r>
+          </a:p>
+          <a:p>
+            <a:r>
+              <a:rPr lang="en-US" dirty="0" smtClean="0"/>
+              <a:t>1 can be upgraded using </a:t>
+            </a:r>
+            <a:r>
+              <a:rPr lang="en-US" dirty="0" err="1" smtClean="0"/>
+              <a:t>ngForward</a:t>
+            </a:r>
+            <a:endParaRPr lang="en-US" dirty="0" smtClean="0"/>
+          </a:p>
+          <a:p>
+            <a:r>
+              <a:rPr lang="en-US" dirty="0" smtClean="0"/>
+              <a:t>2 has better performance</a:t>
+            </a:r>
+          </a:p>
+          <a:p>
+            <a:r>
+              <a:rPr lang="en-US" dirty="0" smtClean="0"/>
+              <a:t>1 will still be supported</a:t>
+            </a:r>
+          </a:p>
+          <a:p>
+            <a:r>
+              <a:rPr lang="en-US" dirty="0" smtClean="0"/>
+              <a:t>2 uses TS and ES6</a:t>
+            </a:r>
+          </a:p>
+        </p:txBody>
+      </p:sp>
+    </p:spTree>
+    <p:extLst>
+      <p:ext uri="{BB962C8B-B14F-4D97-AF65-F5344CB8AC3E}">
+        <p14:creationId xmlns:p14="http://schemas.microsoft.com/office/powerpoint/2010/main" val="1269660243"/>
+      </p:ext>
+    </p:extLst>
+  </p:cSld>
+  <p:clrMapOvr>
+    <a:masterClrMapping/>
+  </p:clrMapOvr>
+</p:sld>
+</file>
+
 <file path=ppt/slides/slide2.xml><?xml version="1.0" encoding="utf-8"?>
 <p:sld xmlns:a="http://schemas.openxmlformats.org/drawingml/2006/main" xmlns:r="http://schemas.openxmlformats.org/officeDocument/2006/relationships" xmlns:p="http://schemas.openxmlformats.org/presentationml/2006/main">
   <p:cSld>
@@ -4128,6 +4579,250 @@
     <p:extLst>
       <p:ext uri="{BB962C8B-B14F-4D97-AF65-F5344CB8AC3E}">
         <p14:creationId xmlns:p14="http://schemas.microsoft.com/office/powerpoint/2010/main" val="3403269080"/>
+      </p:ext>
+    </p:extLst>
+  </p:cSld>
+  <p:clrMapOvr>
+    <a:masterClrMapping/>
+  </p:clrMapOvr>
+</p:sld>
+</file>
+
+<file path=ppt/slides/slide7.xml><?xml version="1.0" encoding="utf-8"?>
+<p:sld xmlns:a="http://schemas.openxmlformats.org/drawingml/2006/main" xmlns:r="http://schemas.openxmlformats.org/officeDocument/2006/relationships" xmlns:p="http://schemas.openxmlformats.org/presentationml/2006/main">
+  <p:cSld>
+    <p:spTree>
+      <p:nvGrpSpPr>
+        <p:cNvPr id="1" name=""/>
+        <p:cNvGrpSpPr/>
+        <p:nvPr/>
+      </p:nvGrpSpPr>
+      <p:grpSpPr>
+        <a:xfrm>
+          <a:off x="0" y="0"/>
+          <a:ext cx="0" cy="0"/>
+          <a:chOff x="0" y="0"/>
+          <a:chExt cx="0" cy="0"/>
+        </a:xfrm>
+      </p:grpSpPr>
+      <p:sp>
+        <p:nvSpPr>
+          <p:cNvPr id="2" name="Title 1"/>
+          <p:cNvSpPr>
+            <a:spLocks noGrp="1"/>
+          </p:cNvSpPr>
+          <p:nvPr>
+            <p:ph type="title"/>
+          </p:nvPr>
+        </p:nvSpPr>
+        <p:spPr/>
+        <p:txBody>
+          <a:bodyPr/>
+          <a:lstStyle/>
+          <a:p>
+            <a:r>
+              <a:rPr lang="en-US" dirty="0" smtClean="0"/>
+              <a:t>HTML 5</a:t>
+            </a:r>
+            <a:endParaRPr lang="en-US" dirty="0"/>
+          </a:p>
+        </p:txBody>
+      </p:sp>
+      <p:sp>
+        <p:nvSpPr>
+          <p:cNvPr id="3" name="Content Placeholder 2"/>
+          <p:cNvSpPr>
+            <a:spLocks noGrp="1"/>
+          </p:cNvSpPr>
+          <p:nvPr>
+            <p:ph idx="1"/>
+          </p:nvPr>
+        </p:nvSpPr>
+        <p:spPr/>
+        <p:txBody>
+          <a:bodyPr/>
+          <a:lstStyle/>
+          <a:p>
+            <a:r>
+              <a:rPr lang="en-US" dirty="0"/>
+              <a:t>&lt;applet</a:t>
+            </a:r>
+            <a:r>
+              <a:rPr lang="en-US" dirty="0" smtClean="0"/>
+              <a:t>&gt; removed (&lt;object&gt; instead)</a:t>
+            </a:r>
+            <a:endParaRPr lang="en-US" dirty="0"/>
+          </a:p>
+        </p:txBody>
+      </p:sp>
+    </p:spTree>
+    <p:extLst>
+      <p:ext uri="{BB962C8B-B14F-4D97-AF65-F5344CB8AC3E}">
+        <p14:creationId xmlns:p14="http://schemas.microsoft.com/office/powerpoint/2010/main" val="2612680553"/>
+      </p:ext>
+    </p:extLst>
+  </p:cSld>
+  <p:clrMapOvr>
+    <a:masterClrMapping/>
+  </p:clrMapOvr>
+</p:sld>
+</file>
+
+<file path=ppt/slides/slide8.xml><?xml version="1.0" encoding="utf-8"?>
+<p:sld xmlns:a="http://schemas.openxmlformats.org/drawingml/2006/main" xmlns:r="http://schemas.openxmlformats.org/officeDocument/2006/relationships" xmlns:p="http://schemas.openxmlformats.org/presentationml/2006/main">
+  <p:cSld>
+    <p:spTree>
+      <p:nvGrpSpPr>
+        <p:cNvPr id="1" name=""/>
+        <p:cNvGrpSpPr/>
+        <p:nvPr/>
+      </p:nvGrpSpPr>
+      <p:grpSpPr>
+        <a:xfrm>
+          <a:off x="0" y="0"/>
+          <a:ext cx="0" cy="0"/>
+          <a:chOff x="0" y="0"/>
+          <a:chExt cx="0" cy="0"/>
+        </a:xfrm>
+      </p:grpSpPr>
+      <p:sp>
+        <p:nvSpPr>
+          <p:cNvPr id="2" name="Title 1"/>
+          <p:cNvSpPr>
+            <a:spLocks noGrp="1"/>
+          </p:cNvSpPr>
+          <p:nvPr>
+            <p:ph type="title"/>
+          </p:nvPr>
+        </p:nvSpPr>
+        <p:spPr/>
+        <p:txBody>
+          <a:bodyPr/>
+          <a:lstStyle/>
+          <a:p>
+            <a:r>
+              <a:rPr lang="en-US" dirty="0" err="1" smtClean="0"/>
+              <a:t>Javascript</a:t>
+            </a:r>
+            <a:endParaRPr lang="en-US" dirty="0"/>
+          </a:p>
+        </p:txBody>
+      </p:sp>
+      <p:sp>
+        <p:nvSpPr>
+          <p:cNvPr id="3" name="Content Placeholder 2"/>
+          <p:cNvSpPr>
+            <a:spLocks noGrp="1"/>
+          </p:cNvSpPr>
+          <p:nvPr>
+            <p:ph idx="1"/>
+          </p:nvPr>
+        </p:nvSpPr>
+        <p:spPr/>
+        <p:txBody>
+          <a:bodyPr/>
+          <a:lstStyle/>
+          <a:p>
+            <a:r>
+              <a:rPr lang="en-US" dirty="0" smtClean="0"/>
+              <a:t>Java? </a:t>
+            </a:r>
+          </a:p>
+          <a:p>
+            <a:r>
+              <a:rPr lang="en-US" dirty="0" smtClean="0"/>
+              <a:t>Scripting?</a:t>
+            </a:r>
+            <a:endParaRPr lang="en-US" dirty="0"/>
+          </a:p>
+        </p:txBody>
+      </p:sp>
+    </p:spTree>
+    <p:extLst>
+      <p:ext uri="{BB962C8B-B14F-4D97-AF65-F5344CB8AC3E}">
+        <p14:creationId xmlns:p14="http://schemas.microsoft.com/office/powerpoint/2010/main" val="3725139495"/>
+      </p:ext>
+    </p:extLst>
+  </p:cSld>
+  <p:clrMapOvr>
+    <a:masterClrMapping/>
+  </p:clrMapOvr>
+</p:sld>
+</file>
+
+<file path=ppt/slides/slide9.xml><?xml version="1.0" encoding="utf-8"?>
+<p:sld xmlns:a="http://schemas.openxmlformats.org/drawingml/2006/main" xmlns:r="http://schemas.openxmlformats.org/officeDocument/2006/relationships" xmlns:p="http://schemas.openxmlformats.org/presentationml/2006/main">
+  <p:cSld>
+    <p:spTree>
+      <p:nvGrpSpPr>
+        <p:cNvPr id="1" name=""/>
+        <p:cNvGrpSpPr/>
+        <p:nvPr/>
+      </p:nvGrpSpPr>
+      <p:grpSpPr>
+        <a:xfrm>
+          <a:off x="0" y="0"/>
+          <a:ext cx="0" cy="0"/>
+          <a:chOff x="0" y="0"/>
+          <a:chExt cx="0" cy="0"/>
+        </a:xfrm>
+      </p:grpSpPr>
+      <p:sp>
+        <p:nvSpPr>
+          <p:cNvPr id="2" name="Title 1"/>
+          <p:cNvSpPr>
+            <a:spLocks noGrp="1"/>
+          </p:cNvSpPr>
+          <p:nvPr>
+            <p:ph type="title"/>
+          </p:nvPr>
+        </p:nvSpPr>
+        <p:spPr/>
+        <p:txBody>
+          <a:bodyPr/>
+          <a:lstStyle/>
+          <a:p>
+            <a:r>
+              <a:rPr lang="en-US" dirty="0" smtClean="0"/>
+              <a:t>Semantics</a:t>
+            </a:r>
+            <a:endParaRPr lang="en-US" dirty="0"/>
+          </a:p>
+        </p:txBody>
+      </p:sp>
+      <p:sp>
+        <p:nvSpPr>
+          <p:cNvPr id="3" name="Content Placeholder 2"/>
+          <p:cNvSpPr>
+            <a:spLocks noGrp="1"/>
+          </p:cNvSpPr>
+          <p:nvPr>
+            <p:ph idx="1"/>
+          </p:nvPr>
+        </p:nvSpPr>
+        <p:spPr/>
+        <p:txBody>
+          <a:bodyPr/>
+          <a:lstStyle/>
+          <a:p>
+            <a:r>
+              <a:rPr lang="en-US" dirty="0" smtClean="0"/>
+              <a:t>extends HTML with clarity</a:t>
+            </a:r>
+          </a:p>
+          <a:p>
+            <a:r>
+              <a:rPr lang="en-US" dirty="0" smtClean="0"/>
+              <a:t>custom behavioral notations (directives)</a:t>
+            </a:r>
+            <a:endParaRPr lang="en-US" dirty="0"/>
+          </a:p>
+        </p:txBody>
+      </p:sp>
+    </p:spTree>
+    <p:extLst>
+      <p:ext uri="{BB962C8B-B14F-4D97-AF65-F5344CB8AC3E}">
+        <p14:creationId xmlns:p14="http://schemas.microsoft.com/office/powerpoint/2010/main" val="3478444464"/>
       </p:ext>
     </p:extLst>
   </p:cSld>

--- a/docs/01.pptx
+++ b/docs/01.pptx
@@ -5,19 +5,21 @@
     <p:sldMasterId id="2147483648" r:id="rId1"/>
   </p:sldMasterIdLst>
   <p:notesMasterIdLst>
-    <p:notesMasterId r:id="rId12"/>
+    <p:notesMasterId r:id="rId14"/>
   </p:notesMasterIdLst>
   <p:sldIdLst>
     <p:sldId id="256" r:id="rId2"/>
     <p:sldId id="257" r:id="rId3"/>
-    <p:sldId id="258" r:id="rId4"/>
-    <p:sldId id="259" r:id="rId5"/>
-    <p:sldId id="261" r:id="rId6"/>
-    <p:sldId id="260" r:id="rId7"/>
-    <p:sldId id="262" r:id="rId8"/>
-    <p:sldId id="263" r:id="rId9"/>
-    <p:sldId id="264" r:id="rId10"/>
-    <p:sldId id="265" r:id="rId11"/>
+    <p:sldId id="267" r:id="rId4"/>
+    <p:sldId id="258" r:id="rId5"/>
+    <p:sldId id="259" r:id="rId6"/>
+    <p:sldId id="266" r:id="rId7"/>
+    <p:sldId id="261" r:id="rId8"/>
+    <p:sldId id="260" r:id="rId9"/>
+    <p:sldId id="262" r:id="rId10"/>
+    <p:sldId id="263" r:id="rId11"/>
+    <p:sldId id="264" r:id="rId12"/>
+    <p:sldId id="265" r:id="rId13"/>
   </p:sldIdLst>
   <p:sldSz cx="9144000" cy="6858000" type="screen4x3"/>
   <p:notesSz cx="6858000" cy="9144000"/>
@@ -217,7 +219,7 @@
           <a:p>
             <a:fld id="{CB1C2BA7-0370-4E4B-9997-E70834CB9037}" type="datetimeFigureOut">
               <a:rPr lang="ru-RU" smtClean="0"/>
-              <a:t>27.03.2016</a:t>
+              <a:t>25.04.2016</a:t>
             </a:fld>
             <a:endParaRPr lang="ru-RU"/>
           </a:p>
@@ -623,17 +625,13 @@
           <a:p>
             <a:r>
               <a:rPr lang="en-US" dirty="0" smtClean="0"/>
-              <a:t>ng-if</a:t>
+              <a:t>make</a:t>
             </a:r>
             <a:r>
               <a:rPr lang="en-US" baseline="0" dirty="0" smtClean="0"/>
-              <a:t> creates a </a:t>
-            </a:r>
-            <a:r>
-              <a:rPr lang="en-US" baseline="0" smtClean="0"/>
-              <a:t>child scope</a:t>
-            </a:r>
-            <a:endParaRPr lang="ru-RU"/>
+              <a:t> picture of ctrl + view</a:t>
+            </a:r>
+            <a:endParaRPr lang="ru-RU" dirty="0"/>
           </a:p>
         </p:txBody>
       </p:sp>
@@ -654,7 +652,7 @@
           <a:p>
             <a:fld id="{DA8CAE91-5FC7-41E5-8054-44424FFBB7AB}" type="slidenum">
               <a:rPr lang="ru-RU" smtClean="0"/>
-              <a:t>6</a:t>
+              <a:t>3</a:t>
             </a:fld>
             <a:endParaRPr lang="ru-RU"/>
           </a:p>
@@ -663,7 +661,7 @@
     </p:spTree>
     <p:extLst>
       <p:ext uri="{BB962C8B-B14F-4D97-AF65-F5344CB8AC3E}">
-        <p14:creationId xmlns:p14="http://schemas.microsoft.com/office/powerpoint/2010/main" val="2358394981"/>
+        <p14:creationId xmlns:p14="http://schemas.microsoft.com/office/powerpoint/2010/main" val="2208590362"/>
       </p:ext>
     </p:extLst>
   </p:cSld>
@@ -719,27 +717,17 @@
           <a:p>
             <a:r>
               <a:rPr lang="en-US" dirty="0" smtClean="0"/>
-              <a:t>Nothing to do with</a:t>
+              <a:t>ng-if</a:t>
             </a:r>
             <a:r>
               <a:rPr lang="en-US" baseline="0" dirty="0" smtClean="0"/>
-              <a:t> java</a:t>
-            </a:r>
-          </a:p>
-          <a:p>
-            <a:r>
-              <a:rPr lang="en-US" baseline="0" dirty="0" smtClean="0"/>
-              <a:t>Not a scripting </a:t>
-            </a:r>
-            <a:r>
-              <a:rPr lang="en-US" baseline="0" dirty="0" err="1" smtClean="0"/>
-              <a:t>lang</a:t>
-            </a:r>
-            <a:r>
-              <a:rPr lang="en-US" baseline="0" dirty="0" smtClean="0"/>
-              <a:t> anymore</a:t>
-            </a:r>
-            <a:endParaRPr lang="en-US" dirty="0"/>
+              <a:t> creates a </a:t>
+            </a:r>
+            <a:r>
+              <a:rPr lang="en-US" baseline="0" smtClean="0"/>
+              <a:t>child scope</a:t>
+            </a:r>
+            <a:endParaRPr lang="ru-RU"/>
           </a:p>
         </p:txBody>
       </p:sp>
@@ -769,7 +757,7 @@
     </p:spTree>
     <p:extLst>
       <p:ext uri="{BB962C8B-B14F-4D97-AF65-F5344CB8AC3E}">
-        <p14:creationId xmlns:p14="http://schemas.microsoft.com/office/powerpoint/2010/main" val="3609066261"/>
+        <p14:creationId xmlns:p14="http://schemas.microsoft.com/office/powerpoint/2010/main" val="2358394981"/>
       </p:ext>
     </p:extLst>
   </p:cSld>
@@ -866,7 +854,7 @@
           <a:p>
             <a:fld id="{DA8CAE91-5FC7-41E5-8054-44424FFBB7AB}" type="slidenum">
               <a:rPr lang="ru-RU" smtClean="0"/>
-              <a:t>9</a:t>
+              <a:t>10</a:t>
             </a:fld>
             <a:endParaRPr lang="ru-RU"/>
           </a:p>
@@ -875,7 +863,7 @@
     </p:spTree>
     <p:extLst>
       <p:ext uri="{BB962C8B-B14F-4D97-AF65-F5344CB8AC3E}">
-        <p14:creationId xmlns:p14="http://schemas.microsoft.com/office/powerpoint/2010/main" val="1226178349"/>
+        <p14:creationId xmlns:p14="http://schemas.microsoft.com/office/powerpoint/2010/main" val="3609066261"/>
       </p:ext>
     </p:extLst>
   </p:cSld>
@@ -972,7 +960,113 @@
           <a:p>
             <a:fld id="{DA8CAE91-5FC7-41E5-8054-44424FFBB7AB}" type="slidenum">
               <a:rPr lang="ru-RU" smtClean="0"/>
-              <a:t>10</a:t>
+              <a:t>11</a:t>
+            </a:fld>
+            <a:endParaRPr lang="ru-RU"/>
+          </a:p>
+        </p:txBody>
+      </p:sp>
+    </p:spTree>
+    <p:extLst>
+      <p:ext uri="{BB962C8B-B14F-4D97-AF65-F5344CB8AC3E}">
+        <p14:creationId xmlns:p14="http://schemas.microsoft.com/office/powerpoint/2010/main" val="1226178349"/>
+      </p:ext>
+    </p:extLst>
+  </p:cSld>
+  <p:clrMapOvr>
+    <a:masterClrMapping/>
+  </p:clrMapOvr>
+</p:notes>
+</file>
+
+<file path=ppt/notesSlides/notesSlide6.xml><?xml version="1.0" encoding="utf-8"?>
+<p:notes xmlns:a="http://schemas.openxmlformats.org/drawingml/2006/main" xmlns:r="http://schemas.openxmlformats.org/officeDocument/2006/relationships" xmlns:p="http://schemas.openxmlformats.org/presentationml/2006/main">
+  <p:cSld>
+    <p:spTree>
+      <p:nvGrpSpPr>
+        <p:cNvPr id="1" name=""/>
+        <p:cNvGrpSpPr/>
+        <p:nvPr/>
+      </p:nvGrpSpPr>
+      <p:grpSpPr>
+        <a:xfrm>
+          <a:off x="0" y="0"/>
+          <a:ext cx="0" cy="0"/>
+          <a:chOff x="0" y="0"/>
+          <a:chExt cx="0" cy="0"/>
+        </a:xfrm>
+      </p:grpSpPr>
+      <p:sp>
+        <p:nvSpPr>
+          <p:cNvPr id="2" name="Slide Image Placeholder 1"/>
+          <p:cNvSpPr>
+            <a:spLocks noGrp="1" noRot="1" noChangeAspect="1"/>
+          </p:cNvSpPr>
+          <p:nvPr>
+            <p:ph type="sldImg"/>
+          </p:nvPr>
+        </p:nvSpPr>
+        <p:spPr/>
+      </p:sp>
+      <p:sp>
+        <p:nvSpPr>
+          <p:cNvPr id="3" name="Notes Placeholder 2"/>
+          <p:cNvSpPr>
+            <a:spLocks noGrp="1"/>
+          </p:cNvSpPr>
+          <p:nvPr>
+            <p:ph type="body" idx="1"/>
+          </p:nvPr>
+        </p:nvSpPr>
+        <p:spPr/>
+        <p:txBody>
+          <a:bodyPr/>
+          <a:lstStyle/>
+          <a:p>
+            <a:r>
+              <a:rPr lang="en-US" dirty="0" smtClean="0"/>
+              <a:t>Nothing to do with</a:t>
+            </a:r>
+            <a:r>
+              <a:rPr lang="en-US" baseline="0" dirty="0" smtClean="0"/>
+              <a:t> java</a:t>
+            </a:r>
+          </a:p>
+          <a:p>
+            <a:r>
+              <a:rPr lang="en-US" baseline="0" dirty="0" smtClean="0"/>
+              <a:t>Not a scripting </a:t>
+            </a:r>
+            <a:r>
+              <a:rPr lang="en-US" baseline="0" dirty="0" err="1" smtClean="0"/>
+              <a:t>lang</a:t>
+            </a:r>
+            <a:r>
+              <a:rPr lang="en-US" baseline="0" dirty="0" smtClean="0"/>
+              <a:t> anymore</a:t>
+            </a:r>
+            <a:endParaRPr lang="en-US" dirty="0"/>
+          </a:p>
+        </p:txBody>
+      </p:sp>
+      <p:sp>
+        <p:nvSpPr>
+          <p:cNvPr id="4" name="Slide Number Placeholder 3"/>
+          <p:cNvSpPr>
+            <a:spLocks noGrp="1"/>
+          </p:cNvSpPr>
+          <p:nvPr>
+            <p:ph type="sldNum" sz="quarter" idx="10"/>
+          </p:nvPr>
+        </p:nvSpPr>
+        <p:spPr/>
+        <p:txBody>
+          <a:bodyPr/>
+          <a:lstStyle/>
+          <a:p>
+            <a:fld id="{DA8CAE91-5FC7-41E5-8054-44424FFBB7AB}" type="slidenum">
+              <a:rPr lang="ru-RU" smtClean="0"/>
+              <a:t>12</a:t>
             </a:fld>
             <a:endParaRPr lang="ru-RU"/>
           </a:p>
@@ -1173,7 +1267,7 @@
             <a:fld id="{1D8BD707-D9CF-40AE-B4C6-C98DA3205C09}" type="datetimeFigureOut">
               <a:rPr lang="en-US" smtClean="0"/>
               <a:pPr/>
-              <a:t>3/27/2016</a:t>
+              <a:t>4/25/2016</a:t>
             </a:fld>
             <a:endParaRPr lang="en-US"/>
           </a:p>
@@ -1340,7 +1434,7 @@
             <a:fld id="{1D8BD707-D9CF-40AE-B4C6-C98DA3205C09}" type="datetimeFigureOut">
               <a:rPr lang="en-US" smtClean="0"/>
               <a:pPr/>
-              <a:t>3/27/2016</a:t>
+              <a:t>4/25/2016</a:t>
             </a:fld>
             <a:endParaRPr lang="en-US"/>
           </a:p>
@@ -1517,7 +1611,7 @@
             <a:fld id="{1D8BD707-D9CF-40AE-B4C6-C98DA3205C09}" type="datetimeFigureOut">
               <a:rPr lang="en-US" smtClean="0"/>
               <a:pPr/>
-              <a:t>3/27/2016</a:t>
+              <a:t>4/25/2016</a:t>
             </a:fld>
             <a:endParaRPr lang="en-US"/>
           </a:p>
@@ -1684,7 +1778,7 @@
             <a:fld id="{1D8BD707-D9CF-40AE-B4C6-C98DA3205C09}" type="datetimeFigureOut">
               <a:rPr lang="en-US" smtClean="0"/>
               <a:pPr/>
-              <a:t>3/27/2016</a:t>
+              <a:t>4/25/2016</a:t>
             </a:fld>
             <a:endParaRPr lang="en-US"/>
           </a:p>
@@ -1927,7 +2021,7 @@
             <a:fld id="{1D8BD707-D9CF-40AE-B4C6-C98DA3205C09}" type="datetimeFigureOut">
               <a:rPr lang="en-US" smtClean="0"/>
               <a:pPr/>
-              <a:t>3/27/2016</a:t>
+              <a:t>4/25/2016</a:t>
             </a:fld>
             <a:endParaRPr lang="en-US"/>
           </a:p>
@@ -2212,7 +2306,7 @@
             <a:fld id="{1D8BD707-D9CF-40AE-B4C6-C98DA3205C09}" type="datetimeFigureOut">
               <a:rPr lang="en-US" smtClean="0"/>
               <a:pPr/>
-              <a:t>3/27/2016</a:t>
+              <a:t>4/25/2016</a:t>
             </a:fld>
             <a:endParaRPr lang="en-US"/>
           </a:p>
@@ -2631,7 +2725,7 @@
             <a:fld id="{1D8BD707-D9CF-40AE-B4C6-C98DA3205C09}" type="datetimeFigureOut">
               <a:rPr lang="en-US" smtClean="0"/>
               <a:pPr/>
-              <a:t>3/27/2016</a:t>
+              <a:t>4/25/2016</a:t>
             </a:fld>
             <a:endParaRPr lang="en-US"/>
           </a:p>
@@ -2746,7 +2840,7 @@
             <a:fld id="{1D8BD707-D9CF-40AE-B4C6-C98DA3205C09}" type="datetimeFigureOut">
               <a:rPr lang="en-US" smtClean="0"/>
               <a:pPr/>
-              <a:t>3/27/2016</a:t>
+              <a:t>4/25/2016</a:t>
             </a:fld>
             <a:endParaRPr lang="en-US"/>
           </a:p>
@@ -2838,7 +2932,7 @@
             <a:fld id="{1D8BD707-D9CF-40AE-B4C6-C98DA3205C09}" type="datetimeFigureOut">
               <a:rPr lang="en-US" smtClean="0"/>
               <a:pPr/>
-              <a:t>3/27/2016</a:t>
+              <a:t>4/25/2016</a:t>
             </a:fld>
             <a:endParaRPr lang="en-US"/>
           </a:p>
@@ -3112,7 +3206,7 @@
             <a:fld id="{1D8BD707-D9CF-40AE-B4C6-C98DA3205C09}" type="datetimeFigureOut">
               <a:rPr lang="en-US" smtClean="0"/>
               <a:pPr/>
-              <a:t>3/27/2016</a:t>
+              <a:t>4/25/2016</a:t>
             </a:fld>
             <a:endParaRPr lang="en-US"/>
           </a:p>
@@ -3362,7 +3456,7 @@
             <a:fld id="{1D8BD707-D9CF-40AE-B4C6-C98DA3205C09}" type="datetimeFigureOut">
               <a:rPr lang="en-US" smtClean="0"/>
               <a:pPr/>
-              <a:t>3/27/2016</a:t>
+              <a:t>4/25/2016</a:t>
             </a:fld>
             <a:endParaRPr lang="en-US"/>
           </a:p>
@@ -3577,7 +3671,7 @@
             <a:fld id="{1D8BD707-D9CF-40AE-B4C6-C98DA3205C09}" type="datetimeFigureOut">
               <a:rPr lang="en-US" smtClean="0"/>
               <a:pPr/>
-              <a:t>3/27/2016</a:t>
+              <a:t>4/25/2016</a:t>
             </a:fld>
             <a:endParaRPr lang="en-US"/>
           </a:p>
@@ -3958,16 +4052,26 @@
             <p:ph type="ctrTitle"/>
           </p:nvPr>
         </p:nvSpPr>
-        <p:spPr/>
-        <p:txBody>
-          <a:bodyPr/>
-          <a:lstStyle/>
-          <a:p>
-            <a:r>
-              <a:rPr lang="en-US" dirty="0" smtClean="0"/>
+        <p:spPr>
+          <a:effectLst/>
+        </p:spPr>
+        <p:txBody>
+          <a:bodyPr/>
+          <a:lstStyle/>
+          <a:p>
+            <a:r>
+              <a:rPr lang="en-US" dirty="0" smtClean="0">
+                <a:effectLst>
+                  <a:reflection blurRad="12700" stA="33000" endPos="57000" dir="5400000" sy="-100000" algn="bl" rotWithShape="0"/>
+                </a:effectLst>
+              </a:rPr>
               <a:t>Angular JS</a:t>
             </a:r>
-            <a:endParaRPr lang="ru-RU" dirty="0"/>
+            <a:endParaRPr lang="ru-RU" dirty="0">
+              <a:effectLst>
+                <a:reflection blurRad="12700" stA="33000" endPos="57000" dir="5400000" sy="-100000" algn="bl" rotWithShape="0"/>
+              </a:effectLst>
+            </a:endParaRPr>
           </a:p>
         </p:txBody>
       </p:sp>
@@ -4004,10 +4108,181 @@
   <p:clrMapOvr>
     <a:masterClrMapping/>
   </p:clrMapOvr>
+  <p:timing>
+    <p:tnLst>
+      <p:par>
+        <p:cTn id="1" dur="indefinite" restart="never" nodeType="tmRoot"/>
+      </p:par>
+    </p:tnLst>
+  </p:timing>
 </p:sld>
 </file>
 
 <file path=ppt/slides/slide10.xml><?xml version="1.0" encoding="utf-8"?>
+<p:sld xmlns:a="http://schemas.openxmlformats.org/drawingml/2006/main" xmlns:r="http://schemas.openxmlformats.org/officeDocument/2006/relationships" xmlns:p="http://schemas.openxmlformats.org/presentationml/2006/main">
+  <p:cSld>
+    <p:spTree>
+      <p:nvGrpSpPr>
+        <p:cNvPr id="1" name=""/>
+        <p:cNvGrpSpPr/>
+        <p:nvPr/>
+      </p:nvGrpSpPr>
+      <p:grpSpPr>
+        <a:xfrm>
+          <a:off x="0" y="0"/>
+          <a:ext cx="0" cy="0"/>
+          <a:chOff x="0" y="0"/>
+          <a:chExt cx="0" cy="0"/>
+        </a:xfrm>
+      </p:grpSpPr>
+      <p:sp>
+        <p:nvSpPr>
+          <p:cNvPr id="2" name="Title 1"/>
+          <p:cNvSpPr>
+            <a:spLocks noGrp="1"/>
+          </p:cNvSpPr>
+          <p:nvPr>
+            <p:ph type="title"/>
+          </p:nvPr>
+        </p:nvSpPr>
+        <p:spPr/>
+        <p:txBody>
+          <a:bodyPr/>
+          <a:lstStyle/>
+          <a:p>
+            <a:r>
+              <a:rPr lang="en-US" dirty="0" err="1" smtClean="0"/>
+              <a:t>Javascript</a:t>
+            </a:r>
+            <a:endParaRPr lang="en-US" dirty="0"/>
+          </a:p>
+        </p:txBody>
+      </p:sp>
+      <p:sp>
+        <p:nvSpPr>
+          <p:cNvPr id="3" name="Content Placeholder 2"/>
+          <p:cNvSpPr>
+            <a:spLocks noGrp="1"/>
+          </p:cNvSpPr>
+          <p:nvPr>
+            <p:ph idx="1"/>
+          </p:nvPr>
+        </p:nvSpPr>
+        <p:spPr/>
+        <p:txBody>
+          <a:bodyPr/>
+          <a:lstStyle/>
+          <a:p>
+            <a:r>
+              <a:rPr lang="en-US" dirty="0" smtClean="0"/>
+              <a:t>Java? </a:t>
+            </a:r>
+          </a:p>
+          <a:p>
+            <a:r>
+              <a:rPr lang="en-US" dirty="0" smtClean="0"/>
+              <a:t>Scripting?</a:t>
+            </a:r>
+            <a:endParaRPr lang="en-US" dirty="0"/>
+          </a:p>
+        </p:txBody>
+      </p:sp>
+    </p:spTree>
+    <p:extLst>
+      <p:ext uri="{BB962C8B-B14F-4D97-AF65-F5344CB8AC3E}">
+        <p14:creationId xmlns:p14="http://schemas.microsoft.com/office/powerpoint/2010/main" val="3725139495"/>
+      </p:ext>
+    </p:extLst>
+  </p:cSld>
+  <p:clrMapOvr>
+    <a:masterClrMapping/>
+  </p:clrMapOvr>
+</p:sld>
+</file>
+
+<file path=ppt/slides/slide11.xml><?xml version="1.0" encoding="utf-8"?>
+<p:sld xmlns:a="http://schemas.openxmlformats.org/drawingml/2006/main" xmlns:r="http://schemas.openxmlformats.org/officeDocument/2006/relationships" xmlns:p="http://schemas.openxmlformats.org/presentationml/2006/main">
+  <p:cSld>
+    <p:spTree>
+      <p:nvGrpSpPr>
+        <p:cNvPr id="1" name=""/>
+        <p:cNvGrpSpPr/>
+        <p:nvPr/>
+      </p:nvGrpSpPr>
+      <p:grpSpPr>
+        <a:xfrm>
+          <a:off x="0" y="0"/>
+          <a:ext cx="0" cy="0"/>
+          <a:chOff x="0" y="0"/>
+          <a:chExt cx="0" cy="0"/>
+        </a:xfrm>
+      </p:grpSpPr>
+      <p:sp>
+        <p:nvSpPr>
+          <p:cNvPr id="2" name="Title 1"/>
+          <p:cNvSpPr>
+            <a:spLocks noGrp="1"/>
+          </p:cNvSpPr>
+          <p:nvPr>
+            <p:ph type="title"/>
+          </p:nvPr>
+        </p:nvSpPr>
+        <p:spPr/>
+        <p:txBody>
+          <a:bodyPr/>
+          <a:lstStyle/>
+          <a:p>
+            <a:r>
+              <a:rPr lang="en-US" dirty="0" smtClean="0"/>
+              <a:t>Semantics</a:t>
+            </a:r>
+            <a:endParaRPr lang="en-US" dirty="0"/>
+          </a:p>
+        </p:txBody>
+      </p:sp>
+      <p:sp>
+        <p:nvSpPr>
+          <p:cNvPr id="3" name="Content Placeholder 2"/>
+          <p:cNvSpPr>
+            <a:spLocks noGrp="1"/>
+          </p:cNvSpPr>
+          <p:nvPr>
+            <p:ph idx="1"/>
+          </p:nvPr>
+        </p:nvSpPr>
+        <p:spPr/>
+        <p:txBody>
+          <a:bodyPr/>
+          <a:lstStyle/>
+          <a:p>
+            <a:r>
+              <a:rPr lang="en-US" dirty="0" smtClean="0"/>
+              <a:t>extends HTML with clarity</a:t>
+            </a:r>
+          </a:p>
+          <a:p>
+            <a:r>
+              <a:rPr lang="en-US" dirty="0" smtClean="0"/>
+              <a:t>custom behavioral notations (directives)</a:t>
+            </a:r>
+            <a:endParaRPr lang="en-US" dirty="0"/>
+          </a:p>
+        </p:txBody>
+      </p:sp>
+    </p:spTree>
+    <p:extLst>
+      <p:ext uri="{BB962C8B-B14F-4D97-AF65-F5344CB8AC3E}">
+        <p14:creationId xmlns:p14="http://schemas.microsoft.com/office/powerpoint/2010/main" val="3478444464"/>
+      </p:ext>
+    </p:extLst>
+  </p:cSld>
+  <p:clrMapOvr>
+    <a:masterClrMapping/>
+  </p:clrMapOvr>
+</p:sld>
+</file>
+
+<file path=ppt/slides/slide12.xml><?xml version="1.0" encoding="utf-8"?>
 <p:sld xmlns:a="http://schemas.openxmlformats.org/drawingml/2006/main" xmlns:r="http://schemas.openxmlformats.org/officeDocument/2006/relationships" xmlns:p="http://schemas.openxmlformats.org/presentationml/2006/main">
   <p:cSld>
     <p:spTree>
@@ -4154,7 +4429,7 @@
           <a:p>
             <a:r>
               <a:rPr lang="en-US" dirty="0" smtClean="0"/>
-              <a:t>$scope</a:t>
+              <a:t>MVVM</a:t>
             </a:r>
             <a:endParaRPr lang="ru-RU" dirty="0"/>
           </a:p>
@@ -4183,40 +4458,20 @@
           <a:lstStyle/>
           <a:p>
             <a:r>
-              <a:rPr lang="en-US" dirty="0"/>
-              <a:t>In an AngularJS application, the controller and view share an object called a </a:t>
-            </a:r>
-            <a:r>
               <a:rPr lang="en-US" dirty="0" smtClean="0"/>
-              <a:t>scope</a:t>
+              <a:t>JS – model</a:t>
             </a:r>
           </a:p>
           <a:p>
             <a:r>
               <a:rPr lang="en-US" dirty="0" smtClean="0"/>
-              <a:t>scope has </a:t>
-            </a:r>
-            <a:r>
-              <a:rPr lang="en-US" dirty="0"/>
-              <a:t>two-way data </a:t>
-            </a:r>
+              <a:t>HTML – view</a:t>
+            </a:r>
+          </a:p>
+          <a:p>
             <a:r>
               <a:rPr lang="en-US" dirty="0" smtClean="0"/>
-              <a:t>binding</a:t>
-            </a:r>
-          </a:p>
-          <a:p>
-            <a:r>
-              <a:rPr lang="en-US" dirty="0"/>
-              <a:t>$</a:t>
-            </a:r>
-            <a:r>
-              <a:rPr lang="en-US" dirty="0" err="1" smtClean="0"/>
-              <a:t>rootScope</a:t>
-            </a:r>
-            <a:r>
-              <a:rPr lang="en-US" dirty="0" smtClean="0"/>
-              <a:t> is always created on app start</a:t>
+              <a:t>$scope – view model – shared object between view and model</a:t>
             </a:r>
             <a:endParaRPr lang="ru-RU" dirty="0"/>
           </a:p>
@@ -4232,6 +4487,21 @@
   <p:clrMapOvr>
     <a:masterClrMapping/>
   </p:clrMapOvr>
+  <mc:AlternateContent xmlns:mc="http://schemas.openxmlformats.org/markup-compatibility/2006">
+    <mc:Choice xmlns:p14="http://schemas.microsoft.com/office/powerpoint/2010/main" Requires="p14">
+      <p:transition spd="slow" p14:dur="2000"/>
+    </mc:Choice>
+    <mc:Fallback>
+      <p:transition spd="slow"/>
+    </mc:Fallback>
+  </mc:AlternateContent>
+  <p:timing>
+    <p:tnLst>
+      <p:par>
+        <p:cTn id="1" dur="indefinite" restart="never" nodeType="tmRoot"/>
+      </p:par>
+    </p:tnLst>
+  </p:timing>
 </p:sld>
 </file>
 
@@ -4269,7 +4539,7 @@
           <a:p>
             <a:r>
               <a:rPr lang="en-US" dirty="0" smtClean="0"/>
-              <a:t>Application lifecycle</a:t>
+              <a:t>$scope</a:t>
             </a:r>
             <a:endParaRPr lang="ru-RU" dirty="0"/>
           </a:p>
@@ -4285,31 +4555,53 @@
             <p:ph idx="1"/>
           </p:nvPr>
         </p:nvSpPr>
-        <p:spPr/>
-        <p:txBody>
-          <a:bodyPr/>
-          <a:lstStyle/>
-          <a:p>
+        <p:spPr>
+          <a:xfrm>
+            <a:off x="457200" y="1600200"/>
+            <a:ext cx="8229600" cy="3809999"/>
+          </a:xfrm>
+        </p:spPr>
+        <p:txBody>
+          <a:bodyPr>
+            <a:normAutofit/>
+          </a:bodyPr>
+          <a:lstStyle/>
+          <a:p>
+            <a:r>
+              <a:rPr lang="en-US" dirty="0"/>
+              <a:t>In an AngularJS application, the controller and view share an object called a </a:t>
+            </a:r>
             <a:r>
               <a:rPr lang="en-US" dirty="0" smtClean="0"/>
-              <a:t>starts the app, creates $</a:t>
+              <a:t>scope</a:t>
+            </a:r>
+          </a:p>
+          <a:p>
+            <a:r>
+              <a:rPr lang="en-US" dirty="0" smtClean="0"/>
+              <a:t>scope has </a:t>
+            </a:r>
+            <a:r>
+              <a:rPr lang="en-US" dirty="0"/>
+              <a:t>two-way data </a:t>
+            </a:r>
+            <a:r>
+              <a:rPr lang="en-US" dirty="0" smtClean="0"/>
+              <a:t>binding</a:t>
+            </a:r>
+          </a:p>
+          <a:p>
+            <a:r>
+              <a:rPr lang="en-US" dirty="0"/>
+              <a:t>$</a:t>
             </a:r>
             <a:r>
               <a:rPr lang="en-US" dirty="0" err="1" smtClean="0"/>
               <a:t>rootScope</a:t>
             </a:r>
-            <a:endParaRPr lang="en-US" dirty="0" smtClean="0"/>
-          </a:p>
-          <a:p>
             <a:r>
               <a:rPr lang="en-US" dirty="0" smtClean="0"/>
-              <a:t>“compiles” the DOM, searches for directives</a:t>
-            </a:r>
-          </a:p>
-          <a:p>
-            <a:r>
-              <a:rPr lang="en-US" dirty="0" smtClean="0"/>
-              <a:t>creates the scopes tree that “mirrors” the DOM</a:t>
+              <a:t> is always created on app start</a:t>
             </a:r>
             <a:endParaRPr lang="ru-RU" dirty="0"/>
           </a:p>
@@ -4318,13 +4610,28 @@
     </p:spTree>
     <p:extLst>
       <p:ext uri="{BB962C8B-B14F-4D97-AF65-F5344CB8AC3E}">
-        <p14:creationId xmlns:p14="http://schemas.microsoft.com/office/powerpoint/2010/main" val="1797790202"/>
+        <p14:creationId xmlns:p14="http://schemas.microsoft.com/office/powerpoint/2010/main" val="2019787567"/>
       </p:ext>
     </p:extLst>
   </p:cSld>
   <p:clrMapOvr>
     <a:masterClrMapping/>
   </p:clrMapOvr>
+  <mc:AlternateContent xmlns:mc="http://schemas.openxmlformats.org/markup-compatibility/2006">
+    <mc:Choice xmlns:p14="http://schemas.microsoft.com/office/powerpoint/2010/main" Requires="p14">
+      <p:transition spd="slow" p14:dur="2000"/>
+    </mc:Choice>
+    <mc:Fallback>
+      <p:transition spd="slow"/>
+    </mc:Fallback>
+  </mc:AlternateContent>
+  <p:timing>
+    <p:tnLst>
+      <p:par>
+        <p:cTn id="1" dur="indefinite" restart="never" nodeType="tmRoot"/>
+      </p:par>
+    </p:tnLst>
+  </p:timing>
 </p:sld>
 </file>
 
@@ -4362,7 +4669,7 @@
           <a:p>
             <a:r>
               <a:rPr lang="en-US" dirty="0" smtClean="0"/>
-              <a:t>Directives</a:t>
+              <a:t>Application lifecycle</a:t>
             </a:r>
             <a:endParaRPr lang="ru-RU" dirty="0"/>
           </a:p>
@@ -4385,15 +4692,1031 @@
           <a:p>
             <a:r>
               <a:rPr lang="en-US" dirty="0" smtClean="0"/>
-              <a:t>separated scopes are useful when writing reusable components (like XHTML templates)</a:t>
-            </a:r>
+              <a:t>starts the app, creates $</a:t>
+            </a:r>
+            <a:r>
+              <a:rPr lang="en-US" dirty="0" err="1" smtClean="0"/>
+              <a:t>rootScope</a:t>
+            </a:r>
+            <a:endParaRPr lang="en-US" dirty="0" smtClean="0"/>
           </a:p>
           <a:p>
             <a:r>
               <a:rPr lang="en-US" dirty="0" smtClean="0"/>
-              <a:t>these components are called directives</a:t>
+              <a:t>“compiles” the DOM, searches for directives</a:t>
+            </a:r>
+          </a:p>
+          <a:p>
+            <a:r>
+              <a:rPr lang="en-US" dirty="0" smtClean="0"/>
+              <a:t>creates the scopes tree that “mirrors” the DOM</a:t>
             </a:r>
             <a:endParaRPr lang="ru-RU" dirty="0"/>
+          </a:p>
+        </p:txBody>
+      </p:sp>
+    </p:spTree>
+    <p:extLst>
+      <p:ext uri="{BB962C8B-B14F-4D97-AF65-F5344CB8AC3E}">
+        <p14:creationId xmlns:p14="http://schemas.microsoft.com/office/powerpoint/2010/main" val="1797790202"/>
+      </p:ext>
+    </p:extLst>
+  </p:cSld>
+  <p:clrMapOvr>
+    <a:masterClrMapping/>
+  </p:clrMapOvr>
+  <p:timing>
+    <p:tnLst>
+      <p:par>
+        <p:cTn id="1" dur="indefinite" restart="never" nodeType="tmRoot"/>
+      </p:par>
+    </p:tnLst>
+  </p:timing>
+</p:sld>
+</file>
+
+<file path=ppt/slides/slide5.xml><?xml version="1.0" encoding="utf-8"?>
+<p:sld xmlns:a="http://schemas.openxmlformats.org/drawingml/2006/main" xmlns:r="http://schemas.openxmlformats.org/officeDocument/2006/relationships" xmlns:p="http://schemas.openxmlformats.org/presentationml/2006/main">
+  <p:cSld>
+    <p:spTree>
+      <p:nvGrpSpPr>
+        <p:cNvPr id="1" name=""/>
+        <p:cNvGrpSpPr/>
+        <p:nvPr/>
+      </p:nvGrpSpPr>
+      <p:grpSpPr>
+        <a:xfrm>
+          <a:off x="0" y="0"/>
+          <a:ext cx="0" cy="0"/>
+          <a:chOff x="0" y="0"/>
+          <a:chExt cx="0" cy="0"/>
+        </a:xfrm>
+      </p:grpSpPr>
+      <p:sp>
+        <p:nvSpPr>
+          <p:cNvPr id="2" name="Title 1"/>
+          <p:cNvSpPr>
+            <a:spLocks noGrp="1"/>
+          </p:cNvSpPr>
+          <p:nvPr>
+            <p:ph type="title"/>
+          </p:nvPr>
+        </p:nvSpPr>
+        <p:spPr/>
+        <p:txBody>
+          <a:bodyPr/>
+          <a:lstStyle/>
+          <a:p>
+            <a:r>
+              <a:rPr lang="en-US" dirty="0" smtClean="0"/>
+              <a:t>Modules</a:t>
+            </a:r>
+            <a:endParaRPr lang="ru-RU" dirty="0"/>
+          </a:p>
+        </p:txBody>
+      </p:sp>
+      <p:sp>
+        <p:nvSpPr>
+          <p:cNvPr id="3" name="Content Placeholder 2"/>
+          <p:cNvSpPr>
+            <a:spLocks noGrp="1"/>
+          </p:cNvSpPr>
+          <p:nvPr>
+            <p:ph idx="1"/>
+          </p:nvPr>
+        </p:nvSpPr>
+        <p:spPr>
+          <a:xfrm>
+            <a:off x="457200" y="1600201"/>
+            <a:ext cx="8229600" cy="755400"/>
+          </a:xfrm>
+        </p:spPr>
+        <p:txBody>
+          <a:bodyPr>
+            <a:normAutofit/>
+          </a:bodyPr>
+          <a:lstStyle/>
+          <a:p>
+            <a:pPr marL="0" indent="0">
+              <a:buNone/>
+            </a:pPr>
+            <a:r>
+              <a:rPr lang="en-US" sz="2400" dirty="0" smtClean="0"/>
+              <a:t>create model with 2 arguments</a:t>
+            </a:r>
+            <a:endParaRPr lang="ru-RU" sz="2400" dirty="0"/>
+          </a:p>
+        </p:txBody>
+      </p:sp>
+      <p:sp>
+        <p:nvSpPr>
+          <p:cNvPr id="13" name="Rectangle 9"/>
+          <p:cNvSpPr>
+            <a:spLocks noChangeArrowheads="1"/>
+          </p:cNvSpPr>
+          <p:nvPr/>
+        </p:nvSpPr>
+        <p:spPr bwMode="auto">
+          <a:xfrm>
+            <a:off x="0" y="2057400"/>
+            <a:ext cx="9144000" cy="540000"/>
+          </a:xfrm>
+          <a:prstGeom prst="rect">
+            <a:avLst/>
+          </a:prstGeom>
+          <a:solidFill>
+            <a:srgbClr val="FFFFFF"/>
+          </a:solidFill>
+          <a:ln w="3175" cap="rnd" cmpd="dbl">
+            <a:solidFill>
+              <a:schemeClr val="bg1">
+                <a:lumMod val="95000"/>
+              </a:schemeClr>
+            </a:solidFill>
+            <a:bevel/>
+            <a:headEnd/>
+            <a:tailEnd/>
+          </a:ln>
+          <a:effectLst/>
+          <a:extLst>
+            <a:ext uri="{AF507438-7753-43E0-B8FC-AC1667EBCBE1}">
+              <a14:hiddenEffects xmlns:a14="http://schemas.microsoft.com/office/drawing/2010/main">
+                <a:effectLst>
+                  <a:outerShdw dist="35921" dir="2700000" algn="ctr" rotWithShape="0">
+                    <a:schemeClr val="bg2"/>
+                  </a:outerShdw>
+                </a:effectLst>
+              </a14:hiddenEffects>
+            </a:ext>
+          </a:extLst>
+        </p:spPr>
+        <p:txBody>
+          <a:bodyPr vert="horz" wrap="square" lIns="91440" tIns="45720" rIns="91440" bIns="45720" numCol="1" anchor="ctr" anchorCtr="0" compatLnSpc="1">
+            <a:prstTxWarp prst="textNoShape">
+              <a:avLst/>
+            </a:prstTxWarp>
+            <a:spAutoFit/>
+          </a:bodyPr>
+          <a:lstStyle/>
+          <a:p>
+            <a:pPr lvl="0" eaLnBrk="0" fontAlgn="base" hangingPunct="0">
+              <a:spcBef>
+                <a:spcPct val="0"/>
+              </a:spcBef>
+              <a:spcAft>
+                <a:spcPct val="0"/>
+              </a:spcAft>
+            </a:pPr>
+            <a:r>
+              <a:rPr lang="en-US" altLang="en-US" sz="1400" b="1" dirty="0" err="1">
+                <a:solidFill>
+                  <a:srgbClr val="660E7A"/>
+                </a:solidFill>
+                <a:latin typeface="Courier New" panose="02070309020205020404" pitchFamily="49" charset="0"/>
+                <a:cs typeface="Courier New" panose="02070309020205020404" pitchFamily="49" charset="0"/>
+              </a:rPr>
+              <a:t>angular</a:t>
+            </a:r>
+            <a:r>
+              <a:rPr kumimoji="0" lang="en-US" altLang="en-US" sz="1400" b="0" i="0" u="none" strike="noStrike" cap="none" normalizeH="0" baseline="0" dirty="0" err="1" smtClean="0">
+                <a:ln>
+                  <a:noFill/>
+                </a:ln>
+                <a:solidFill>
+                  <a:srgbClr val="000000"/>
+                </a:solidFill>
+                <a:effectLst>
+                  <a:reflection endPos="0" dist="50800" dir="5400000" sy="-100000" algn="bl" rotWithShape="0"/>
+                </a:effectLst>
+                <a:latin typeface="Courier New" panose="02070309020205020404" pitchFamily="49" charset="0"/>
+                <a:cs typeface="Courier New" panose="02070309020205020404" pitchFamily="49" charset="0"/>
+              </a:rPr>
+              <a:t>.module</a:t>
+            </a:r>
+            <a:r>
+              <a:rPr kumimoji="0" lang="en-US" altLang="en-US" sz="1400" b="0" i="0" u="none" strike="noStrike" cap="none" normalizeH="0" baseline="0" dirty="0" smtClean="0">
+                <a:ln>
+                  <a:noFill/>
+                </a:ln>
+                <a:solidFill>
+                  <a:srgbClr val="000000"/>
+                </a:solidFill>
+                <a:effectLst>
+                  <a:reflection endPos="0" dist="50800" dir="5400000" sy="-100000" algn="bl" rotWithShape="0"/>
+                </a:effectLst>
+                <a:latin typeface="Courier New" panose="02070309020205020404" pitchFamily="49" charset="0"/>
+                <a:cs typeface="Courier New" panose="02070309020205020404" pitchFamily="49" charset="0"/>
+              </a:rPr>
+              <a:t>(</a:t>
+            </a:r>
+            <a:r>
+              <a:rPr kumimoji="0" lang="en-US" altLang="en-US" sz="1400" b="1" i="0" u="none" strike="noStrike" cap="none" normalizeH="0" baseline="0" dirty="0" smtClean="0">
+                <a:ln>
+                  <a:noFill/>
+                </a:ln>
+                <a:solidFill>
+                  <a:srgbClr val="008000"/>
+                </a:solidFill>
+                <a:effectLst>
+                  <a:reflection endPos="0" dist="50800" dir="5400000" sy="-100000" algn="bl" rotWithShape="0"/>
+                </a:effectLst>
+                <a:latin typeface="Courier New" panose="02070309020205020404" pitchFamily="49" charset="0"/>
+                <a:cs typeface="Courier New" panose="02070309020205020404" pitchFamily="49" charset="0"/>
+              </a:rPr>
+              <a:t>‘app'</a:t>
+            </a:r>
+            <a:r>
+              <a:rPr kumimoji="0" lang="en-US" altLang="en-US" sz="1400" b="0" i="0" u="none" strike="noStrike" cap="none" normalizeH="0" baseline="0" dirty="0" smtClean="0">
+                <a:ln>
+                  <a:noFill/>
+                </a:ln>
+                <a:solidFill>
+                  <a:srgbClr val="000000"/>
+                </a:solidFill>
+                <a:effectLst>
+                  <a:reflection endPos="0" dist="50800" dir="5400000" sy="-100000" algn="bl" rotWithShape="0"/>
+                </a:effectLst>
+                <a:latin typeface="Courier New" panose="02070309020205020404" pitchFamily="49" charset="0"/>
+                <a:cs typeface="Courier New" panose="02070309020205020404" pitchFamily="49" charset="0"/>
+              </a:rPr>
+              <a:t>, []);</a:t>
+            </a:r>
+            <a:endParaRPr kumimoji="0" lang="en-US" altLang="en-US" sz="3200" b="0" i="0" u="none" strike="noStrike" cap="none" normalizeH="0" baseline="0" dirty="0" smtClean="0">
+              <a:ln>
+                <a:noFill/>
+              </a:ln>
+              <a:solidFill>
+                <a:schemeClr val="tx1"/>
+              </a:solidFill>
+              <a:effectLst>
+                <a:reflection endPos="0" dist="50800" dir="5400000" sy="-100000" algn="bl" rotWithShape="0"/>
+              </a:effectLst>
+              <a:latin typeface="Arial" panose="020B0604020202020204" pitchFamily="34" charset="0"/>
+            </a:endParaRPr>
+          </a:p>
+        </p:txBody>
+      </p:sp>
+      <p:sp>
+        <p:nvSpPr>
+          <p:cNvPr id="15" name="Rectangle 9"/>
+          <p:cNvSpPr>
+            <a:spLocks noChangeArrowheads="1"/>
+          </p:cNvSpPr>
+          <p:nvPr/>
+        </p:nvSpPr>
+        <p:spPr bwMode="auto">
+          <a:xfrm>
+            <a:off x="0" y="4343400"/>
+            <a:ext cx="9144000" cy="738664"/>
+          </a:xfrm>
+          <a:prstGeom prst="rect">
+            <a:avLst/>
+          </a:prstGeom>
+          <a:solidFill>
+            <a:srgbClr val="FFFFFF"/>
+          </a:solidFill>
+          <a:ln>
+            <a:noFill/>
+          </a:ln>
+          <a:effectLst/>
+          <a:extLst>
+            <a:ext uri="{91240B29-F687-4F45-9708-019B960494DF}">
+              <a14:hiddenLine xmlns:a14="http://schemas.microsoft.com/office/drawing/2010/main" w="9525">
+                <a:solidFill>
+                  <a:schemeClr val="tx1"/>
+                </a:solidFill>
+                <a:miter lim="800000"/>
+                <a:headEnd/>
+                <a:tailEnd/>
+              </a14:hiddenLine>
+            </a:ext>
+            <a:ext uri="{AF507438-7753-43E0-B8FC-AC1667EBCBE1}">
+              <a14:hiddenEffects xmlns:a14="http://schemas.microsoft.com/office/drawing/2010/main">
+                <a:effectLst>
+                  <a:outerShdw dist="35921" dir="2700000" algn="ctr" rotWithShape="0">
+                    <a:schemeClr val="bg2"/>
+                  </a:outerShdw>
+                </a:effectLst>
+              </a14:hiddenEffects>
+            </a:ext>
+          </a:extLst>
+        </p:spPr>
+        <p:txBody>
+          <a:bodyPr vert="horz" wrap="square" lIns="91440" tIns="45720" rIns="91440" bIns="45720" numCol="1" anchor="ctr" anchorCtr="0" compatLnSpc="1">
+            <a:prstTxWarp prst="textNoShape">
+              <a:avLst/>
+            </a:prstTxWarp>
+            <a:spAutoFit/>
+          </a:bodyPr>
+          <a:lstStyle/>
+          <a:p>
+            <a:pPr lvl="0" eaLnBrk="0" fontAlgn="base" hangingPunct="0">
+              <a:spcBef>
+                <a:spcPct val="0"/>
+              </a:spcBef>
+              <a:spcAft>
+                <a:spcPct val="0"/>
+              </a:spcAft>
+            </a:pPr>
+            <a:r>
+              <a:rPr lang="en-US" altLang="en-US" sz="1400" b="1" dirty="0" err="1">
+                <a:solidFill>
+                  <a:srgbClr val="660E7A"/>
+                </a:solidFill>
+                <a:latin typeface="Courier New" panose="02070309020205020404" pitchFamily="49" charset="0"/>
+                <a:cs typeface="Courier New" panose="02070309020205020404" pitchFamily="49" charset="0"/>
+              </a:rPr>
+              <a:t>angular</a:t>
+            </a:r>
+            <a:r>
+              <a:rPr lang="en-US" altLang="en-US" sz="1400" dirty="0" err="1" smtClean="0">
+                <a:solidFill>
+                  <a:srgbClr val="000000"/>
+                </a:solidFill>
+                <a:latin typeface="Courier New" panose="02070309020205020404" pitchFamily="49" charset="0"/>
+                <a:cs typeface="Courier New" panose="02070309020205020404" pitchFamily="49" charset="0"/>
+              </a:rPr>
+              <a:t>.module</a:t>
+            </a:r>
+            <a:r>
+              <a:rPr lang="en-US" altLang="en-US" sz="1400" dirty="0">
+                <a:solidFill>
+                  <a:srgbClr val="000000"/>
+                </a:solidFill>
+                <a:latin typeface="Courier New" panose="02070309020205020404" pitchFamily="49" charset="0"/>
+                <a:cs typeface="Courier New" panose="02070309020205020404" pitchFamily="49" charset="0"/>
+              </a:rPr>
+              <a:t>(</a:t>
+            </a:r>
+            <a:r>
+              <a:rPr lang="en-US" altLang="en-US" sz="1400" b="1" dirty="0">
+                <a:solidFill>
+                  <a:srgbClr val="008000"/>
+                </a:solidFill>
+                <a:latin typeface="Courier New" panose="02070309020205020404" pitchFamily="49" charset="0"/>
+                <a:cs typeface="Courier New" panose="02070309020205020404" pitchFamily="49" charset="0"/>
+              </a:rPr>
+              <a:t>'app'</a:t>
+            </a:r>
+            <a:r>
+              <a:rPr lang="en-US" altLang="en-US" sz="1400" dirty="0">
+                <a:solidFill>
+                  <a:srgbClr val="000000"/>
+                </a:solidFill>
+                <a:latin typeface="Courier New" panose="02070309020205020404" pitchFamily="49" charset="0"/>
+                <a:cs typeface="Courier New" panose="02070309020205020404" pitchFamily="49" charset="0"/>
+              </a:rPr>
+              <a:t>).</a:t>
+            </a:r>
+            <a:r>
+              <a:rPr lang="en-US" altLang="en-US" sz="1400" dirty="0">
+                <a:solidFill>
+                  <a:srgbClr val="7A7A43"/>
+                </a:solidFill>
+                <a:latin typeface="Courier New" panose="02070309020205020404" pitchFamily="49" charset="0"/>
+                <a:cs typeface="Courier New" panose="02070309020205020404" pitchFamily="49" charset="0"/>
+              </a:rPr>
+              <a:t>controller</a:t>
+            </a:r>
+            <a:r>
+              <a:rPr lang="en-US" altLang="en-US" sz="1400" dirty="0">
+                <a:solidFill>
+                  <a:srgbClr val="000000"/>
+                </a:solidFill>
+                <a:latin typeface="Courier New" panose="02070309020205020404" pitchFamily="49" charset="0"/>
+                <a:cs typeface="Courier New" panose="02070309020205020404" pitchFamily="49" charset="0"/>
+              </a:rPr>
+              <a:t>(</a:t>
+            </a:r>
+            <a:r>
+              <a:rPr lang="en-US" altLang="en-US" sz="1400" b="1" dirty="0">
+                <a:solidFill>
+                  <a:srgbClr val="008000"/>
+                </a:solidFill>
+                <a:latin typeface="Courier New" panose="02070309020205020404" pitchFamily="49" charset="0"/>
+                <a:cs typeface="Courier New" panose="02070309020205020404" pitchFamily="49" charset="0"/>
+              </a:rPr>
+              <a:t>'ctrl'</a:t>
+            </a:r>
+            <a:r>
+              <a:rPr lang="en-US" altLang="en-US" sz="1400" dirty="0">
+                <a:solidFill>
+                  <a:srgbClr val="000000"/>
+                </a:solidFill>
+                <a:latin typeface="Courier New" panose="02070309020205020404" pitchFamily="49" charset="0"/>
+                <a:cs typeface="Courier New" panose="02070309020205020404" pitchFamily="49" charset="0"/>
+              </a:rPr>
+              <a:t>, </a:t>
+            </a:r>
+            <a:r>
+              <a:rPr lang="en-US" altLang="en-US" sz="1400" b="1" dirty="0">
+                <a:solidFill>
+                  <a:srgbClr val="000080"/>
+                </a:solidFill>
+                <a:latin typeface="Courier New" panose="02070309020205020404" pitchFamily="49" charset="0"/>
+                <a:cs typeface="Courier New" panose="02070309020205020404" pitchFamily="49" charset="0"/>
+              </a:rPr>
+              <a:t>function</a:t>
+            </a:r>
+            <a:r>
+              <a:rPr lang="en-US" altLang="en-US" sz="1400" dirty="0">
+                <a:solidFill>
+                  <a:srgbClr val="000000"/>
+                </a:solidFill>
+                <a:latin typeface="Courier New" panose="02070309020205020404" pitchFamily="49" charset="0"/>
+                <a:cs typeface="Courier New" panose="02070309020205020404" pitchFamily="49" charset="0"/>
+              </a:rPr>
+              <a:t>($scope) {</a:t>
+            </a:r>
+            <a:br>
+              <a:rPr lang="en-US" altLang="en-US" sz="1400" dirty="0">
+                <a:solidFill>
+                  <a:srgbClr val="000000"/>
+                </a:solidFill>
+                <a:latin typeface="Courier New" panose="02070309020205020404" pitchFamily="49" charset="0"/>
+                <a:cs typeface="Courier New" panose="02070309020205020404" pitchFamily="49" charset="0"/>
+              </a:rPr>
+            </a:br>
+            <a:r>
+              <a:rPr lang="en-US" altLang="en-US" sz="1400" dirty="0">
+                <a:solidFill>
+                  <a:srgbClr val="000000"/>
+                </a:solidFill>
+                <a:latin typeface="Courier New" panose="02070309020205020404" pitchFamily="49" charset="0"/>
+                <a:cs typeface="Courier New" panose="02070309020205020404" pitchFamily="49" charset="0"/>
+              </a:rPr>
+              <a:t>    $scope.</a:t>
+            </a:r>
+            <a:r>
+              <a:rPr lang="en-US" altLang="en-US" sz="1400" b="1" dirty="0">
+                <a:solidFill>
+                  <a:srgbClr val="660E7A"/>
+                </a:solidFill>
+                <a:latin typeface="Courier New" panose="02070309020205020404" pitchFamily="49" charset="0"/>
+                <a:cs typeface="Courier New" panose="02070309020205020404" pitchFamily="49" charset="0"/>
+              </a:rPr>
+              <a:t>name </a:t>
+            </a:r>
+            <a:r>
+              <a:rPr lang="en-US" altLang="en-US" sz="1400" dirty="0">
+                <a:solidFill>
+                  <a:srgbClr val="000000"/>
+                </a:solidFill>
+                <a:latin typeface="Courier New" panose="02070309020205020404" pitchFamily="49" charset="0"/>
+                <a:cs typeface="Courier New" panose="02070309020205020404" pitchFamily="49" charset="0"/>
+              </a:rPr>
+              <a:t>= </a:t>
+            </a:r>
+            <a:r>
+              <a:rPr lang="en-US" altLang="en-US" sz="1400" b="1" dirty="0">
+                <a:solidFill>
+                  <a:srgbClr val="008000"/>
+                </a:solidFill>
+                <a:latin typeface="Courier New" panose="02070309020205020404" pitchFamily="49" charset="0"/>
+                <a:cs typeface="Courier New" panose="02070309020205020404" pitchFamily="49" charset="0"/>
+              </a:rPr>
+              <a:t>'Alexey'</a:t>
+            </a:r>
+            <a:r>
+              <a:rPr lang="en-US" altLang="en-US" sz="1400" dirty="0">
+                <a:solidFill>
+                  <a:srgbClr val="000000"/>
+                </a:solidFill>
+                <a:latin typeface="Courier New" panose="02070309020205020404" pitchFamily="49" charset="0"/>
+                <a:cs typeface="Courier New" panose="02070309020205020404" pitchFamily="49" charset="0"/>
+              </a:rPr>
+              <a:t>;</a:t>
+            </a:r>
+            <a:br>
+              <a:rPr lang="en-US" altLang="en-US" sz="1400" dirty="0">
+                <a:solidFill>
+                  <a:srgbClr val="000000"/>
+                </a:solidFill>
+                <a:latin typeface="Courier New" panose="02070309020205020404" pitchFamily="49" charset="0"/>
+                <a:cs typeface="Courier New" panose="02070309020205020404" pitchFamily="49" charset="0"/>
+              </a:rPr>
+            </a:br>
+            <a:r>
+              <a:rPr lang="en-US" altLang="en-US" sz="1400" dirty="0">
+                <a:solidFill>
+                  <a:srgbClr val="000000"/>
+                </a:solidFill>
+                <a:latin typeface="Courier New" panose="02070309020205020404" pitchFamily="49" charset="0"/>
+                <a:cs typeface="Courier New" panose="02070309020205020404" pitchFamily="49" charset="0"/>
+              </a:rPr>
+              <a:t>});</a:t>
+            </a:r>
+            <a:endParaRPr lang="en-US" altLang="en-US" sz="3200" dirty="0">
+              <a:latin typeface="Arial" panose="020B0604020202020204" pitchFamily="34" charset="0"/>
+            </a:endParaRPr>
+          </a:p>
+        </p:txBody>
+      </p:sp>
+      <p:sp>
+        <p:nvSpPr>
+          <p:cNvPr id="18" name="Rectangle 9"/>
+          <p:cNvSpPr>
+            <a:spLocks noChangeArrowheads="1"/>
+          </p:cNvSpPr>
+          <p:nvPr/>
+        </p:nvSpPr>
+        <p:spPr bwMode="auto">
+          <a:xfrm>
+            <a:off x="0" y="3200400"/>
+            <a:ext cx="9144000" cy="307777"/>
+          </a:xfrm>
+          <a:prstGeom prst="rect">
+            <a:avLst/>
+          </a:prstGeom>
+          <a:solidFill>
+            <a:srgbClr val="FFFFFF"/>
+          </a:solidFill>
+          <a:ln>
+            <a:noFill/>
+          </a:ln>
+          <a:effectLst/>
+          <a:extLst>
+            <a:ext uri="{91240B29-F687-4F45-9708-019B960494DF}">
+              <a14:hiddenLine xmlns:a14="http://schemas.microsoft.com/office/drawing/2010/main" w="9525">
+                <a:solidFill>
+                  <a:schemeClr val="tx1"/>
+                </a:solidFill>
+                <a:miter lim="800000"/>
+                <a:headEnd/>
+                <a:tailEnd/>
+              </a14:hiddenLine>
+            </a:ext>
+            <a:ext uri="{AF507438-7753-43E0-B8FC-AC1667EBCBE1}">
+              <a14:hiddenEffects xmlns:a14="http://schemas.microsoft.com/office/drawing/2010/main">
+                <a:effectLst>
+                  <a:outerShdw dist="35921" dir="2700000" algn="ctr" rotWithShape="0">
+                    <a:schemeClr val="bg2"/>
+                  </a:outerShdw>
+                </a:effectLst>
+              </a14:hiddenEffects>
+            </a:ext>
+          </a:extLst>
+        </p:spPr>
+        <p:txBody>
+          <a:bodyPr vert="horz" wrap="square" lIns="91440" tIns="45720" rIns="91440" bIns="45720" numCol="1" anchor="ctr" anchorCtr="0" compatLnSpc="1">
+            <a:prstTxWarp prst="textNoShape">
+              <a:avLst/>
+            </a:prstTxWarp>
+            <a:spAutoFit/>
+          </a:bodyPr>
+          <a:lstStyle/>
+          <a:p>
+            <a:pPr lvl="0" eaLnBrk="0" fontAlgn="base" hangingPunct="0">
+              <a:spcBef>
+                <a:spcPct val="0"/>
+              </a:spcBef>
+              <a:spcAft>
+                <a:spcPct val="0"/>
+              </a:spcAft>
+            </a:pPr>
+            <a:r>
+              <a:rPr lang="en-US" altLang="en-US" sz="1400" b="1" dirty="0" err="1">
+                <a:solidFill>
+                  <a:srgbClr val="000080"/>
+                </a:solidFill>
+                <a:latin typeface="Courier New" panose="02070309020205020404" pitchFamily="49" charset="0"/>
+                <a:cs typeface="Courier New" panose="02070309020205020404" pitchFamily="49" charset="0"/>
+              </a:rPr>
+              <a:t>var</a:t>
+            </a:r>
+            <a:r>
+              <a:rPr lang="en-US" altLang="en-US" sz="1400" b="1" dirty="0">
+                <a:solidFill>
+                  <a:srgbClr val="000080"/>
+                </a:solidFill>
+                <a:latin typeface="Courier New" panose="02070309020205020404" pitchFamily="49" charset="0"/>
+                <a:cs typeface="Courier New" panose="02070309020205020404" pitchFamily="49" charset="0"/>
+              </a:rPr>
+              <a:t> </a:t>
+            </a:r>
+            <a:r>
+              <a:rPr lang="en-US" altLang="en-US" sz="1400" dirty="0">
+                <a:solidFill>
+                  <a:srgbClr val="458383"/>
+                </a:solidFill>
+                <a:latin typeface="Courier New" panose="02070309020205020404" pitchFamily="49" charset="0"/>
+                <a:cs typeface="Courier New" panose="02070309020205020404" pitchFamily="49" charset="0"/>
+              </a:rPr>
+              <a:t>module </a:t>
+            </a:r>
+            <a:r>
+              <a:rPr lang="en-US" altLang="en-US" sz="1400" dirty="0">
+                <a:solidFill>
+                  <a:srgbClr val="000000"/>
+                </a:solidFill>
+                <a:latin typeface="Courier New" panose="02070309020205020404" pitchFamily="49" charset="0"/>
+                <a:cs typeface="Courier New" panose="02070309020205020404" pitchFamily="49" charset="0"/>
+              </a:rPr>
+              <a:t>= </a:t>
+            </a:r>
+            <a:r>
+              <a:rPr lang="en-US" altLang="en-US" sz="1400" b="1" dirty="0" err="1">
+                <a:solidFill>
+                  <a:srgbClr val="660E7A"/>
+                </a:solidFill>
+                <a:latin typeface="Courier New" panose="02070309020205020404" pitchFamily="49" charset="0"/>
+                <a:cs typeface="Courier New" panose="02070309020205020404" pitchFamily="49" charset="0"/>
+              </a:rPr>
+              <a:t>angular</a:t>
+            </a:r>
+            <a:r>
+              <a:rPr lang="en-US" altLang="en-US" sz="1400" dirty="0" err="1">
+                <a:solidFill>
+                  <a:srgbClr val="000000"/>
+                </a:solidFill>
+                <a:latin typeface="Courier New" panose="02070309020205020404" pitchFamily="49" charset="0"/>
+                <a:cs typeface="Courier New" panose="02070309020205020404" pitchFamily="49" charset="0"/>
+              </a:rPr>
+              <a:t>.module</a:t>
+            </a:r>
+            <a:r>
+              <a:rPr lang="en-US" altLang="en-US" sz="1400" dirty="0">
+                <a:solidFill>
+                  <a:srgbClr val="000000"/>
+                </a:solidFill>
+                <a:latin typeface="Courier New" panose="02070309020205020404" pitchFamily="49" charset="0"/>
+                <a:cs typeface="Courier New" panose="02070309020205020404" pitchFamily="49" charset="0"/>
+              </a:rPr>
+              <a:t>(</a:t>
+            </a:r>
+            <a:r>
+              <a:rPr lang="en-US" altLang="en-US" sz="1400" b="1" dirty="0">
+                <a:solidFill>
+                  <a:srgbClr val="008000"/>
+                </a:solidFill>
+                <a:latin typeface="Courier New" panose="02070309020205020404" pitchFamily="49" charset="0"/>
+                <a:cs typeface="Courier New" panose="02070309020205020404" pitchFamily="49" charset="0"/>
+              </a:rPr>
+              <a:t>'app'</a:t>
+            </a:r>
+            <a:r>
+              <a:rPr lang="en-US" altLang="en-US" sz="1400" dirty="0">
+                <a:solidFill>
+                  <a:srgbClr val="000000"/>
+                </a:solidFill>
+                <a:latin typeface="Courier New" panose="02070309020205020404" pitchFamily="49" charset="0"/>
+                <a:cs typeface="Courier New" panose="02070309020205020404" pitchFamily="49" charset="0"/>
+              </a:rPr>
+              <a:t>);</a:t>
+            </a:r>
+            <a:endParaRPr lang="en-US" altLang="en-US" sz="3200" dirty="0">
+              <a:latin typeface="Arial" panose="020B0604020202020204" pitchFamily="34" charset="0"/>
+            </a:endParaRPr>
+          </a:p>
+        </p:txBody>
+      </p:sp>
+      <p:sp>
+        <p:nvSpPr>
+          <p:cNvPr id="21" name="Content Placeholder 2"/>
+          <p:cNvSpPr txBox="1">
+            <a:spLocks/>
+          </p:cNvSpPr>
+          <p:nvPr/>
+        </p:nvSpPr>
+        <p:spPr>
+          <a:xfrm>
+            <a:off x="457200" y="2676899"/>
+            <a:ext cx="8229600" cy="755400"/>
+          </a:xfrm>
+          <a:prstGeom prst="rect">
+            <a:avLst/>
+          </a:prstGeom>
+        </p:spPr>
+        <p:txBody>
+          <a:bodyPr vert="horz" lIns="91440" tIns="45720" rIns="91440" bIns="45720" rtlCol="0">
+            <a:normAutofit/>
+          </a:bodyPr>
+          <a:lstStyle>
+            <a:lvl1pPr marL="342900" indent="-342900" algn="l" defTabSz="914400" rtl="0" eaLnBrk="1" latinLnBrk="0" hangingPunct="1">
+              <a:spcBef>
+                <a:spcPct val="20000"/>
+              </a:spcBef>
+              <a:buFont typeface="Arial" pitchFamily="34" charset="0"/>
+              <a:buChar char="•"/>
+              <a:defRPr sz="3200" kern="1200">
+                <a:solidFill>
+                  <a:schemeClr val="tx1"/>
+                </a:solidFill>
+                <a:latin typeface="+mn-lt"/>
+                <a:ea typeface="+mn-ea"/>
+                <a:cs typeface="+mn-cs"/>
+              </a:defRPr>
+            </a:lvl1pPr>
+            <a:lvl2pPr marL="742950" indent="-285750" algn="l" defTabSz="914400" rtl="0" eaLnBrk="1" latinLnBrk="0" hangingPunct="1">
+              <a:spcBef>
+                <a:spcPct val="20000"/>
+              </a:spcBef>
+              <a:buFont typeface="Arial" pitchFamily="34" charset="0"/>
+              <a:buChar char="–"/>
+              <a:defRPr sz="2800" kern="1200">
+                <a:solidFill>
+                  <a:schemeClr val="tx1"/>
+                </a:solidFill>
+                <a:latin typeface="+mn-lt"/>
+                <a:ea typeface="+mn-ea"/>
+                <a:cs typeface="+mn-cs"/>
+              </a:defRPr>
+            </a:lvl2pPr>
+            <a:lvl3pPr marL="1143000" indent="-228600" algn="l" defTabSz="914400" rtl="0" eaLnBrk="1" latinLnBrk="0" hangingPunct="1">
+              <a:spcBef>
+                <a:spcPct val="20000"/>
+              </a:spcBef>
+              <a:buFont typeface="Arial" pitchFamily="34" charset="0"/>
+              <a:buChar char="•"/>
+              <a:defRPr sz="2400" kern="1200">
+                <a:solidFill>
+                  <a:schemeClr val="tx1"/>
+                </a:solidFill>
+                <a:latin typeface="+mn-lt"/>
+                <a:ea typeface="+mn-ea"/>
+                <a:cs typeface="+mn-cs"/>
+              </a:defRPr>
+            </a:lvl3pPr>
+            <a:lvl4pPr marL="1600200" indent="-228600" algn="l" defTabSz="914400" rtl="0" eaLnBrk="1" latinLnBrk="0" hangingPunct="1">
+              <a:spcBef>
+                <a:spcPct val="20000"/>
+              </a:spcBef>
+              <a:buFont typeface="Arial" pitchFamily="34" charset="0"/>
+              <a:buChar char="–"/>
+              <a:defRPr sz="2000" kern="1200">
+                <a:solidFill>
+                  <a:schemeClr val="tx1"/>
+                </a:solidFill>
+                <a:latin typeface="+mn-lt"/>
+                <a:ea typeface="+mn-ea"/>
+                <a:cs typeface="+mn-cs"/>
+              </a:defRPr>
+            </a:lvl4pPr>
+            <a:lvl5pPr marL="2057400" indent="-228600" algn="l" defTabSz="914400" rtl="0" eaLnBrk="1" latinLnBrk="0" hangingPunct="1">
+              <a:spcBef>
+                <a:spcPct val="20000"/>
+              </a:spcBef>
+              <a:buFont typeface="Arial" pitchFamily="34" charset="0"/>
+              <a:buChar char="»"/>
+              <a:defRPr sz="2000" kern="1200">
+                <a:solidFill>
+                  <a:schemeClr val="tx1"/>
+                </a:solidFill>
+                <a:latin typeface="+mn-lt"/>
+                <a:ea typeface="+mn-ea"/>
+                <a:cs typeface="+mn-cs"/>
+              </a:defRPr>
+            </a:lvl5pPr>
+            <a:lvl6pPr marL="2514600" indent="-228600" algn="l" defTabSz="914400" rtl="0" eaLnBrk="1" latinLnBrk="0" hangingPunct="1">
+              <a:spcBef>
+                <a:spcPct val="20000"/>
+              </a:spcBef>
+              <a:buFont typeface="Arial" pitchFamily="34" charset="0"/>
+              <a:buChar char="•"/>
+              <a:defRPr sz="2000" kern="1200">
+                <a:solidFill>
+                  <a:schemeClr val="tx1"/>
+                </a:solidFill>
+                <a:latin typeface="+mn-lt"/>
+                <a:ea typeface="+mn-ea"/>
+                <a:cs typeface="+mn-cs"/>
+              </a:defRPr>
+            </a:lvl6pPr>
+            <a:lvl7pPr marL="2971800" indent="-228600" algn="l" defTabSz="914400" rtl="0" eaLnBrk="1" latinLnBrk="0" hangingPunct="1">
+              <a:spcBef>
+                <a:spcPct val="20000"/>
+              </a:spcBef>
+              <a:buFont typeface="Arial" pitchFamily="34" charset="0"/>
+              <a:buChar char="•"/>
+              <a:defRPr sz="2000" kern="1200">
+                <a:solidFill>
+                  <a:schemeClr val="tx1"/>
+                </a:solidFill>
+                <a:latin typeface="+mn-lt"/>
+                <a:ea typeface="+mn-ea"/>
+                <a:cs typeface="+mn-cs"/>
+              </a:defRPr>
+            </a:lvl7pPr>
+            <a:lvl8pPr marL="3429000" indent="-228600" algn="l" defTabSz="914400" rtl="0" eaLnBrk="1" latinLnBrk="0" hangingPunct="1">
+              <a:spcBef>
+                <a:spcPct val="20000"/>
+              </a:spcBef>
+              <a:buFont typeface="Arial" pitchFamily="34" charset="0"/>
+              <a:buChar char="•"/>
+              <a:defRPr sz="2000" kern="1200">
+                <a:solidFill>
+                  <a:schemeClr val="tx1"/>
+                </a:solidFill>
+                <a:latin typeface="+mn-lt"/>
+                <a:ea typeface="+mn-ea"/>
+                <a:cs typeface="+mn-cs"/>
+              </a:defRPr>
+            </a:lvl8pPr>
+            <a:lvl9pPr marL="3886200" indent="-228600" algn="l" defTabSz="914400" rtl="0" eaLnBrk="1" latinLnBrk="0" hangingPunct="1">
+              <a:spcBef>
+                <a:spcPct val="20000"/>
+              </a:spcBef>
+              <a:buFont typeface="Arial" pitchFamily="34" charset="0"/>
+              <a:buChar char="•"/>
+              <a:defRPr sz="2000" kern="1200">
+                <a:solidFill>
+                  <a:schemeClr val="tx1"/>
+                </a:solidFill>
+                <a:latin typeface="+mn-lt"/>
+                <a:ea typeface="+mn-ea"/>
+                <a:cs typeface="+mn-cs"/>
+              </a:defRPr>
+            </a:lvl9pPr>
+          </a:lstStyle>
+          <a:p>
+            <a:pPr marL="0" indent="0">
+              <a:buFont typeface="Arial" pitchFamily="34" charset="0"/>
+              <a:buNone/>
+            </a:pPr>
+            <a:r>
+              <a:rPr lang="en-US" sz="2400" dirty="0"/>
+              <a:t>g</a:t>
+            </a:r>
+            <a:r>
+              <a:rPr lang="en-US" sz="2400" dirty="0" smtClean="0"/>
+              <a:t>et the created model with 1 </a:t>
+            </a:r>
+            <a:r>
+              <a:rPr lang="en-US" sz="2400" dirty="0" err="1" smtClean="0"/>
+              <a:t>arg</a:t>
+            </a:r>
+            <a:endParaRPr lang="ru-RU" sz="2400" dirty="0"/>
+          </a:p>
+        </p:txBody>
+      </p:sp>
+      <p:sp>
+        <p:nvSpPr>
+          <p:cNvPr id="22" name="Content Placeholder 2"/>
+          <p:cNvSpPr txBox="1">
+            <a:spLocks/>
+          </p:cNvSpPr>
+          <p:nvPr/>
+        </p:nvSpPr>
+        <p:spPr>
+          <a:xfrm>
+            <a:off x="457200" y="3733477"/>
+            <a:ext cx="8229600" cy="755400"/>
+          </a:xfrm>
+          <a:prstGeom prst="rect">
+            <a:avLst/>
+          </a:prstGeom>
+        </p:spPr>
+        <p:txBody>
+          <a:bodyPr vert="horz" lIns="91440" tIns="45720" rIns="91440" bIns="45720" rtlCol="0">
+            <a:normAutofit/>
+          </a:bodyPr>
+          <a:lstStyle>
+            <a:lvl1pPr marL="342900" indent="-342900" algn="l" defTabSz="914400" rtl="0" eaLnBrk="1" latinLnBrk="0" hangingPunct="1">
+              <a:spcBef>
+                <a:spcPct val="20000"/>
+              </a:spcBef>
+              <a:buFont typeface="Arial" pitchFamily="34" charset="0"/>
+              <a:buChar char="•"/>
+              <a:defRPr sz="3200" kern="1200">
+                <a:solidFill>
+                  <a:schemeClr val="tx1"/>
+                </a:solidFill>
+                <a:latin typeface="+mn-lt"/>
+                <a:ea typeface="+mn-ea"/>
+                <a:cs typeface="+mn-cs"/>
+              </a:defRPr>
+            </a:lvl1pPr>
+            <a:lvl2pPr marL="742950" indent="-285750" algn="l" defTabSz="914400" rtl="0" eaLnBrk="1" latinLnBrk="0" hangingPunct="1">
+              <a:spcBef>
+                <a:spcPct val="20000"/>
+              </a:spcBef>
+              <a:buFont typeface="Arial" pitchFamily="34" charset="0"/>
+              <a:buChar char="–"/>
+              <a:defRPr sz="2800" kern="1200">
+                <a:solidFill>
+                  <a:schemeClr val="tx1"/>
+                </a:solidFill>
+                <a:latin typeface="+mn-lt"/>
+                <a:ea typeface="+mn-ea"/>
+                <a:cs typeface="+mn-cs"/>
+              </a:defRPr>
+            </a:lvl2pPr>
+            <a:lvl3pPr marL="1143000" indent="-228600" algn="l" defTabSz="914400" rtl="0" eaLnBrk="1" latinLnBrk="0" hangingPunct="1">
+              <a:spcBef>
+                <a:spcPct val="20000"/>
+              </a:spcBef>
+              <a:buFont typeface="Arial" pitchFamily="34" charset="0"/>
+              <a:buChar char="•"/>
+              <a:defRPr sz="2400" kern="1200">
+                <a:solidFill>
+                  <a:schemeClr val="tx1"/>
+                </a:solidFill>
+                <a:latin typeface="+mn-lt"/>
+                <a:ea typeface="+mn-ea"/>
+                <a:cs typeface="+mn-cs"/>
+              </a:defRPr>
+            </a:lvl3pPr>
+            <a:lvl4pPr marL="1600200" indent="-228600" algn="l" defTabSz="914400" rtl="0" eaLnBrk="1" latinLnBrk="0" hangingPunct="1">
+              <a:spcBef>
+                <a:spcPct val="20000"/>
+              </a:spcBef>
+              <a:buFont typeface="Arial" pitchFamily="34" charset="0"/>
+              <a:buChar char="–"/>
+              <a:defRPr sz="2000" kern="1200">
+                <a:solidFill>
+                  <a:schemeClr val="tx1"/>
+                </a:solidFill>
+                <a:latin typeface="+mn-lt"/>
+                <a:ea typeface="+mn-ea"/>
+                <a:cs typeface="+mn-cs"/>
+              </a:defRPr>
+            </a:lvl4pPr>
+            <a:lvl5pPr marL="2057400" indent="-228600" algn="l" defTabSz="914400" rtl="0" eaLnBrk="1" latinLnBrk="0" hangingPunct="1">
+              <a:spcBef>
+                <a:spcPct val="20000"/>
+              </a:spcBef>
+              <a:buFont typeface="Arial" pitchFamily="34" charset="0"/>
+              <a:buChar char="»"/>
+              <a:defRPr sz="2000" kern="1200">
+                <a:solidFill>
+                  <a:schemeClr val="tx1"/>
+                </a:solidFill>
+                <a:latin typeface="+mn-lt"/>
+                <a:ea typeface="+mn-ea"/>
+                <a:cs typeface="+mn-cs"/>
+              </a:defRPr>
+            </a:lvl5pPr>
+            <a:lvl6pPr marL="2514600" indent="-228600" algn="l" defTabSz="914400" rtl="0" eaLnBrk="1" latinLnBrk="0" hangingPunct="1">
+              <a:spcBef>
+                <a:spcPct val="20000"/>
+              </a:spcBef>
+              <a:buFont typeface="Arial" pitchFamily="34" charset="0"/>
+              <a:buChar char="•"/>
+              <a:defRPr sz="2000" kern="1200">
+                <a:solidFill>
+                  <a:schemeClr val="tx1"/>
+                </a:solidFill>
+                <a:latin typeface="+mn-lt"/>
+                <a:ea typeface="+mn-ea"/>
+                <a:cs typeface="+mn-cs"/>
+              </a:defRPr>
+            </a:lvl6pPr>
+            <a:lvl7pPr marL="2971800" indent="-228600" algn="l" defTabSz="914400" rtl="0" eaLnBrk="1" latinLnBrk="0" hangingPunct="1">
+              <a:spcBef>
+                <a:spcPct val="20000"/>
+              </a:spcBef>
+              <a:buFont typeface="Arial" pitchFamily="34" charset="0"/>
+              <a:buChar char="•"/>
+              <a:defRPr sz="2000" kern="1200">
+                <a:solidFill>
+                  <a:schemeClr val="tx1"/>
+                </a:solidFill>
+                <a:latin typeface="+mn-lt"/>
+                <a:ea typeface="+mn-ea"/>
+                <a:cs typeface="+mn-cs"/>
+              </a:defRPr>
+            </a:lvl7pPr>
+            <a:lvl8pPr marL="3429000" indent="-228600" algn="l" defTabSz="914400" rtl="0" eaLnBrk="1" latinLnBrk="0" hangingPunct="1">
+              <a:spcBef>
+                <a:spcPct val="20000"/>
+              </a:spcBef>
+              <a:buFont typeface="Arial" pitchFamily="34" charset="0"/>
+              <a:buChar char="•"/>
+              <a:defRPr sz="2000" kern="1200">
+                <a:solidFill>
+                  <a:schemeClr val="tx1"/>
+                </a:solidFill>
+                <a:latin typeface="+mn-lt"/>
+                <a:ea typeface="+mn-ea"/>
+                <a:cs typeface="+mn-cs"/>
+              </a:defRPr>
+            </a:lvl8pPr>
+            <a:lvl9pPr marL="3886200" indent="-228600" algn="l" defTabSz="914400" rtl="0" eaLnBrk="1" latinLnBrk="0" hangingPunct="1">
+              <a:spcBef>
+                <a:spcPct val="20000"/>
+              </a:spcBef>
+              <a:buFont typeface="Arial" pitchFamily="34" charset="0"/>
+              <a:buChar char="•"/>
+              <a:defRPr sz="2000" kern="1200">
+                <a:solidFill>
+                  <a:schemeClr val="tx1"/>
+                </a:solidFill>
+                <a:latin typeface="+mn-lt"/>
+                <a:ea typeface="+mn-ea"/>
+                <a:cs typeface="+mn-cs"/>
+              </a:defRPr>
+            </a:lvl9pPr>
+          </a:lstStyle>
+          <a:p>
+            <a:pPr marL="0" indent="0">
+              <a:buFont typeface="Arial" pitchFamily="34" charset="0"/>
+              <a:buNone/>
+            </a:pPr>
+            <a:r>
+              <a:rPr lang="en-US" sz="2400" dirty="0" smtClean="0"/>
+              <a:t>call controller function on module instance</a:t>
+            </a:r>
+            <a:endParaRPr lang="ru-RU" sz="2400" dirty="0"/>
           </a:p>
         </p:txBody>
       </p:sp>
@@ -4407,10 +5730,106 @@
   <p:clrMapOvr>
     <a:masterClrMapping/>
   </p:clrMapOvr>
+  <p:timing>
+    <p:tnLst>
+      <p:par>
+        <p:cTn id="1" dur="indefinite" restart="never" nodeType="tmRoot"/>
+      </p:par>
+    </p:tnLst>
+  </p:timing>
 </p:sld>
 </file>
 
-<file path=ppt/slides/slide5.xml><?xml version="1.0" encoding="utf-8"?>
+<file path=ppt/slides/slide6.xml><?xml version="1.0" encoding="utf-8"?>
+<p:sld xmlns:a="http://schemas.openxmlformats.org/drawingml/2006/main" xmlns:r="http://schemas.openxmlformats.org/officeDocument/2006/relationships" xmlns:p="http://schemas.openxmlformats.org/presentationml/2006/main">
+  <p:cSld>
+    <p:spTree>
+      <p:nvGrpSpPr>
+        <p:cNvPr id="1" name=""/>
+        <p:cNvGrpSpPr/>
+        <p:nvPr/>
+      </p:nvGrpSpPr>
+      <p:grpSpPr>
+        <a:xfrm>
+          <a:off x="0" y="0"/>
+          <a:ext cx="0" cy="0"/>
+          <a:chOff x="0" y="0"/>
+          <a:chExt cx="0" cy="0"/>
+        </a:xfrm>
+      </p:grpSpPr>
+      <p:sp>
+        <p:nvSpPr>
+          <p:cNvPr id="2" name="Title 1"/>
+          <p:cNvSpPr>
+            <a:spLocks noGrp="1"/>
+          </p:cNvSpPr>
+          <p:nvPr>
+            <p:ph type="title"/>
+          </p:nvPr>
+        </p:nvSpPr>
+        <p:spPr/>
+        <p:txBody>
+          <a:bodyPr/>
+          <a:lstStyle/>
+          <a:p>
+            <a:r>
+              <a:rPr lang="en-US" dirty="0" smtClean="0"/>
+              <a:t>Directives</a:t>
+            </a:r>
+            <a:endParaRPr lang="ru-RU" dirty="0"/>
+          </a:p>
+        </p:txBody>
+      </p:sp>
+      <p:sp>
+        <p:nvSpPr>
+          <p:cNvPr id="3" name="Content Placeholder 2"/>
+          <p:cNvSpPr>
+            <a:spLocks noGrp="1"/>
+          </p:cNvSpPr>
+          <p:nvPr>
+            <p:ph idx="1"/>
+          </p:nvPr>
+        </p:nvSpPr>
+        <p:spPr/>
+        <p:txBody>
+          <a:bodyPr/>
+          <a:lstStyle/>
+          <a:p>
+            <a:r>
+              <a:rPr lang="en-US" dirty="0" smtClean="0"/>
+              <a:t>separated scopes are useful when writing reusable components (like XHTML templates)</a:t>
+            </a:r>
+          </a:p>
+          <a:p>
+            <a:r>
+              <a:rPr lang="en-US" dirty="0" smtClean="0"/>
+              <a:t>these components are called directives</a:t>
+            </a:r>
+            <a:endParaRPr lang="ru-RU" dirty="0"/>
+          </a:p>
+        </p:txBody>
+      </p:sp>
+    </p:spTree>
+    <p:extLst>
+      <p:ext uri="{BB962C8B-B14F-4D97-AF65-F5344CB8AC3E}">
+        <p14:creationId xmlns:p14="http://schemas.microsoft.com/office/powerpoint/2010/main" val="1059718523"/>
+      </p:ext>
+    </p:extLst>
+  </p:cSld>
+  <p:clrMapOvr>
+    <a:masterClrMapping/>
+  </p:clrMapOvr>
+  <p:timing>
+    <p:tnLst>
+      <p:par>
+        <p:cTn id="1" dur="indefinite" restart="never" nodeType="tmRoot"/>
+      </p:par>
+    </p:tnLst>
+  </p:timing>
+</p:sld>
+</file>
+
+<file path=ppt/slides/slide7.xml><?xml version="1.0" encoding="utf-8"?>
 <p:sld xmlns:a="http://schemas.openxmlformats.org/drawingml/2006/main" xmlns:r="http://schemas.openxmlformats.org/officeDocument/2006/relationships" xmlns:p="http://schemas.openxmlformats.org/presentationml/2006/main">
   <p:cSld>
     <p:spTree>
@@ -4492,182 +5911,6 @@
 </p:sld>
 </file>
 
-<file path=ppt/slides/slide6.xml><?xml version="1.0" encoding="utf-8"?>
-<p:sld xmlns:a="http://schemas.openxmlformats.org/drawingml/2006/main" xmlns:r="http://schemas.openxmlformats.org/officeDocument/2006/relationships" xmlns:p="http://schemas.openxmlformats.org/presentationml/2006/main">
-  <p:cSld>
-    <p:spTree>
-      <p:nvGrpSpPr>
-        <p:cNvPr id="1" name=""/>
-        <p:cNvGrpSpPr/>
-        <p:nvPr/>
-      </p:nvGrpSpPr>
-      <p:grpSpPr>
-        <a:xfrm>
-          <a:off x="0" y="0"/>
-          <a:ext cx="0" cy="0"/>
-          <a:chOff x="0" y="0"/>
-          <a:chExt cx="0" cy="0"/>
-        </a:xfrm>
-      </p:grpSpPr>
-      <p:sp>
-        <p:nvSpPr>
-          <p:cNvPr id="2" name="Title 1"/>
-          <p:cNvSpPr>
-            <a:spLocks noGrp="1"/>
-          </p:cNvSpPr>
-          <p:nvPr>
-            <p:ph type="title"/>
-          </p:nvPr>
-        </p:nvSpPr>
-        <p:spPr/>
-        <p:txBody>
-          <a:bodyPr/>
-          <a:lstStyle/>
-          <a:p>
-            <a:r>
-              <a:rPr lang="en-US" dirty="0" smtClean="0"/>
-              <a:t>Scope inheritance</a:t>
-            </a:r>
-            <a:endParaRPr lang="ru-RU" dirty="0"/>
-          </a:p>
-        </p:txBody>
-      </p:sp>
-      <p:sp>
-        <p:nvSpPr>
-          <p:cNvPr id="3" name="Content Placeholder 2"/>
-          <p:cNvSpPr>
-            <a:spLocks noGrp="1"/>
-          </p:cNvSpPr>
-          <p:nvPr>
-            <p:ph idx="1"/>
-          </p:nvPr>
-        </p:nvSpPr>
-        <p:spPr/>
-        <p:txBody>
-          <a:bodyPr/>
-          <a:lstStyle/>
-          <a:p>
-            <a:r>
-              <a:rPr lang="en-US" dirty="0" smtClean="0"/>
-              <a:t>parent scope </a:t>
-            </a:r>
-            <a:r>
-              <a:rPr lang="en-US" dirty="0" err="1" smtClean="0"/>
-              <a:t>vars</a:t>
-            </a:r>
-            <a:r>
-              <a:rPr lang="en-US" dirty="0" smtClean="0"/>
-              <a:t> in inherited in child scope</a:t>
-            </a:r>
-          </a:p>
-          <a:p>
-            <a:r>
-              <a:rPr lang="en-US" dirty="0" smtClean="0"/>
-              <a:t>unless it’s an isolated scope</a:t>
-            </a:r>
-          </a:p>
-          <a:p>
-            <a:r>
-              <a:rPr lang="en-US" dirty="0" smtClean="0"/>
-              <a:t>scopes are inherited using prototype</a:t>
-            </a:r>
-            <a:endParaRPr lang="ru-RU" dirty="0"/>
-          </a:p>
-        </p:txBody>
-      </p:sp>
-    </p:spTree>
-    <p:extLst>
-      <p:ext uri="{BB962C8B-B14F-4D97-AF65-F5344CB8AC3E}">
-        <p14:creationId xmlns:p14="http://schemas.microsoft.com/office/powerpoint/2010/main" val="3403269080"/>
-      </p:ext>
-    </p:extLst>
-  </p:cSld>
-  <p:clrMapOvr>
-    <a:masterClrMapping/>
-  </p:clrMapOvr>
-</p:sld>
-</file>
-
-<file path=ppt/slides/slide7.xml><?xml version="1.0" encoding="utf-8"?>
-<p:sld xmlns:a="http://schemas.openxmlformats.org/drawingml/2006/main" xmlns:r="http://schemas.openxmlformats.org/officeDocument/2006/relationships" xmlns:p="http://schemas.openxmlformats.org/presentationml/2006/main">
-  <p:cSld>
-    <p:spTree>
-      <p:nvGrpSpPr>
-        <p:cNvPr id="1" name=""/>
-        <p:cNvGrpSpPr/>
-        <p:nvPr/>
-      </p:nvGrpSpPr>
-      <p:grpSpPr>
-        <a:xfrm>
-          <a:off x="0" y="0"/>
-          <a:ext cx="0" cy="0"/>
-          <a:chOff x="0" y="0"/>
-          <a:chExt cx="0" cy="0"/>
-        </a:xfrm>
-      </p:grpSpPr>
-      <p:sp>
-        <p:nvSpPr>
-          <p:cNvPr id="2" name="Title 1"/>
-          <p:cNvSpPr>
-            <a:spLocks noGrp="1"/>
-          </p:cNvSpPr>
-          <p:nvPr>
-            <p:ph type="title"/>
-          </p:nvPr>
-        </p:nvSpPr>
-        <p:spPr/>
-        <p:txBody>
-          <a:bodyPr/>
-          <a:lstStyle/>
-          <a:p>
-            <a:r>
-              <a:rPr lang="en-US" dirty="0" smtClean="0"/>
-              <a:t>HTML 5</a:t>
-            </a:r>
-            <a:endParaRPr lang="en-US" dirty="0"/>
-          </a:p>
-        </p:txBody>
-      </p:sp>
-      <p:sp>
-        <p:nvSpPr>
-          <p:cNvPr id="3" name="Content Placeholder 2"/>
-          <p:cNvSpPr>
-            <a:spLocks noGrp="1"/>
-          </p:cNvSpPr>
-          <p:nvPr>
-            <p:ph idx="1"/>
-          </p:nvPr>
-        </p:nvSpPr>
-        <p:spPr/>
-        <p:txBody>
-          <a:bodyPr/>
-          <a:lstStyle/>
-          <a:p>
-            <a:r>
-              <a:rPr lang="en-US" dirty="0"/>
-              <a:t>&lt;applet</a:t>
-            </a:r>
-            <a:r>
-              <a:rPr lang="en-US" dirty="0" smtClean="0"/>
-              <a:t>&gt; removed (&lt;object&gt; instead)</a:t>
-            </a:r>
-            <a:endParaRPr lang="en-US" dirty="0"/>
-          </a:p>
-        </p:txBody>
-      </p:sp>
-    </p:spTree>
-    <p:extLst>
-      <p:ext uri="{BB962C8B-B14F-4D97-AF65-F5344CB8AC3E}">
-        <p14:creationId xmlns:p14="http://schemas.microsoft.com/office/powerpoint/2010/main" val="2612680553"/>
-      </p:ext>
-    </p:extLst>
-  </p:cSld>
-  <p:clrMapOvr>
-    <a:masterClrMapping/>
-  </p:clrMapOvr>
-</p:sld>
-</file>
-
 <file path=ppt/slides/slide8.xml><?xml version="1.0" encoding="utf-8"?>
 <p:sld xmlns:a="http://schemas.openxmlformats.org/drawingml/2006/main" xmlns:r="http://schemas.openxmlformats.org/officeDocument/2006/relationships" xmlns:p="http://schemas.openxmlformats.org/presentationml/2006/main">
   <p:cSld>
@@ -4701,46 +5944,60 @@
           <a:lstStyle/>
           <a:p>
             <a:r>
+              <a:rPr lang="en-US" dirty="0" smtClean="0"/>
+              <a:t>Scope inheritance</a:t>
+            </a:r>
+            <a:endParaRPr lang="ru-RU" dirty="0"/>
+          </a:p>
+        </p:txBody>
+      </p:sp>
+      <p:sp>
+        <p:nvSpPr>
+          <p:cNvPr id="3" name="Content Placeholder 2"/>
+          <p:cNvSpPr>
+            <a:spLocks noGrp="1"/>
+          </p:cNvSpPr>
+          <p:nvPr>
+            <p:ph idx="1"/>
+          </p:nvPr>
+        </p:nvSpPr>
+        <p:spPr/>
+        <p:txBody>
+          <a:bodyPr/>
+          <a:lstStyle/>
+          <a:p>
+            <a:r>
+              <a:rPr lang="en-US" dirty="0" smtClean="0"/>
+              <a:t>parent scope </a:t>
+            </a:r>
+            <a:r>
               <a:rPr lang="en-US" dirty="0" err="1" smtClean="0"/>
-              <a:t>Javascript</a:t>
-            </a:r>
-            <a:endParaRPr lang="en-US" dirty="0"/>
-          </a:p>
-        </p:txBody>
-      </p:sp>
-      <p:sp>
-        <p:nvSpPr>
-          <p:cNvPr id="3" name="Content Placeholder 2"/>
-          <p:cNvSpPr>
-            <a:spLocks noGrp="1"/>
-          </p:cNvSpPr>
-          <p:nvPr>
-            <p:ph idx="1"/>
-          </p:nvPr>
-        </p:nvSpPr>
-        <p:spPr/>
-        <p:txBody>
-          <a:bodyPr/>
-          <a:lstStyle/>
-          <a:p>
+              <a:t>vars</a:t>
+            </a:r>
             <a:r>
               <a:rPr lang="en-US" dirty="0" smtClean="0"/>
-              <a:t>Java? </a:t>
+              <a:t> in inherited in child scope</a:t>
             </a:r>
           </a:p>
           <a:p>
             <a:r>
               <a:rPr lang="en-US" dirty="0" smtClean="0"/>
-              <a:t>Scripting?</a:t>
-            </a:r>
-            <a:endParaRPr lang="en-US" dirty="0"/>
+              <a:t>unless it’s an isolated scope</a:t>
+            </a:r>
+          </a:p>
+          <a:p>
+            <a:r>
+              <a:rPr lang="en-US" dirty="0" smtClean="0"/>
+              <a:t>scopes are inherited using prototype</a:t>
+            </a:r>
+            <a:endParaRPr lang="ru-RU" dirty="0"/>
           </a:p>
         </p:txBody>
       </p:sp>
     </p:spTree>
     <p:extLst>
       <p:ext uri="{BB962C8B-B14F-4D97-AF65-F5344CB8AC3E}">
-        <p14:creationId xmlns:p14="http://schemas.microsoft.com/office/powerpoint/2010/main" val="3725139495"/>
+        <p14:creationId xmlns:p14="http://schemas.microsoft.com/office/powerpoint/2010/main" val="3403269080"/>
       </p:ext>
     </p:extLst>
   </p:cSld>
@@ -4784,7 +6041,7 @@
           <a:p>
             <a:r>
               <a:rPr lang="en-US" dirty="0" smtClean="0"/>
-              <a:t>Semantics</a:t>
+              <a:t>HTML 5</a:t>
             </a:r>
             <a:endParaRPr lang="en-US" dirty="0"/>
           </a:p>
@@ -4806,14 +6063,12 @@
           <a:lstStyle/>
           <a:p>
             <a:r>
+              <a:rPr lang="en-US" dirty="0"/>
+              <a:t>&lt;applet</a:t>
+            </a:r>
+            <a:r>
               <a:rPr lang="en-US" dirty="0" smtClean="0"/>
-              <a:t>extends HTML with clarity</a:t>
-            </a:r>
-          </a:p>
-          <a:p>
-            <a:r>
-              <a:rPr lang="en-US" dirty="0" smtClean="0"/>
-              <a:t>custom behavioral notations (directives)</a:t>
+              <a:t>&gt; removed (&lt;object&gt; instead)</a:t>
             </a:r>
             <a:endParaRPr lang="en-US" dirty="0"/>
           </a:p>
@@ -4822,7 +6077,7 @@
     </p:spTree>
     <p:extLst>
       <p:ext uri="{BB962C8B-B14F-4D97-AF65-F5344CB8AC3E}">
-        <p14:creationId xmlns:p14="http://schemas.microsoft.com/office/powerpoint/2010/main" val="3478444464"/>
+        <p14:creationId xmlns:p14="http://schemas.microsoft.com/office/powerpoint/2010/main" val="2612680553"/>
       </p:ext>
     </p:extLst>
   </p:cSld>

--- a/docs/01.pptx
+++ b/docs/01.pptx
@@ -219,7 +219,7 @@
           <a:p>
             <a:fld id="{CB1C2BA7-0370-4E4B-9997-E70834CB9037}" type="datetimeFigureOut">
               <a:rPr lang="ru-RU" smtClean="0"/>
-              <a:t>25.04.2016</a:t>
+              <a:t>26.04.2016</a:t>
             </a:fld>
             <a:endParaRPr lang="ru-RU"/>
           </a:p>
@@ -1267,7 +1267,7 @@
             <a:fld id="{1D8BD707-D9CF-40AE-B4C6-C98DA3205C09}" type="datetimeFigureOut">
               <a:rPr lang="en-US" smtClean="0"/>
               <a:pPr/>
-              <a:t>4/25/2016</a:t>
+              <a:t>4/26/2016</a:t>
             </a:fld>
             <a:endParaRPr lang="en-US"/>
           </a:p>
@@ -1434,7 +1434,7 @@
             <a:fld id="{1D8BD707-D9CF-40AE-B4C6-C98DA3205C09}" type="datetimeFigureOut">
               <a:rPr lang="en-US" smtClean="0"/>
               <a:pPr/>
-              <a:t>4/25/2016</a:t>
+              <a:t>4/26/2016</a:t>
             </a:fld>
             <a:endParaRPr lang="en-US"/>
           </a:p>
@@ -1611,7 +1611,7 @@
             <a:fld id="{1D8BD707-D9CF-40AE-B4C6-C98DA3205C09}" type="datetimeFigureOut">
               <a:rPr lang="en-US" smtClean="0"/>
               <a:pPr/>
-              <a:t>4/25/2016</a:t>
+              <a:t>4/26/2016</a:t>
             </a:fld>
             <a:endParaRPr lang="en-US"/>
           </a:p>
@@ -1778,7 +1778,7 @@
             <a:fld id="{1D8BD707-D9CF-40AE-B4C6-C98DA3205C09}" type="datetimeFigureOut">
               <a:rPr lang="en-US" smtClean="0"/>
               <a:pPr/>
-              <a:t>4/25/2016</a:t>
+              <a:t>4/26/2016</a:t>
             </a:fld>
             <a:endParaRPr lang="en-US"/>
           </a:p>
@@ -2021,7 +2021,7 @@
             <a:fld id="{1D8BD707-D9CF-40AE-B4C6-C98DA3205C09}" type="datetimeFigureOut">
               <a:rPr lang="en-US" smtClean="0"/>
               <a:pPr/>
-              <a:t>4/25/2016</a:t>
+              <a:t>4/26/2016</a:t>
             </a:fld>
             <a:endParaRPr lang="en-US"/>
           </a:p>
@@ -2306,7 +2306,7 @@
             <a:fld id="{1D8BD707-D9CF-40AE-B4C6-C98DA3205C09}" type="datetimeFigureOut">
               <a:rPr lang="en-US" smtClean="0"/>
               <a:pPr/>
-              <a:t>4/25/2016</a:t>
+              <a:t>4/26/2016</a:t>
             </a:fld>
             <a:endParaRPr lang="en-US"/>
           </a:p>
@@ -2725,7 +2725,7 @@
             <a:fld id="{1D8BD707-D9CF-40AE-B4C6-C98DA3205C09}" type="datetimeFigureOut">
               <a:rPr lang="en-US" smtClean="0"/>
               <a:pPr/>
-              <a:t>4/25/2016</a:t>
+              <a:t>4/26/2016</a:t>
             </a:fld>
             <a:endParaRPr lang="en-US"/>
           </a:p>
@@ -2840,7 +2840,7 @@
             <a:fld id="{1D8BD707-D9CF-40AE-B4C6-C98DA3205C09}" type="datetimeFigureOut">
               <a:rPr lang="en-US" smtClean="0"/>
               <a:pPr/>
-              <a:t>4/25/2016</a:t>
+              <a:t>4/26/2016</a:t>
             </a:fld>
             <a:endParaRPr lang="en-US"/>
           </a:p>
@@ -2932,7 +2932,7 @@
             <a:fld id="{1D8BD707-D9CF-40AE-B4C6-C98DA3205C09}" type="datetimeFigureOut">
               <a:rPr lang="en-US" smtClean="0"/>
               <a:pPr/>
-              <a:t>4/25/2016</a:t>
+              <a:t>4/26/2016</a:t>
             </a:fld>
             <a:endParaRPr lang="en-US"/>
           </a:p>
@@ -3206,7 +3206,7 @@
             <a:fld id="{1D8BD707-D9CF-40AE-B4C6-C98DA3205C09}" type="datetimeFigureOut">
               <a:rPr lang="en-US" smtClean="0"/>
               <a:pPr/>
-              <a:t>4/25/2016</a:t>
+              <a:t>4/26/2016</a:t>
             </a:fld>
             <a:endParaRPr lang="en-US"/>
           </a:p>
@@ -3456,7 +3456,7 @@
             <a:fld id="{1D8BD707-D9CF-40AE-B4C6-C98DA3205C09}" type="datetimeFigureOut">
               <a:rPr lang="en-US" smtClean="0"/>
               <a:pPr/>
-              <a:t>4/25/2016</a:t>
+              <a:t>4/26/2016</a:t>
             </a:fld>
             <a:endParaRPr lang="en-US"/>
           </a:p>
@@ -3671,7 +3671,7 @@
             <a:fld id="{1D8BD707-D9CF-40AE-B4C6-C98DA3205C09}" type="datetimeFigureOut">
               <a:rPr lang="en-US" smtClean="0"/>
               <a:pPr/>
-              <a:t>4/25/2016</a:t>
+              <a:t>4/26/2016</a:t>
             </a:fld>
             <a:endParaRPr lang="en-US"/>
           </a:p>
@@ -4487,11 +4487,11 @@
   <p:clrMapOvr>
     <a:masterClrMapping/>
   </p:clrMapOvr>
-  <mc:AlternateContent xmlns:mc="http://schemas.openxmlformats.org/markup-compatibility/2006">
-    <mc:Choice xmlns:p14="http://schemas.microsoft.com/office/powerpoint/2010/main" Requires="p14">
+  <mc:AlternateContent xmlns:mc="http://schemas.openxmlformats.org/markup-compatibility/2006" xmlns:p14="http://schemas.microsoft.com/office/powerpoint/2010/main">
+    <mc:Choice Requires="p14">
       <p:transition spd="slow" p14:dur="2000"/>
     </mc:Choice>
-    <mc:Fallback>
+    <mc:Fallback xmlns="">
       <p:transition spd="slow"/>
     </mc:Fallback>
   </mc:AlternateContent>
@@ -4617,11 +4617,11 @@
   <p:clrMapOvr>
     <a:masterClrMapping/>
   </p:clrMapOvr>
-  <mc:AlternateContent xmlns:mc="http://schemas.openxmlformats.org/markup-compatibility/2006">
-    <mc:Choice xmlns:p14="http://schemas.microsoft.com/office/powerpoint/2010/main" Requires="p14">
+  <mc:AlternateContent xmlns:mc="http://schemas.openxmlformats.org/markup-compatibility/2006" xmlns:p14="http://schemas.microsoft.com/office/powerpoint/2010/main">
+    <mc:Choice Requires="p14">
       <p:transition spd="slow" p14:dur="2000"/>
     </mc:Choice>
-    <mc:Fallback>
+    <mc:Fallback xmlns="">
       <p:transition spd="slow"/>
     </mc:Fallback>
   </mc:AlternateContent>
@@ -4801,10 +4801,16 @@
               <a:buNone/>
             </a:pPr>
             <a:r>
-              <a:rPr lang="en-US" sz="2400" dirty="0" smtClean="0"/>
+              <a:rPr lang="en-US" sz="1600" dirty="0" smtClean="0">
+                <a:latin typeface="Courier New" panose="02070309020205020404" pitchFamily="49" charset="0"/>
+                <a:cs typeface="Courier New" panose="02070309020205020404" pitchFamily="49" charset="0"/>
+              </a:rPr>
               <a:t>create model with 2 arguments</a:t>
             </a:r>
-            <a:endParaRPr lang="ru-RU" sz="2400" dirty="0"/>
+            <a:endParaRPr lang="ru-RU" sz="1600" dirty="0">
+              <a:latin typeface="Courier New" panose="02070309020205020404" pitchFamily="49" charset="0"/>
+              <a:cs typeface="Courier New" panose="02070309020205020404" pitchFamily="49" charset="0"/>
+            </a:endParaRPr>
           </a:p>
         </p:txBody>
       </p:sp>
@@ -5380,7 +5386,7 @@
         </p:nvSpPr>
         <p:spPr>
           <a:xfrm>
-            <a:off x="457200" y="2676899"/>
+            <a:off x="457200" y="2743200"/>
             <a:ext cx="8229600" cy="755400"/>
           </a:xfrm>
           <a:prstGeom prst="rect">
@@ -5530,22 +5536,33 @@
           </a:lstStyle>
           <a:p>
             <a:pPr marL="0" indent="0">
-              <a:buFont typeface="Arial" pitchFamily="34" charset="0"/>
               <a:buNone/>
             </a:pPr>
             <a:r>
-              <a:rPr lang="en-US" sz="2400" dirty="0"/>
+              <a:rPr lang="en-US" sz="1600" dirty="0">
+                <a:latin typeface="Courier New" panose="02070309020205020404" pitchFamily="49" charset="0"/>
+                <a:cs typeface="Courier New" panose="02070309020205020404" pitchFamily="49" charset="0"/>
+              </a:rPr>
               <a:t>g</a:t>
             </a:r>
             <a:r>
-              <a:rPr lang="en-US" sz="2400" dirty="0" smtClean="0"/>
+              <a:rPr lang="en-US" sz="1600" dirty="0">
+                <a:latin typeface="Courier New" panose="02070309020205020404" pitchFamily="49" charset="0"/>
+                <a:cs typeface="Courier New" panose="02070309020205020404" pitchFamily="49" charset="0"/>
+              </a:rPr>
               <a:t>et the created model with 1 </a:t>
             </a:r>
             <a:r>
-              <a:rPr lang="en-US" sz="2400" dirty="0" err="1" smtClean="0"/>
+              <a:rPr lang="en-US" sz="1600" dirty="0" err="1">
+                <a:latin typeface="Courier New" panose="02070309020205020404" pitchFamily="49" charset="0"/>
+                <a:cs typeface="Courier New" panose="02070309020205020404" pitchFamily="49" charset="0"/>
+              </a:rPr>
               <a:t>arg</a:t>
             </a:r>
-            <a:endParaRPr lang="ru-RU" sz="2400" dirty="0"/>
+            <a:endParaRPr lang="ru-RU" sz="1600" dirty="0">
+              <a:latin typeface="Courier New" panose="02070309020205020404" pitchFamily="49" charset="0"/>
+              <a:cs typeface="Courier New" panose="02070309020205020404" pitchFamily="49" charset="0"/>
+            </a:endParaRPr>
           </a:p>
         </p:txBody>
       </p:sp>
@@ -5559,7 +5576,7 @@
         </p:nvSpPr>
         <p:spPr>
           <a:xfrm>
-            <a:off x="457200" y="3733477"/>
+            <a:off x="457200" y="3892800"/>
             <a:ext cx="8229600" cy="755400"/>
           </a:xfrm>
           <a:prstGeom prst="rect">
@@ -5709,14 +5726,19 @@
           </a:lstStyle>
           <a:p>
             <a:pPr marL="0" indent="0">
-              <a:buFont typeface="Arial" pitchFamily="34" charset="0"/>
               <a:buNone/>
             </a:pPr>
             <a:r>
-              <a:rPr lang="en-US" sz="2400" dirty="0" smtClean="0"/>
+              <a:rPr lang="en-US" sz="1600" dirty="0">
+                <a:latin typeface="Courier New" panose="02070309020205020404" pitchFamily="49" charset="0"/>
+                <a:cs typeface="Courier New" panose="02070309020205020404" pitchFamily="49" charset="0"/>
+              </a:rPr>
               <a:t>call controller function on module instance</a:t>
             </a:r>
-            <a:endParaRPr lang="ru-RU" sz="2400" dirty="0"/>
+            <a:endParaRPr lang="ru-RU" sz="1600" dirty="0">
+              <a:latin typeface="Courier New" panose="02070309020205020404" pitchFamily="49" charset="0"/>
+              <a:cs typeface="Courier New" panose="02070309020205020404" pitchFamily="49" charset="0"/>
+            </a:endParaRPr>
           </a:p>
         </p:txBody>
       </p:sp>

--- a/docs/01.pptx
+++ b/docs/01.pptx
@@ -5,21 +5,26 @@
     <p:sldMasterId id="2147483648" r:id="rId1"/>
   </p:sldMasterIdLst>
   <p:notesMasterIdLst>
-    <p:notesMasterId r:id="rId14"/>
+    <p:notesMasterId r:id="rId19"/>
   </p:notesMasterIdLst>
   <p:sldIdLst>
     <p:sldId id="256" r:id="rId2"/>
     <p:sldId id="257" r:id="rId3"/>
-    <p:sldId id="267" r:id="rId4"/>
-    <p:sldId id="258" r:id="rId5"/>
-    <p:sldId id="259" r:id="rId6"/>
-    <p:sldId id="266" r:id="rId7"/>
-    <p:sldId id="261" r:id="rId8"/>
-    <p:sldId id="260" r:id="rId9"/>
-    <p:sldId id="262" r:id="rId10"/>
-    <p:sldId id="263" r:id="rId11"/>
-    <p:sldId id="264" r:id="rId12"/>
-    <p:sldId id="265" r:id="rId13"/>
+    <p:sldId id="269" r:id="rId4"/>
+    <p:sldId id="268" r:id="rId5"/>
+    <p:sldId id="270" r:id="rId6"/>
+    <p:sldId id="271" r:id="rId7"/>
+    <p:sldId id="267" r:id="rId8"/>
+    <p:sldId id="272" r:id="rId9"/>
+    <p:sldId id="258" r:id="rId10"/>
+    <p:sldId id="259" r:id="rId11"/>
+    <p:sldId id="266" r:id="rId12"/>
+    <p:sldId id="261" r:id="rId13"/>
+    <p:sldId id="260" r:id="rId14"/>
+    <p:sldId id="262" r:id="rId15"/>
+    <p:sldId id="263" r:id="rId16"/>
+    <p:sldId id="264" r:id="rId17"/>
+    <p:sldId id="265" r:id="rId18"/>
   </p:sldIdLst>
   <p:sldSz cx="9144000" cy="6858000" type="screen4x3"/>
   <p:notesSz cx="6858000" cy="9144000"/>
@@ -219,7 +224,7 @@
           <a:p>
             <a:fld id="{CB1C2BA7-0370-4E4B-9997-E70834CB9037}" type="datetimeFigureOut">
               <a:rPr lang="ru-RU" smtClean="0"/>
-              <a:t>26.04.2016</a:t>
+              <a:t>28.05.2016</a:t>
             </a:fld>
             <a:endParaRPr lang="ru-RU"/>
           </a:p>
@@ -579,6 +584,218 @@
 </p:notes>
 </file>
 
+<file path=ppt/notesSlides/notesSlide10.xml><?xml version="1.0" encoding="utf-8"?>
+<p:notes xmlns:a="http://schemas.openxmlformats.org/drawingml/2006/main" xmlns:r="http://schemas.openxmlformats.org/officeDocument/2006/relationships" xmlns:p="http://schemas.openxmlformats.org/presentationml/2006/main">
+  <p:cSld>
+    <p:spTree>
+      <p:nvGrpSpPr>
+        <p:cNvPr id="1" name=""/>
+        <p:cNvGrpSpPr/>
+        <p:nvPr/>
+      </p:nvGrpSpPr>
+      <p:grpSpPr>
+        <a:xfrm>
+          <a:off x="0" y="0"/>
+          <a:ext cx="0" cy="0"/>
+          <a:chOff x="0" y="0"/>
+          <a:chExt cx="0" cy="0"/>
+        </a:xfrm>
+      </p:grpSpPr>
+      <p:sp>
+        <p:nvSpPr>
+          <p:cNvPr id="2" name="Slide Image Placeholder 1"/>
+          <p:cNvSpPr>
+            <a:spLocks noGrp="1" noRot="1" noChangeAspect="1"/>
+          </p:cNvSpPr>
+          <p:nvPr>
+            <p:ph type="sldImg"/>
+          </p:nvPr>
+        </p:nvSpPr>
+        <p:spPr/>
+      </p:sp>
+      <p:sp>
+        <p:nvSpPr>
+          <p:cNvPr id="3" name="Notes Placeholder 2"/>
+          <p:cNvSpPr>
+            <a:spLocks noGrp="1"/>
+          </p:cNvSpPr>
+          <p:nvPr>
+            <p:ph type="body" idx="1"/>
+          </p:nvPr>
+        </p:nvSpPr>
+        <p:spPr/>
+        <p:txBody>
+          <a:bodyPr/>
+          <a:lstStyle/>
+          <a:p>
+            <a:r>
+              <a:rPr lang="en-US" dirty="0" smtClean="0"/>
+              <a:t>Nothing to do with</a:t>
+            </a:r>
+            <a:r>
+              <a:rPr lang="en-US" baseline="0" dirty="0" smtClean="0"/>
+              <a:t> java</a:t>
+            </a:r>
+          </a:p>
+          <a:p>
+            <a:r>
+              <a:rPr lang="en-US" baseline="0" dirty="0" smtClean="0"/>
+              <a:t>Not a scripting </a:t>
+            </a:r>
+            <a:r>
+              <a:rPr lang="en-US" baseline="0" dirty="0" err="1" smtClean="0"/>
+              <a:t>lang</a:t>
+            </a:r>
+            <a:r>
+              <a:rPr lang="en-US" baseline="0" dirty="0" smtClean="0"/>
+              <a:t> anymore</a:t>
+            </a:r>
+            <a:endParaRPr lang="en-US" dirty="0"/>
+          </a:p>
+        </p:txBody>
+      </p:sp>
+      <p:sp>
+        <p:nvSpPr>
+          <p:cNvPr id="4" name="Slide Number Placeholder 3"/>
+          <p:cNvSpPr>
+            <a:spLocks noGrp="1"/>
+          </p:cNvSpPr>
+          <p:nvPr>
+            <p:ph type="sldNum" sz="quarter" idx="10"/>
+          </p:nvPr>
+        </p:nvSpPr>
+        <p:spPr/>
+        <p:txBody>
+          <a:bodyPr/>
+          <a:lstStyle/>
+          <a:p>
+            <a:fld id="{DA8CAE91-5FC7-41E5-8054-44424FFBB7AB}" type="slidenum">
+              <a:rPr lang="ru-RU" smtClean="0"/>
+              <a:t>16</a:t>
+            </a:fld>
+            <a:endParaRPr lang="ru-RU"/>
+          </a:p>
+        </p:txBody>
+      </p:sp>
+    </p:spTree>
+    <p:extLst>
+      <p:ext uri="{BB962C8B-B14F-4D97-AF65-F5344CB8AC3E}">
+        <p14:creationId xmlns:p14="http://schemas.microsoft.com/office/powerpoint/2010/main" val="1226178349"/>
+      </p:ext>
+    </p:extLst>
+  </p:cSld>
+  <p:clrMapOvr>
+    <a:masterClrMapping/>
+  </p:clrMapOvr>
+</p:notes>
+</file>
+
+<file path=ppt/notesSlides/notesSlide11.xml><?xml version="1.0" encoding="utf-8"?>
+<p:notes xmlns:a="http://schemas.openxmlformats.org/drawingml/2006/main" xmlns:r="http://schemas.openxmlformats.org/officeDocument/2006/relationships" xmlns:p="http://schemas.openxmlformats.org/presentationml/2006/main">
+  <p:cSld>
+    <p:spTree>
+      <p:nvGrpSpPr>
+        <p:cNvPr id="1" name=""/>
+        <p:cNvGrpSpPr/>
+        <p:nvPr/>
+      </p:nvGrpSpPr>
+      <p:grpSpPr>
+        <a:xfrm>
+          <a:off x="0" y="0"/>
+          <a:ext cx="0" cy="0"/>
+          <a:chOff x="0" y="0"/>
+          <a:chExt cx="0" cy="0"/>
+        </a:xfrm>
+      </p:grpSpPr>
+      <p:sp>
+        <p:nvSpPr>
+          <p:cNvPr id="2" name="Slide Image Placeholder 1"/>
+          <p:cNvSpPr>
+            <a:spLocks noGrp="1" noRot="1" noChangeAspect="1"/>
+          </p:cNvSpPr>
+          <p:nvPr>
+            <p:ph type="sldImg"/>
+          </p:nvPr>
+        </p:nvSpPr>
+        <p:spPr/>
+      </p:sp>
+      <p:sp>
+        <p:nvSpPr>
+          <p:cNvPr id="3" name="Notes Placeholder 2"/>
+          <p:cNvSpPr>
+            <a:spLocks noGrp="1"/>
+          </p:cNvSpPr>
+          <p:nvPr>
+            <p:ph type="body" idx="1"/>
+          </p:nvPr>
+        </p:nvSpPr>
+        <p:spPr/>
+        <p:txBody>
+          <a:bodyPr/>
+          <a:lstStyle/>
+          <a:p>
+            <a:r>
+              <a:rPr lang="en-US" dirty="0" smtClean="0"/>
+              <a:t>Nothing to do with</a:t>
+            </a:r>
+            <a:r>
+              <a:rPr lang="en-US" baseline="0" dirty="0" smtClean="0"/>
+              <a:t> java</a:t>
+            </a:r>
+          </a:p>
+          <a:p>
+            <a:r>
+              <a:rPr lang="en-US" baseline="0" dirty="0" smtClean="0"/>
+              <a:t>Not a scripting </a:t>
+            </a:r>
+            <a:r>
+              <a:rPr lang="en-US" baseline="0" dirty="0" err="1" smtClean="0"/>
+              <a:t>lang</a:t>
+            </a:r>
+            <a:r>
+              <a:rPr lang="en-US" baseline="0" dirty="0" smtClean="0"/>
+              <a:t> anymore</a:t>
+            </a:r>
+            <a:endParaRPr lang="en-US" dirty="0"/>
+          </a:p>
+        </p:txBody>
+      </p:sp>
+      <p:sp>
+        <p:nvSpPr>
+          <p:cNvPr id="4" name="Slide Number Placeholder 3"/>
+          <p:cNvSpPr>
+            <a:spLocks noGrp="1"/>
+          </p:cNvSpPr>
+          <p:nvPr>
+            <p:ph type="sldNum" sz="quarter" idx="10"/>
+          </p:nvPr>
+        </p:nvSpPr>
+        <p:spPr/>
+        <p:txBody>
+          <a:bodyPr/>
+          <a:lstStyle/>
+          <a:p>
+            <a:fld id="{DA8CAE91-5FC7-41E5-8054-44424FFBB7AB}" type="slidenum">
+              <a:rPr lang="ru-RU" smtClean="0"/>
+              <a:t>17</a:t>
+            </a:fld>
+            <a:endParaRPr lang="ru-RU"/>
+          </a:p>
+        </p:txBody>
+      </p:sp>
+    </p:spTree>
+    <p:extLst>
+      <p:ext uri="{BB962C8B-B14F-4D97-AF65-F5344CB8AC3E}">
+        <p14:creationId xmlns:p14="http://schemas.microsoft.com/office/powerpoint/2010/main" val="359482980"/>
+      </p:ext>
+    </p:extLst>
+  </p:cSld>
+  <p:clrMapOvr>
+    <a:masterClrMapping/>
+  </p:clrMapOvr>
+</p:notes>
+</file>
+
 <file path=ppt/notesSlides/notesSlide2.xml><?xml version="1.0" encoding="utf-8"?>
 <p:notes xmlns:a="http://schemas.openxmlformats.org/drawingml/2006/main" xmlns:r="http://schemas.openxmlformats.org/officeDocument/2006/relationships" xmlns:p="http://schemas.openxmlformats.org/presentationml/2006/main">
   <p:cSld>
@@ -661,7 +878,7 @@
     </p:spTree>
     <p:extLst>
       <p:ext uri="{BB962C8B-B14F-4D97-AF65-F5344CB8AC3E}">
-        <p14:creationId xmlns:p14="http://schemas.microsoft.com/office/powerpoint/2010/main" val="2208590362"/>
+        <p14:creationId xmlns:p14="http://schemas.microsoft.com/office/powerpoint/2010/main" val="4275814761"/>
       </p:ext>
     </p:extLst>
   </p:cSld>
@@ -717,17 +934,13 @@
           <a:p>
             <a:r>
               <a:rPr lang="en-US" dirty="0" smtClean="0"/>
-              <a:t>ng-if</a:t>
+              <a:t>make</a:t>
             </a:r>
             <a:r>
               <a:rPr lang="en-US" baseline="0" dirty="0" smtClean="0"/>
-              <a:t> creates a </a:t>
-            </a:r>
-            <a:r>
-              <a:rPr lang="en-US" baseline="0" smtClean="0"/>
-              <a:t>child scope</a:t>
-            </a:r>
-            <a:endParaRPr lang="ru-RU"/>
+              <a:t> picture of ctrl + view</a:t>
+            </a:r>
+            <a:endParaRPr lang="ru-RU" dirty="0"/>
           </a:p>
         </p:txBody>
       </p:sp>
@@ -748,7 +961,7 @@
           <a:p>
             <a:fld id="{DA8CAE91-5FC7-41E5-8054-44424FFBB7AB}" type="slidenum">
               <a:rPr lang="ru-RU" smtClean="0"/>
-              <a:t>8</a:t>
+              <a:t>4</a:t>
             </a:fld>
             <a:endParaRPr lang="ru-RU"/>
           </a:p>
@@ -757,7 +970,7 @@
     </p:spTree>
     <p:extLst>
       <p:ext uri="{BB962C8B-B14F-4D97-AF65-F5344CB8AC3E}">
-        <p14:creationId xmlns:p14="http://schemas.microsoft.com/office/powerpoint/2010/main" val="2358394981"/>
+        <p14:creationId xmlns:p14="http://schemas.microsoft.com/office/powerpoint/2010/main" val="1631308460"/>
       </p:ext>
     </p:extLst>
   </p:cSld>
@@ -813,27 +1026,13 @@
           <a:p>
             <a:r>
               <a:rPr lang="en-US" dirty="0" smtClean="0"/>
-              <a:t>Nothing to do with</a:t>
+              <a:t>make</a:t>
             </a:r>
             <a:r>
               <a:rPr lang="en-US" baseline="0" dirty="0" smtClean="0"/>
-              <a:t> java</a:t>
-            </a:r>
-          </a:p>
-          <a:p>
-            <a:r>
-              <a:rPr lang="en-US" baseline="0" dirty="0" smtClean="0"/>
-              <a:t>Not a scripting </a:t>
-            </a:r>
-            <a:r>
-              <a:rPr lang="en-US" baseline="0" dirty="0" err="1" smtClean="0"/>
-              <a:t>lang</a:t>
-            </a:r>
-            <a:r>
-              <a:rPr lang="en-US" baseline="0" dirty="0" smtClean="0"/>
-              <a:t> anymore</a:t>
-            </a:r>
-            <a:endParaRPr lang="en-US" dirty="0"/>
+              <a:t> picture of ctrl + view</a:t>
+            </a:r>
+            <a:endParaRPr lang="ru-RU" dirty="0"/>
           </a:p>
         </p:txBody>
       </p:sp>
@@ -854,7 +1053,7 @@
           <a:p>
             <a:fld id="{DA8CAE91-5FC7-41E5-8054-44424FFBB7AB}" type="slidenum">
               <a:rPr lang="ru-RU" smtClean="0"/>
-              <a:t>10</a:t>
+              <a:t>5</a:t>
             </a:fld>
             <a:endParaRPr lang="ru-RU"/>
           </a:p>
@@ -863,7 +1062,7 @@
     </p:spTree>
     <p:extLst>
       <p:ext uri="{BB962C8B-B14F-4D97-AF65-F5344CB8AC3E}">
-        <p14:creationId xmlns:p14="http://schemas.microsoft.com/office/powerpoint/2010/main" val="3609066261"/>
+        <p14:creationId xmlns:p14="http://schemas.microsoft.com/office/powerpoint/2010/main" val="3500800206"/>
       </p:ext>
     </p:extLst>
   </p:cSld>
@@ -919,27 +1118,13 @@
           <a:p>
             <a:r>
               <a:rPr lang="en-US" dirty="0" smtClean="0"/>
-              <a:t>Nothing to do with</a:t>
+              <a:t>make</a:t>
             </a:r>
             <a:r>
               <a:rPr lang="en-US" baseline="0" dirty="0" smtClean="0"/>
-              <a:t> java</a:t>
-            </a:r>
-          </a:p>
-          <a:p>
-            <a:r>
-              <a:rPr lang="en-US" baseline="0" dirty="0" smtClean="0"/>
-              <a:t>Not a scripting </a:t>
-            </a:r>
-            <a:r>
-              <a:rPr lang="en-US" baseline="0" dirty="0" err="1" smtClean="0"/>
-              <a:t>lang</a:t>
-            </a:r>
-            <a:r>
-              <a:rPr lang="en-US" baseline="0" dirty="0" smtClean="0"/>
-              <a:t> anymore</a:t>
-            </a:r>
-            <a:endParaRPr lang="en-US" dirty="0"/>
+              <a:t> picture of ctrl + view</a:t>
+            </a:r>
+            <a:endParaRPr lang="ru-RU" dirty="0"/>
           </a:p>
         </p:txBody>
       </p:sp>
@@ -960,7 +1145,7 @@
           <a:p>
             <a:fld id="{DA8CAE91-5FC7-41E5-8054-44424FFBB7AB}" type="slidenum">
               <a:rPr lang="ru-RU" smtClean="0"/>
-              <a:t>11</a:t>
+              <a:t>6</a:t>
             </a:fld>
             <a:endParaRPr lang="ru-RU"/>
           </a:p>
@@ -969,7 +1154,7 @@
     </p:spTree>
     <p:extLst>
       <p:ext uri="{BB962C8B-B14F-4D97-AF65-F5344CB8AC3E}">
-        <p14:creationId xmlns:p14="http://schemas.microsoft.com/office/powerpoint/2010/main" val="1226178349"/>
+        <p14:creationId xmlns:p14="http://schemas.microsoft.com/office/powerpoint/2010/main" val="4149209114"/>
       </p:ext>
     </p:extLst>
   </p:cSld>
@@ -1025,27 +1210,13 @@
           <a:p>
             <a:r>
               <a:rPr lang="en-US" dirty="0" smtClean="0"/>
-              <a:t>Nothing to do with</a:t>
+              <a:t>make</a:t>
             </a:r>
             <a:r>
               <a:rPr lang="en-US" baseline="0" dirty="0" smtClean="0"/>
-              <a:t> java</a:t>
-            </a:r>
-          </a:p>
-          <a:p>
-            <a:r>
-              <a:rPr lang="en-US" baseline="0" dirty="0" smtClean="0"/>
-              <a:t>Not a scripting </a:t>
-            </a:r>
-            <a:r>
-              <a:rPr lang="en-US" baseline="0" dirty="0" err="1" smtClean="0"/>
-              <a:t>lang</a:t>
-            </a:r>
-            <a:r>
-              <a:rPr lang="en-US" baseline="0" dirty="0" smtClean="0"/>
-              <a:t> anymore</a:t>
-            </a:r>
-            <a:endParaRPr lang="en-US" dirty="0"/>
+              <a:t> picture of ctrl + view</a:t>
+            </a:r>
+            <a:endParaRPr lang="ru-RU" dirty="0"/>
           </a:p>
         </p:txBody>
       </p:sp>
@@ -1066,7 +1237,7 @@
           <a:p>
             <a:fld id="{DA8CAE91-5FC7-41E5-8054-44424FFBB7AB}" type="slidenum">
               <a:rPr lang="ru-RU" smtClean="0"/>
-              <a:t>12</a:t>
+              <a:t>7</a:t>
             </a:fld>
             <a:endParaRPr lang="ru-RU"/>
           </a:p>
@@ -1075,7 +1246,301 @@
     </p:spTree>
     <p:extLst>
       <p:ext uri="{BB962C8B-B14F-4D97-AF65-F5344CB8AC3E}">
-        <p14:creationId xmlns:p14="http://schemas.microsoft.com/office/powerpoint/2010/main" val="359482980"/>
+        <p14:creationId xmlns:p14="http://schemas.microsoft.com/office/powerpoint/2010/main" val="2208590362"/>
+      </p:ext>
+    </p:extLst>
+  </p:cSld>
+  <p:clrMapOvr>
+    <a:masterClrMapping/>
+  </p:clrMapOvr>
+</p:notes>
+</file>
+
+<file path=ppt/notesSlides/notesSlide7.xml><?xml version="1.0" encoding="utf-8"?>
+<p:notes xmlns:a="http://schemas.openxmlformats.org/drawingml/2006/main" xmlns:r="http://schemas.openxmlformats.org/officeDocument/2006/relationships" xmlns:p="http://schemas.openxmlformats.org/presentationml/2006/main">
+  <p:cSld>
+    <p:spTree>
+      <p:nvGrpSpPr>
+        <p:cNvPr id="1" name=""/>
+        <p:cNvGrpSpPr/>
+        <p:nvPr/>
+      </p:nvGrpSpPr>
+      <p:grpSpPr>
+        <a:xfrm>
+          <a:off x="0" y="0"/>
+          <a:ext cx="0" cy="0"/>
+          <a:chOff x="0" y="0"/>
+          <a:chExt cx="0" cy="0"/>
+        </a:xfrm>
+      </p:grpSpPr>
+      <p:sp>
+        <p:nvSpPr>
+          <p:cNvPr id="2" name="Slide Image Placeholder 1"/>
+          <p:cNvSpPr>
+            <a:spLocks noGrp="1" noRot="1" noChangeAspect="1"/>
+          </p:cNvSpPr>
+          <p:nvPr>
+            <p:ph type="sldImg"/>
+          </p:nvPr>
+        </p:nvSpPr>
+        <p:spPr/>
+      </p:sp>
+      <p:sp>
+        <p:nvSpPr>
+          <p:cNvPr id="3" name="Notes Placeholder 2"/>
+          <p:cNvSpPr>
+            <a:spLocks noGrp="1"/>
+          </p:cNvSpPr>
+          <p:nvPr>
+            <p:ph type="body" idx="1"/>
+          </p:nvPr>
+        </p:nvSpPr>
+        <p:spPr/>
+        <p:txBody>
+          <a:bodyPr/>
+          <a:lstStyle/>
+          <a:p>
+            <a:r>
+              <a:rPr lang="en-US" dirty="0" smtClean="0"/>
+              <a:t>make</a:t>
+            </a:r>
+            <a:r>
+              <a:rPr lang="en-US" baseline="0" dirty="0" smtClean="0"/>
+              <a:t> picture of ctrl + view</a:t>
+            </a:r>
+            <a:endParaRPr lang="ru-RU" dirty="0"/>
+          </a:p>
+        </p:txBody>
+      </p:sp>
+      <p:sp>
+        <p:nvSpPr>
+          <p:cNvPr id="4" name="Slide Number Placeholder 3"/>
+          <p:cNvSpPr>
+            <a:spLocks noGrp="1"/>
+          </p:cNvSpPr>
+          <p:nvPr>
+            <p:ph type="sldNum" sz="quarter" idx="10"/>
+          </p:nvPr>
+        </p:nvSpPr>
+        <p:spPr/>
+        <p:txBody>
+          <a:bodyPr/>
+          <a:lstStyle/>
+          <a:p>
+            <a:fld id="{DA8CAE91-5FC7-41E5-8054-44424FFBB7AB}" type="slidenum">
+              <a:rPr lang="ru-RU" smtClean="0"/>
+              <a:t>8</a:t>
+            </a:fld>
+            <a:endParaRPr lang="ru-RU"/>
+          </a:p>
+        </p:txBody>
+      </p:sp>
+    </p:spTree>
+    <p:extLst>
+      <p:ext uri="{BB962C8B-B14F-4D97-AF65-F5344CB8AC3E}">
+        <p14:creationId xmlns:p14="http://schemas.microsoft.com/office/powerpoint/2010/main" val="4140982790"/>
+      </p:ext>
+    </p:extLst>
+  </p:cSld>
+  <p:clrMapOvr>
+    <a:masterClrMapping/>
+  </p:clrMapOvr>
+</p:notes>
+</file>
+
+<file path=ppt/notesSlides/notesSlide8.xml><?xml version="1.0" encoding="utf-8"?>
+<p:notes xmlns:a="http://schemas.openxmlformats.org/drawingml/2006/main" xmlns:r="http://schemas.openxmlformats.org/officeDocument/2006/relationships" xmlns:p="http://schemas.openxmlformats.org/presentationml/2006/main">
+  <p:cSld>
+    <p:spTree>
+      <p:nvGrpSpPr>
+        <p:cNvPr id="1" name=""/>
+        <p:cNvGrpSpPr/>
+        <p:nvPr/>
+      </p:nvGrpSpPr>
+      <p:grpSpPr>
+        <a:xfrm>
+          <a:off x="0" y="0"/>
+          <a:ext cx="0" cy="0"/>
+          <a:chOff x="0" y="0"/>
+          <a:chExt cx="0" cy="0"/>
+        </a:xfrm>
+      </p:grpSpPr>
+      <p:sp>
+        <p:nvSpPr>
+          <p:cNvPr id="2" name="Slide Image Placeholder 1"/>
+          <p:cNvSpPr>
+            <a:spLocks noGrp="1" noRot="1" noChangeAspect="1"/>
+          </p:cNvSpPr>
+          <p:nvPr>
+            <p:ph type="sldImg"/>
+          </p:nvPr>
+        </p:nvSpPr>
+        <p:spPr/>
+      </p:sp>
+      <p:sp>
+        <p:nvSpPr>
+          <p:cNvPr id="3" name="Notes Placeholder 2"/>
+          <p:cNvSpPr>
+            <a:spLocks noGrp="1"/>
+          </p:cNvSpPr>
+          <p:nvPr>
+            <p:ph type="body" idx="1"/>
+          </p:nvPr>
+        </p:nvSpPr>
+        <p:spPr/>
+        <p:txBody>
+          <a:bodyPr/>
+          <a:lstStyle/>
+          <a:p>
+            <a:r>
+              <a:rPr lang="en-US" dirty="0" smtClean="0"/>
+              <a:t>ng-if</a:t>
+            </a:r>
+            <a:r>
+              <a:rPr lang="en-US" baseline="0" dirty="0" smtClean="0"/>
+              <a:t> creates a </a:t>
+            </a:r>
+            <a:r>
+              <a:rPr lang="en-US" baseline="0" smtClean="0"/>
+              <a:t>child scope</a:t>
+            </a:r>
+            <a:endParaRPr lang="ru-RU"/>
+          </a:p>
+        </p:txBody>
+      </p:sp>
+      <p:sp>
+        <p:nvSpPr>
+          <p:cNvPr id="4" name="Slide Number Placeholder 3"/>
+          <p:cNvSpPr>
+            <a:spLocks noGrp="1"/>
+          </p:cNvSpPr>
+          <p:nvPr>
+            <p:ph type="sldNum" sz="quarter" idx="10"/>
+          </p:nvPr>
+        </p:nvSpPr>
+        <p:spPr/>
+        <p:txBody>
+          <a:bodyPr/>
+          <a:lstStyle/>
+          <a:p>
+            <a:fld id="{DA8CAE91-5FC7-41E5-8054-44424FFBB7AB}" type="slidenum">
+              <a:rPr lang="ru-RU" smtClean="0"/>
+              <a:t>13</a:t>
+            </a:fld>
+            <a:endParaRPr lang="ru-RU"/>
+          </a:p>
+        </p:txBody>
+      </p:sp>
+    </p:spTree>
+    <p:extLst>
+      <p:ext uri="{BB962C8B-B14F-4D97-AF65-F5344CB8AC3E}">
+        <p14:creationId xmlns:p14="http://schemas.microsoft.com/office/powerpoint/2010/main" val="2358394981"/>
+      </p:ext>
+    </p:extLst>
+  </p:cSld>
+  <p:clrMapOvr>
+    <a:masterClrMapping/>
+  </p:clrMapOvr>
+</p:notes>
+</file>
+
+<file path=ppt/notesSlides/notesSlide9.xml><?xml version="1.0" encoding="utf-8"?>
+<p:notes xmlns:a="http://schemas.openxmlformats.org/drawingml/2006/main" xmlns:r="http://schemas.openxmlformats.org/officeDocument/2006/relationships" xmlns:p="http://schemas.openxmlformats.org/presentationml/2006/main">
+  <p:cSld>
+    <p:spTree>
+      <p:nvGrpSpPr>
+        <p:cNvPr id="1" name=""/>
+        <p:cNvGrpSpPr/>
+        <p:nvPr/>
+      </p:nvGrpSpPr>
+      <p:grpSpPr>
+        <a:xfrm>
+          <a:off x="0" y="0"/>
+          <a:ext cx="0" cy="0"/>
+          <a:chOff x="0" y="0"/>
+          <a:chExt cx="0" cy="0"/>
+        </a:xfrm>
+      </p:grpSpPr>
+      <p:sp>
+        <p:nvSpPr>
+          <p:cNvPr id="2" name="Slide Image Placeholder 1"/>
+          <p:cNvSpPr>
+            <a:spLocks noGrp="1" noRot="1" noChangeAspect="1"/>
+          </p:cNvSpPr>
+          <p:nvPr>
+            <p:ph type="sldImg"/>
+          </p:nvPr>
+        </p:nvSpPr>
+        <p:spPr/>
+      </p:sp>
+      <p:sp>
+        <p:nvSpPr>
+          <p:cNvPr id="3" name="Notes Placeholder 2"/>
+          <p:cNvSpPr>
+            <a:spLocks noGrp="1"/>
+          </p:cNvSpPr>
+          <p:nvPr>
+            <p:ph type="body" idx="1"/>
+          </p:nvPr>
+        </p:nvSpPr>
+        <p:spPr/>
+        <p:txBody>
+          <a:bodyPr/>
+          <a:lstStyle/>
+          <a:p>
+            <a:r>
+              <a:rPr lang="en-US" dirty="0" smtClean="0"/>
+              <a:t>Nothing to do with</a:t>
+            </a:r>
+            <a:r>
+              <a:rPr lang="en-US" baseline="0" dirty="0" smtClean="0"/>
+              <a:t> java</a:t>
+            </a:r>
+          </a:p>
+          <a:p>
+            <a:r>
+              <a:rPr lang="en-US" baseline="0" dirty="0" smtClean="0"/>
+              <a:t>Not a scripting </a:t>
+            </a:r>
+            <a:r>
+              <a:rPr lang="en-US" baseline="0" dirty="0" err="1" smtClean="0"/>
+              <a:t>lang</a:t>
+            </a:r>
+            <a:r>
+              <a:rPr lang="en-US" baseline="0" dirty="0" smtClean="0"/>
+              <a:t> anymore</a:t>
+            </a:r>
+            <a:endParaRPr lang="en-US" dirty="0"/>
+          </a:p>
+        </p:txBody>
+      </p:sp>
+      <p:sp>
+        <p:nvSpPr>
+          <p:cNvPr id="4" name="Slide Number Placeholder 3"/>
+          <p:cNvSpPr>
+            <a:spLocks noGrp="1"/>
+          </p:cNvSpPr>
+          <p:nvPr>
+            <p:ph type="sldNum" sz="quarter" idx="10"/>
+          </p:nvPr>
+        </p:nvSpPr>
+        <p:spPr/>
+        <p:txBody>
+          <a:bodyPr/>
+          <a:lstStyle/>
+          <a:p>
+            <a:fld id="{DA8CAE91-5FC7-41E5-8054-44424FFBB7AB}" type="slidenum">
+              <a:rPr lang="ru-RU" smtClean="0"/>
+              <a:t>15</a:t>
+            </a:fld>
+            <a:endParaRPr lang="ru-RU"/>
+          </a:p>
+        </p:txBody>
+      </p:sp>
+    </p:spTree>
+    <p:extLst>
+      <p:ext uri="{BB962C8B-B14F-4D97-AF65-F5344CB8AC3E}">
+        <p14:creationId xmlns:p14="http://schemas.microsoft.com/office/powerpoint/2010/main" val="3609066261"/>
       </p:ext>
     </p:extLst>
   </p:cSld>
@@ -1267,7 +1732,7 @@
             <a:fld id="{1D8BD707-D9CF-40AE-B4C6-C98DA3205C09}" type="datetimeFigureOut">
               <a:rPr lang="en-US" smtClean="0"/>
               <a:pPr/>
-              <a:t>4/26/2016</a:t>
+              <a:t>5/28/2016</a:t>
             </a:fld>
             <a:endParaRPr lang="en-US"/>
           </a:p>
@@ -1434,7 +1899,7 @@
             <a:fld id="{1D8BD707-D9CF-40AE-B4C6-C98DA3205C09}" type="datetimeFigureOut">
               <a:rPr lang="en-US" smtClean="0"/>
               <a:pPr/>
-              <a:t>4/26/2016</a:t>
+              <a:t>5/28/2016</a:t>
             </a:fld>
             <a:endParaRPr lang="en-US"/>
           </a:p>
@@ -1611,7 +2076,7 @@
             <a:fld id="{1D8BD707-D9CF-40AE-B4C6-C98DA3205C09}" type="datetimeFigureOut">
               <a:rPr lang="en-US" smtClean="0"/>
               <a:pPr/>
-              <a:t>4/26/2016</a:t>
+              <a:t>5/28/2016</a:t>
             </a:fld>
             <a:endParaRPr lang="en-US"/>
           </a:p>
@@ -1778,7 +2243,7 @@
             <a:fld id="{1D8BD707-D9CF-40AE-B4C6-C98DA3205C09}" type="datetimeFigureOut">
               <a:rPr lang="en-US" smtClean="0"/>
               <a:pPr/>
-              <a:t>4/26/2016</a:t>
+              <a:t>5/28/2016</a:t>
             </a:fld>
             <a:endParaRPr lang="en-US"/>
           </a:p>
@@ -2021,7 +2486,7 @@
             <a:fld id="{1D8BD707-D9CF-40AE-B4C6-C98DA3205C09}" type="datetimeFigureOut">
               <a:rPr lang="en-US" smtClean="0"/>
               <a:pPr/>
-              <a:t>4/26/2016</a:t>
+              <a:t>5/28/2016</a:t>
             </a:fld>
             <a:endParaRPr lang="en-US"/>
           </a:p>
@@ -2306,7 +2771,7 @@
             <a:fld id="{1D8BD707-D9CF-40AE-B4C6-C98DA3205C09}" type="datetimeFigureOut">
               <a:rPr lang="en-US" smtClean="0"/>
               <a:pPr/>
-              <a:t>4/26/2016</a:t>
+              <a:t>5/28/2016</a:t>
             </a:fld>
             <a:endParaRPr lang="en-US"/>
           </a:p>
@@ -2725,7 +3190,7 @@
             <a:fld id="{1D8BD707-D9CF-40AE-B4C6-C98DA3205C09}" type="datetimeFigureOut">
               <a:rPr lang="en-US" smtClean="0"/>
               <a:pPr/>
-              <a:t>4/26/2016</a:t>
+              <a:t>5/28/2016</a:t>
             </a:fld>
             <a:endParaRPr lang="en-US"/>
           </a:p>
@@ -2840,7 +3305,7 @@
             <a:fld id="{1D8BD707-D9CF-40AE-B4C6-C98DA3205C09}" type="datetimeFigureOut">
               <a:rPr lang="en-US" smtClean="0"/>
               <a:pPr/>
-              <a:t>4/26/2016</a:t>
+              <a:t>5/28/2016</a:t>
             </a:fld>
             <a:endParaRPr lang="en-US"/>
           </a:p>
@@ -2932,7 +3397,7 @@
             <a:fld id="{1D8BD707-D9CF-40AE-B4C6-C98DA3205C09}" type="datetimeFigureOut">
               <a:rPr lang="en-US" smtClean="0"/>
               <a:pPr/>
-              <a:t>4/26/2016</a:t>
+              <a:t>5/28/2016</a:t>
             </a:fld>
             <a:endParaRPr lang="en-US"/>
           </a:p>
@@ -3206,7 +3671,7 @@
             <a:fld id="{1D8BD707-D9CF-40AE-B4C6-C98DA3205C09}" type="datetimeFigureOut">
               <a:rPr lang="en-US" smtClean="0"/>
               <a:pPr/>
-              <a:t>4/26/2016</a:t>
+              <a:t>5/28/2016</a:t>
             </a:fld>
             <a:endParaRPr lang="en-US"/>
           </a:p>
@@ -3456,7 +3921,7 @@
             <a:fld id="{1D8BD707-D9CF-40AE-B4C6-C98DA3205C09}" type="datetimeFigureOut">
               <a:rPr lang="en-US" smtClean="0"/>
               <a:pPr/>
-              <a:t>4/26/2016</a:t>
+              <a:t>5/28/2016</a:t>
             </a:fld>
             <a:endParaRPr lang="en-US"/>
           </a:p>
@@ -3671,7 +4136,7 @@
             <a:fld id="{1D8BD707-D9CF-40AE-B4C6-C98DA3205C09}" type="datetimeFigureOut">
               <a:rPr lang="en-US" smtClean="0"/>
               <a:pPr/>
-              <a:t>4/26/2016</a:t>
+              <a:t>5/28/2016</a:t>
             </a:fld>
             <a:endParaRPr lang="en-US"/>
           </a:p>
@@ -4064,6 +4529,8 @@
                 <a:effectLst>
                   <a:reflection blurRad="12700" stA="33000" endPos="57000" dir="5400000" sy="-100000" algn="bl" rotWithShape="0"/>
                 </a:effectLst>
+                <a:latin typeface="Courier New" panose="02070309020205020404" pitchFamily="49" charset="0"/>
+                <a:cs typeface="Courier New" panose="02070309020205020404" pitchFamily="49" charset="0"/>
               </a:rPr>
               <a:t>Angular JS</a:t>
             </a:r>
@@ -4071,6 +4538,8 @@
               <a:effectLst>
                 <a:reflection blurRad="12700" stA="33000" endPos="57000" dir="5400000" sy="-100000" algn="bl" rotWithShape="0"/>
               </a:effectLst>
+              <a:latin typeface="Courier New" panose="02070309020205020404" pitchFamily="49" charset="0"/>
+              <a:cs typeface="Courier New" panose="02070309020205020404" pitchFamily="49" charset="0"/>
             </a:endParaRPr>
           </a:p>
         </p:txBody>
@@ -4151,627 +4620,16 @@
           <a:lstStyle/>
           <a:p>
             <a:r>
-              <a:rPr lang="en-US" dirty="0" err="1" smtClean="0"/>
-              <a:t>Javascript</a:t>
-            </a:r>
-            <a:endParaRPr lang="en-US" dirty="0"/>
-          </a:p>
-        </p:txBody>
-      </p:sp>
-      <p:sp>
-        <p:nvSpPr>
-          <p:cNvPr id="3" name="Content Placeholder 2"/>
-          <p:cNvSpPr>
-            <a:spLocks noGrp="1"/>
-          </p:cNvSpPr>
-          <p:nvPr>
-            <p:ph idx="1"/>
-          </p:nvPr>
-        </p:nvSpPr>
-        <p:spPr/>
-        <p:txBody>
-          <a:bodyPr/>
-          <a:lstStyle/>
-          <a:p>
-            <a:r>
-              <a:rPr lang="en-US" dirty="0" smtClean="0"/>
-              <a:t>Java? </a:t>
-            </a:r>
-          </a:p>
-          <a:p>
-            <a:r>
-              <a:rPr lang="en-US" dirty="0" smtClean="0"/>
-              <a:t>Scripting?</a:t>
-            </a:r>
-            <a:endParaRPr lang="en-US" dirty="0"/>
-          </a:p>
-        </p:txBody>
-      </p:sp>
-    </p:spTree>
-    <p:extLst>
-      <p:ext uri="{BB962C8B-B14F-4D97-AF65-F5344CB8AC3E}">
-        <p14:creationId xmlns:p14="http://schemas.microsoft.com/office/powerpoint/2010/main" val="3725139495"/>
-      </p:ext>
-    </p:extLst>
-  </p:cSld>
-  <p:clrMapOvr>
-    <a:masterClrMapping/>
-  </p:clrMapOvr>
-</p:sld>
-</file>
-
-<file path=ppt/slides/slide11.xml><?xml version="1.0" encoding="utf-8"?>
-<p:sld xmlns:a="http://schemas.openxmlformats.org/drawingml/2006/main" xmlns:r="http://schemas.openxmlformats.org/officeDocument/2006/relationships" xmlns:p="http://schemas.openxmlformats.org/presentationml/2006/main">
-  <p:cSld>
-    <p:spTree>
-      <p:nvGrpSpPr>
-        <p:cNvPr id="1" name=""/>
-        <p:cNvGrpSpPr/>
-        <p:nvPr/>
-      </p:nvGrpSpPr>
-      <p:grpSpPr>
-        <a:xfrm>
-          <a:off x="0" y="0"/>
-          <a:ext cx="0" cy="0"/>
-          <a:chOff x="0" y="0"/>
-          <a:chExt cx="0" cy="0"/>
-        </a:xfrm>
-      </p:grpSpPr>
-      <p:sp>
-        <p:nvSpPr>
-          <p:cNvPr id="2" name="Title 1"/>
-          <p:cNvSpPr>
-            <a:spLocks noGrp="1"/>
-          </p:cNvSpPr>
-          <p:nvPr>
-            <p:ph type="title"/>
-          </p:nvPr>
-        </p:nvSpPr>
-        <p:spPr/>
-        <p:txBody>
-          <a:bodyPr/>
-          <a:lstStyle/>
-          <a:p>
-            <a:r>
-              <a:rPr lang="en-US" dirty="0" smtClean="0"/>
-              <a:t>Semantics</a:t>
-            </a:r>
-            <a:endParaRPr lang="en-US" dirty="0"/>
-          </a:p>
-        </p:txBody>
-      </p:sp>
-      <p:sp>
-        <p:nvSpPr>
-          <p:cNvPr id="3" name="Content Placeholder 2"/>
-          <p:cNvSpPr>
-            <a:spLocks noGrp="1"/>
-          </p:cNvSpPr>
-          <p:nvPr>
-            <p:ph idx="1"/>
-          </p:nvPr>
-        </p:nvSpPr>
-        <p:spPr/>
-        <p:txBody>
-          <a:bodyPr/>
-          <a:lstStyle/>
-          <a:p>
-            <a:r>
-              <a:rPr lang="en-US" dirty="0" smtClean="0"/>
-              <a:t>extends HTML with clarity</a:t>
-            </a:r>
-          </a:p>
-          <a:p>
-            <a:r>
-              <a:rPr lang="en-US" dirty="0" smtClean="0"/>
-              <a:t>custom behavioral notations (directives)</a:t>
-            </a:r>
-            <a:endParaRPr lang="en-US" dirty="0"/>
-          </a:p>
-        </p:txBody>
-      </p:sp>
-    </p:spTree>
-    <p:extLst>
-      <p:ext uri="{BB962C8B-B14F-4D97-AF65-F5344CB8AC3E}">
-        <p14:creationId xmlns:p14="http://schemas.microsoft.com/office/powerpoint/2010/main" val="3478444464"/>
-      </p:ext>
-    </p:extLst>
-  </p:cSld>
-  <p:clrMapOvr>
-    <a:masterClrMapping/>
-  </p:clrMapOvr>
-</p:sld>
-</file>
-
-<file path=ppt/slides/slide12.xml><?xml version="1.0" encoding="utf-8"?>
-<p:sld xmlns:a="http://schemas.openxmlformats.org/drawingml/2006/main" xmlns:r="http://schemas.openxmlformats.org/officeDocument/2006/relationships" xmlns:p="http://schemas.openxmlformats.org/presentationml/2006/main">
-  <p:cSld>
-    <p:spTree>
-      <p:nvGrpSpPr>
-        <p:cNvPr id="1" name=""/>
-        <p:cNvGrpSpPr/>
-        <p:nvPr/>
-      </p:nvGrpSpPr>
-      <p:grpSpPr>
-        <a:xfrm>
-          <a:off x="0" y="0"/>
-          <a:ext cx="0" cy="0"/>
-          <a:chOff x="0" y="0"/>
-          <a:chExt cx="0" cy="0"/>
-        </a:xfrm>
-      </p:grpSpPr>
-      <p:sp>
-        <p:nvSpPr>
-          <p:cNvPr id="2" name="Title 1"/>
-          <p:cNvSpPr>
-            <a:spLocks noGrp="1"/>
-          </p:cNvSpPr>
-          <p:nvPr>
-            <p:ph type="title"/>
-          </p:nvPr>
-        </p:nvSpPr>
-        <p:spPr/>
-        <p:txBody>
-          <a:bodyPr/>
-          <a:lstStyle/>
-          <a:p>
-            <a:r>
-              <a:rPr lang="en-US" dirty="0" smtClean="0"/>
-              <a:t>Angular 1 vs 2</a:t>
-            </a:r>
-            <a:endParaRPr lang="en-US" dirty="0"/>
-          </a:p>
-        </p:txBody>
-      </p:sp>
-      <p:sp>
-        <p:nvSpPr>
-          <p:cNvPr id="3" name="Content Placeholder 2"/>
-          <p:cNvSpPr>
-            <a:spLocks noGrp="1"/>
-          </p:cNvSpPr>
-          <p:nvPr>
-            <p:ph idx="1"/>
-          </p:nvPr>
-        </p:nvSpPr>
-        <p:spPr/>
-        <p:txBody>
-          <a:bodyPr/>
-          <a:lstStyle/>
-          <a:p>
-            <a:pPr marL="0" indent="0">
-              <a:buNone/>
-            </a:pPr>
-            <a:r>
-              <a:rPr lang="en-US" dirty="0" smtClean="0"/>
-              <a:t>(what people say)</a:t>
-            </a:r>
-          </a:p>
-          <a:p>
-            <a:r>
-              <a:rPr lang="en-US" dirty="0" smtClean="0"/>
-              <a:t>2 is too raw</a:t>
-            </a:r>
-          </a:p>
-          <a:p>
-            <a:r>
-              <a:rPr lang="en-US" dirty="0" smtClean="0"/>
-              <a:t>1 can be upgraded using </a:t>
-            </a:r>
-            <a:r>
-              <a:rPr lang="en-US" dirty="0" err="1" smtClean="0"/>
-              <a:t>ngForward</a:t>
-            </a:r>
-            <a:endParaRPr lang="en-US" dirty="0" smtClean="0"/>
-          </a:p>
-          <a:p>
-            <a:r>
-              <a:rPr lang="en-US" dirty="0" smtClean="0"/>
-              <a:t>2 has better performance</a:t>
-            </a:r>
-          </a:p>
-          <a:p>
-            <a:r>
-              <a:rPr lang="en-US" dirty="0" smtClean="0"/>
-              <a:t>1 will still be supported</a:t>
-            </a:r>
-          </a:p>
-          <a:p>
-            <a:r>
-              <a:rPr lang="en-US" dirty="0" smtClean="0"/>
-              <a:t>2 uses TS and ES6</a:t>
-            </a:r>
-          </a:p>
-        </p:txBody>
-      </p:sp>
-    </p:spTree>
-    <p:extLst>
-      <p:ext uri="{BB962C8B-B14F-4D97-AF65-F5344CB8AC3E}">
-        <p14:creationId xmlns:p14="http://schemas.microsoft.com/office/powerpoint/2010/main" val="1269660243"/>
-      </p:ext>
-    </p:extLst>
-  </p:cSld>
-  <p:clrMapOvr>
-    <a:masterClrMapping/>
-  </p:clrMapOvr>
-</p:sld>
-</file>
-
-<file path=ppt/slides/slide2.xml><?xml version="1.0" encoding="utf-8"?>
-<p:sld xmlns:a="http://schemas.openxmlformats.org/drawingml/2006/main" xmlns:r="http://schemas.openxmlformats.org/officeDocument/2006/relationships" xmlns:p="http://schemas.openxmlformats.org/presentationml/2006/main">
-  <p:cSld>
-    <p:spTree>
-      <p:nvGrpSpPr>
-        <p:cNvPr id="1" name=""/>
-        <p:cNvGrpSpPr/>
-        <p:nvPr/>
-      </p:nvGrpSpPr>
-      <p:grpSpPr>
-        <a:xfrm>
-          <a:off x="0" y="0"/>
-          <a:ext cx="0" cy="0"/>
-          <a:chOff x="0" y="0"/>
-          <a:chExt cx="0" cy="0"/>
-        </a:xfrm>
-      </p:grpSpPr>
-      <p:sp>
-        <p:nvSpPr>
-          <p:cNvPr id="2" name="Title 1"/>
-          <p:cNvSpPr>
-            <a:spLocks noGrp="1"/>
-          </p:cNvSpPr>
-          <p:nvPr>
-            <p:ph type="title"/>
-          </p:nvPr>
-        </p:nvSpPr>
-        <p:spPr/>
-        <p:txBody>
-          <a:bodyPr/>
-          <a:lstStyle/>
-          <a:p>
-            <a:r>
-              <a:rPr lang="en-US" dirty="0" smtClean="0"/>
-              <a:t>MVVM</a:t>
-            </a:r>
-            <a:endParaRPr lang="ru-RU" dirty="0"/>
-          </a:p>
-        </p:txBody>
-      </p:sp>
-      <p:sp>
-        <p:nvSpPr>
-          <p:cNvPr id="3" name="Content Placeholder 2"/>
-          <p:cNvSpPr>
-            <a:spLocks noGrp="1"/>
-          </p:cNvSpPr>
-          <p:nvPr>
-            <p:ph idx="1"/>
-          </p:nvPr>
-        </p:nvSpPr>
-        <p:spPr>
-          <a:xfrm>
-            <a:off x="457200" y="1600200"/>
-            <a:ext cx="8229600" cy="3809999"/>
-          </a:xfrm>
-        </p:spPr>
-        <p:txBody>
-          <a:bodyPr>
-            <a:normAutofit/>
-          </a:bodyPr>
-          <a:lstStyle/>
-          <a:p>
-            <a:r>
-              <a:rPr lang="en-US" dirty="0" smtClean="0"/>
-              <a:t>JS – model</a:t>
-            </a:r>
-          </a:p>
-          <a:p>
-            <a:r>
-              <a:rPr lang="en-US" dirty="0" smtClean="0"/>
-              <a:t>HTML – view</a:t>
-            </a:r>
-          </a:p>
-          <a:p>
-            <a:r>
-              <a:rPr lang="en-US" dirty="0" smtClean="0"/>
-              <a:t>$scope – view model – shared object between view and model</a:t>
-            </a:r>
-            <a:endParaRPr lang="ru-RU" dirty="0"/>
-          </a:p>
-        </p:txBody>
-      </p:sp>
-    </p:spTree>
-    <p:extLst>
-      <p:ext uri="{BB962C8B-B14F-4D97-AF65-F5344CB8AC3E}">
-        <p14:creationId xmlns:p14="http://schemas.microsoft.com/office/powerpoint/2010/main" val="3356693845"/>
-      </p:ext>
-    </p:extLst>
-  </p:cSld>
-  <p:clrMapOvr>
-    <a:masterClrMapping/>
-  </p:clrMapOvr>
-  <mc:AlternateContent xmlns:mc="http://schemas.openxmlformats.org/markup-compatibility/2006" xmlns:p14="http://schemas.microsoft.com/office/powerpoint/2010/main">
-    <mc:Choice Requires="p14">
-      <p:transition spd="slow" p14:dur="2000"/>
-    </mc:Choice>
-    <mc:Fallback xmlns="">
-      <p:transition spd="slow"/>
-    </mc:Fallback>
-  </mc:AlternateContent>
-  <p:timing>
-    <p:tnLst>
-      <p:par>
-        <p:cTn id="1" dur="indefinite" restart="never" nodeType="tmRoot"/>
-      </p:par>
-    </p:tnLst>
-  </p:timing>
-</p:sld>
-</file>
-
-<file path=ppt/slides/slide3.xml><?xml version="1.0" encoding="utf-8"?>
-<p:sld xmlns:a="http://schemas.openxmlformats.org/drawingml/2006/main" xmlns:r="http://schemas.openxmlformats.org/officeDocument/2006/relationships" xmlns:p="http://schemas.openxmlformats.org/presentationml/2006/main">
-  <p:cSld>
-    <p:spTree>
-      <p:nvGrpSpPr>
-        <p:cNvPr id="1" name=""/>
-        <p:cNvGrpSpPr/>
-        <p:nvPr/>
-      </p:nvGrpSpPr>
-      <p:grpSpPr>
-        <a:xfrm>
-          <a:off x="0" y="0"/>
-          <a:ext cx="0" cy="0"/>
-          <a:chOff x="0" y="0"/>
-          <a:chExt cx="0" cy="0"/>
-        </a:xfrm>
-      </p:grpSpPr>
-      <p:sp>
-        <p:nvSpPr>
-          <p:cNvPr id="2" name="Title 1"/>
-          <p:cNvSpPr>
-            <a:spLocks noGrp="1"/>
-          </p:cNvSpPr>
-          <p:nvPr>
-            <p:ph type="title"/>
-          </p:nvPr>
-        </p:nvSpPr>
-        <p:spPr/>
-        <p:txBody>
-          <a:bodyPr/>
-          <a:lstStyle/>
-          <a:p>
-            <a:r>
-              <a:rPr lang="en-US" dirty="0" smtClean="0"/>
-              <a:t>$scope</a:t>
-            </a:r>
-            <a:endParaRPr lang="ru-RU" dirty="0"/>
-          </a:p>
-        </p:txBody>
-      </p:sp>
-      <p:sp>
-        <p:nvSpPr>
-          <p:cNvPr id="3" name="Content Placeholder 2"/>
-          <p:cNvSpPr>
-            <a:spLocks noGrp="1"/>
-          </p:cNvSpPr>
-          <p:nvPr>
-            <p:ph idx="1"/>
-          </p:nvPr>
-        </p:nvSpPr>
-        <p:spPr>
-          <a:xfrm>
-            <a:off x="457200" y="1600200"/>
-            <a:ext cx="8229600" cy="3809999"/>
-          </a:xfrm>
-        </p:spPr>
-        <p:txBody>
-          <a:bodyPr>
-            <a:normAutofit/>
-          </a:bodyPr>
-          <a:lstStyle/>
-          <a:p>
-            <a:r>
-              <a:rPr lang="en-US" dirty="0"/>
-              <a:t>In an AngularJS application, the controller and view share an object called a </a:t>
-            </a:r>
-            <a:r>
-              <a:rPr lang="en-US" dirty="0" smtClean="0"/>
-              <a:t>scope</a:t>
-            </a:r>
-          </a:p>
-          <a:p>
-            <a:r>
-              <a:rPr lang="en-US" dirty="0" smtClean="0"/>
-              <a:t>scope has </a:t>
-            </a:r>
-            <a:r>
-              <a:rPr lang="en-US" dirty="0"/>
-              <a:t>two-way data </a:t>
-            </a:r>
-            <a:r>
-              <a:rPr lang="en-US" dirty="0" smtClean="0"/>
-              <a:t>binding</a:t>
-            </a:r>
-          </a:p>
-          <a:p>
-            <a:r>
-              <a:rPr lang="en-US" dirty="0"/>
-              <a:t>$</a:t>
-            </a:r>
-            <a:r>
-              <a:rPr lang="en-US" dirty="0" err="1" smtClean="0"/>
-              <a:t>rootScope</a:t>
-            </a:r>
-            <a:r>
-              <a:rPr lang="en-US" dirty="0" smtClean="0"/>
-              <a:t> is always created on app start</a:t>
-            </a:r>
-            <a:endParaRPr lang="ru-RU" dirty="0"/>
-          </a:p>
-        </p:txBody>
-      </p:sp>
-    </p:spTree>
-    <p:extLst>
-      <p:ext uri="{BB962C8B-B14F-4D97-AF65-F5344CB8AC3E}">
-        <p14:creationId xmlns:p14="http://schemas.microsoft.com/office/powerpoint/2010/main" val="2019787567"/>
-      </p:ext>
-    </p:extLst>
-  </p:cSld>
-  <p:clrMapOvr>
-    <a:masterClrMapping/>
-  </p:clrMapOvr>
-  <mc:AlternateContent xmlns:mc="http://schemas.openxmlformats.org/markup-compatibility/2006" xmlns:p14="http://schemas.microsoft.com/office/powerpoint/2010/main">
-    <mc:Choice Requires="p14">
-      <p:transition spd="slow" p14:dur="2000"/>
-    </mc:Choice>
-    <mc:Fallback xmlns="">
-      <p:transition spd="slow"/>
-    </mc:Fallback>
-  </mc:AlternateContent>
-  <p:timing>
-    <p:tnLst>
-      <p:par>
-        <p:cTn id="1" dur="indefinite" restart="never" nodeType="tmRoot"/>
-      </p:par>
-    </p:tnLst>
-  </p:timing>
-</p:sld>
-</file>
-
-<file path=ppt/slides/slide4.xml><?xml version="1.0" encoding="utf-8"?>
-<p:sld xmlns:a="http://schemas.openxmlformats.org/drawingml/2006/main" xmlns:r="http://schemas.openxmlformats.org/officeDocument/2006/relationships" xmlns:p="http://schemas.openxmlformats.org/presentationml/2006/main">
-  <p:cSld>
-    <p:spTree>
-      <p:nvGrpSpPr>
-        <p:cNvPr id="1" name=""/>
-        <p:cNvGrpSpPr/>
-        <p:nvPr/>
-      </p:nvGrpSpPr>
-      <p:grpSpPr>
-        <a:xfrm>
-          <a:off x="0" y="0"/>
-          <a:ext cx="0" cy="0"/>
-          <a:chOff x="0" y="0"/>
-          <a:chExt cx="0" cy="0"/>
-        </a:xfrm>
-      </p:grpSpPr>
-      <p:sp>
-        <p:nvSpPr>
-          <p:cNvPr id="2" name="Title 1"/>
-          <p:cNvSpPr>
-            <a:spLocks noGrp="1"/>
-          </p:cNvSpPr>
-          <p:nvPr>
-            <p:ph type="title"/>
-          </p:nvPr>
-        </p:nvSpPr>
-        <p:spPr/>
-        <p:txBody>
-          <a:bodyPr/>
-          <a:lstStyle/>
-          <a:p>
-            <a:r>
-              <a:rPr lang="en-US" dirty="0" smtClean="0"/>
-              <a:t>Application lifecycle</a:t>
-            </a:r>
-            <a:endParaRPr lang="ru-RU" dirty="0"/>
-          </a:p>
-        </p:txBody>
-      </p:sp>
-      <p:sp>
-        <p:nvSpPr>
-          <p:cNvPr id="3" name="Content Placeholder 2"/>
-          <p:cNvSpPr>
-            <a:spLocks noGrp="1"/>
-          </p:cNvSpPr>
-          <p:nvPr>
-            <p:ph idx="1"/>
-          </p:nvPr>
-        </p:nvSpPr>
-        <p:spPr/>
-        <p:txBody>
-          <a:bodyPr/>
-          <a:lstStyle/>
-          <a:p>
-            <a:r>
-              <a:rPr lang="en-US" dirty="0" smtClean="0"/>
-              <a:t>starts the app, creates $</a:t>
-            </a:r>
-            <a:r>
-              <a:rPr lang="en-US" dirty="0" err="1" smtClean="0"/>
-              <a:t>rootScope</a:t>
-            </a:r>
-            <a:endParaRPr lang="en-US" dirty="0" smtClean="0"/>
-          </a:p>
-          <a:p>
-            <a:r>
-              <a:rPr lang="en-US" dirty="0" smtClean="0"/>
-              <a:t>“compiles” the DOM, searches for directives</a:t>
-            </a:r>
-          </a:p>
-          <a:p>
-            <a:r>
-              <a:rPr lang="en-US" dirty="0" smtClean="0"/>
-              <a:t>creates the scopes tree that “mirrors” the DOM</a:t>
-            </a:r>
-            <a:endParaRPr lang="ru-RU" dirty="0"/>
-          </a:p>
-        </p:txBody>
-      </p:sp>
-    </p:spTree>
-    <p:extLst>
-      <p:ext uri="{BB962C8B-B14F-4D97-AF65-F5344CB8AC3E}">
-        <p14:creationId xmlns:p14="http://schemas.microsoft.com/office/powerpoint/2010/main" val="1797790202"/>
-      </p:ext>
-    </p:extLst>
-  </p:cSld>
-  <p:clrMapOvr>
-    <a:masterClrMapping/>
-  </p:clrMapOvr>
-  <p:timing>
-    <p:tnLst>
-      <p:par>
-        <p:cTn id="1" dur="indefinite" restart="never" nodeType="tmRoot"/>
-      </p:par>
-    </p:tnLst>
-  </p:timing>
-</p:sld>
-</file>
-
-<file path=ppt/slides/slide5.xml><?xml version="1.0" encoding="utf-8"?>
-<p:sld xmlns:a="http://schemas.openxmlformats.org/drawingml/2006/main" xmlns:r="http://schemas.openxmlformats.org/officeDocument/2006/relationships" xmlns:p="http://schemas.openxmlformats.org/presentationml/2006/main">
-  <p:cSld>
-    <p:spTree>
-      <p:nvGrpSpPr>
-        <p:cNvPr id="1" name=""/>
-        <p:cNvGrpSpPr/>
-        <p:nvPr/>
-      </p:nvGrpSpPr>
-      <p:grpSpPr>
-        <a:xfrm>
-          <a:off x="0" y="0"/>
-          <a:ext cx="0" cy="0"/>
-          <a:chOff x="0" y="0"/>
-          <a:chExt cx="0" cy="0"/>
-        </a:xfrm>
-      </p:grpSpPr>
-      <p:sp>
-        <p:nvSpPr>
-          <p:cNvPr id="2" name="Title 1"/>
-          <p:cNvSpPr>
-            <a:spLocks noGrp="1"/>
-          </p:cNvSpPr>
-          <p:nvPr>
-            <p:ph type="title"/>
-          </p:nvPr>
-        </p:nvSpPr>
-        <p:spPr/>
-        <p:txBody>
-          <a:bodyPr/>
-          <a:lstStyle/>
-          <a:p>
-            <a:r>
-              <a:rPr lang="en-US" dirty="0" smtClean="0"/>
+              <a:rPr lang="en-US" dirty="0" smtClean="0">
+                <a:latin typeface="Courier New" panose="02070309020205020404" pitchFamily="49" charset="0"/>
+                <a:cs typeface="Courier New" panose="02070309020205020404" pitchFamily="49" charset="0"/>
+              </a:rPr>
               <a:t>Modules</a:t>
             </a:r>
-            <a:endParaRPr lang="ru-RU" dirty="0"/>
+            <a:endParaRPr lang="ru-RU" dirty="0">
+              <a:latin typeface="Courier New" panose="02070309020205020404" pitchFamily="49" charset="0"/>
+              <a:cs typeface="Courier New" panose="02070309020205020404" pitchFamily="49" charset="0"/>
+            </a:endParaRPr>
           </a:p>
         </p:txBody>
       </p:sp>
@@ -5543,14 +5401,7 @@
                 <a:latin typeface="Courier New" panose="02070309020205020404" pitchFamily="49" charset="0"/>
                 <a:cs typeface="Courier New" panose="02070309020205020404" pitchFamily="49" charset="0"/>
               </a:rPr>
-              <a:t>g</a:t>
-            </a:r>
-            <a:r>
-              <a:rPr lang="en-US" sz="1600" dirty="0">
-                <a:latin typeface="Courier New" panose="02070309020205020404" pitchFamily="49" charset="0"/>
-                <a:cs typeface="Courier New" panose="02070309020205020404" pitchFamily="49" charset="0"/>
-              </a:rPr>
-              <a:t>et the created model with 1 </a:t>
+              <a:t>get the created model with 1 </a:t>
             </a:r>
             <a:r>
               <a:rPr lang="en-US" sz="1600" dirty="0" err="1">
@@ -5762,7 +5613,7 @@
 </p:sld>
 </file>
 
-<file path=ppt/slides/slide6.xml><?xml version="1.0" encoding="utf-8"?>
+<file path=ppt/slides/slide11.xml><?xml version="1.0" encoding="utf-8"?>
 <p:sld xmlns:a="http://schemas.openxmlformats.org/drawingml/2006/main" xmlns:r="http://schemas.openxmlformats.org/officeDocument/2006/relationships" xmlns:p="http://schemas.openxmlformats.org/presentationml/2006/main">
   <p:cSld>
     <p:spTree>
@@ -5795,10 +5646,16 @@
           <a:lstStyle/>
           <a:p>
             <a:r>
-              <a:rPr lang="en-US" dirty="0" smtClean="0"/>
+              <a:rPr lang="en-US" dirty="0" smtClean="0">
+                <a:latin typeface="Courier New" panose="02070309020205020404" pitchFamily="49" charset="0"/>
+                <a:cs typeface="Courier New" panose="02070309020205020404" pitchFamily="49" charset="0"/>
+              </a:rPr>
               <a:t>Directives</a:t>
             </a:r>
-            <a:endParaRPr lang="ru-RU" dirty="0"/>
+            <a:endParaRPr lang="ru-RU" dirty="0">
+              <a:latin typeface="Courier New" panose="02070309020205020404" pitchFamily="49" charset="0"/>
+              <a:cs typeface="Courier New" panose="02070309020205020404" pitchFamily="49" charset="0"/>
+            </a:endParaRPr>
           </a:p>
         </p:txBody>
       </p:sp>
@@ -5851,7 +5708,7 @@
 </p:sld>
 </file>
 
-<file path=ppt/slides/slide7.xml><?xml version="1.0" encoding="utf-8"?>
+<file path=ppt/slides/slide12.xml><?xml version="1.0" encoding="utf-8"?>
 <p:sld xmlns:a="http://schemas.openxmlformats.org/drawingml/2006/main" xmlns:r="http://schemas.openxmlformats.org/officeDocument/2006/relationships" xmlns:p="http://schemas.openxmlformats.org/presentationml/2006/main">
   <p:cSld>
     <p:spTree>
@@ -5884,10 +5741,16 @@
           <a:lstStyle/>
           <a:p>
             <a:r>
-              <a:rPr lang="en-US" dirty="0" smtClean="0"/>
+              <a:rPr lang="en-US" dirty="0" smtClean="0">
+                <a:latin typeface="Courier New" panose="02070309020205020404" pitchFamily="49" charset="0"/>
+                <a:cs typeface="Courier New" panose="02070309020205020404" pitchFamily="49" charset="0"/>
+              </a:rPr>
               <a:t>Directives are hard</a:t>
             </a:r>
-            <a:endParaRPr lang="ru-RU" dirty="0"/>
+            <a:endParaRPr lang="ru-RU" dirty="0">
+              <a:latin typeface="Courier New" panose="02070309020205020404" pitchFamily="49" charset="0"/>
+              <a:cs typeface="Courier New" panose="02070309020205020404" pitchFamily="49" charset="0"/>
+            </a:endParaRPr>
           </a:p>
         </p:txBody>
       </p:sp>
@@ -5933,6 +5796,1176 @@
 </p:sld>
 </file>
 
+<file path=ppt/slides/slide13.xml><?xml version="1.0" encoding="utf-8"?>
+<p:sld xmlns:a="http://schemas.openxmlformats.org/drawingml/2006/main" xmlns:r="http://schemas.openxmlformats.org/officeDocument/2006/relationships" xmlns:p="http://schemas.openxmlformats.org/presentationml/2006/main">
+  <p:cSld>
+    <p:spTree>
+      <p:nvGrpSpPr>
+        <p:cNvPr id="1" name=""/>
+        <p:cNvGrpSpPr/>
+        <p:nvPr/>
+      </p:nvGrpSpPr>
+      <p:grpSpPr>
+        <a:xfrm>
+          <a:off x="0" y="0"/>
+          <a:ext cx="0" cy="0"/>
+          <a:chOff x="0" y="0"/>
+          <a:chExt cx="0" cy="0"/>
+        </a:xfrm>
+      </p:grpSpPr>
+      <p:sp>
+        <p:nvSpPr>
+          <p:cNvPr id="2" name="Title 1"/>
+          <p:cNvSpPr>
+            <a:spLocks noGrp="1"/>
+          </p:cNvSpPr>
+          <p:nvPr>
+            <p:ph type="title"/>
+          </p:nvPr>
+        </p:nvSpPr>
+        <p:spPr/>
+        <p:txBody>
+          <a:bodyPr/>
+          <a:lstStyle/>
+          <a:p>
+            <a:r>
+              <a:rPr lang="en-US" dirty="0" smtClean="0"/>
+              <a:t>Scope inheritance</a:t>
+            </a:r>
+            <a:endParaRPr lang="ru-RU" dirty="0"/>
+          </a:p>
+        </p:txBody>
+      </p:sp>
+      <p:sp>
+        <p:nvSpPr>
+          <p:cNvPr id="3" name="Content Placeholder 2"/>
+          <p:cNvSpPr>
+            <a:spLocks noGrp="1"/>
+          </p:cNvSpPr>
+          <p:nvPr>
+            <p:ph idx="1"/>
+          </p:nvPr>
+        </p:nvSpPr>
+        <p:spPr/>
+        <p:txBody>
+          <a:bodyPr/>
+          <a:lstStyle/>
+          <a:p>
+            <a:r>
+              <a:rPr lang="en-US" dirty="0" smtClean="0"/>
+              <a:t>parent scope </a:t>
+            </a:r>
+            <a:r>
+              <a:rPr lang="en-US" dirty="0" err="1" smtClean="0"/>
+              <a:t>vars</a:t>
+            </a:r>
+            <a:r>
+              <a:rPr lang="en-US" dirty="0" smtClean="0"/>
+              <a:t> in inherited in child scope</a:t>
+            </a:r>
+          </a:p>
+          <a:p>
+            <a:r>
+              <a:rPr lang="en-US" dirty="0" smtClean="0"/>
+              <a:t>unless it’s an isolated scope</a:t>
+            </a:r>
+          </a:p>
+          <a:p>
+            <a:r>
+              <a:rPr lang="en-US" dirty="0" smtClean="0"/>
+              <a:t>scopes are inherited using prototype</a:t>
+            </a:r>
+            <a:endParaRPr lang="ru-RU" dirty="0"/>
+          </a:p>
+        </p:txBody>
+      </p:sp>
+    </p:spTree>
+    <p:extLst>
+      <p:ext uri="{BB962C8B-B14F-4D97-AF65-F5344CB8AC3E}">
+        <p14:creationId xmlns:p14="http://schemas.microsoft.com/office/powerpoint/2010/main" val="3403269080"/>
+      </p:ext>
+    </p:extLst>
+  </p:cSld>
+  <p:clrMapOvr>
+    <a:masterClrMapping/>
+  </p:clrMapOvr>
+</p:sld>
+</file>
+
+<file path=ppt/slides/slide14.xml><?xml version="1.0" encoding="utf-8"?>
+<p:sld xmlns:a="http://schemas.openxmlformats.org/drawingml/2006/main" xmlns:r="http://schemas.openxmlformats.org/officeDocument/2006/relationships" xmlns:p="http://schemas.openxmlformats.org/presentationml/2006/main">
+  <p:cSld>
+    <p:spTree>
+      <p:nvGrpSpPr>
+        <p:cNvPr id="1" name=""/>
+        <p:cNvGrpSpPr/>
+        <p:nvPr/>
+      </p:nvGrpSpPr>
+      <p:grpSpPr>
+        <a:xfrm>
+          <a:off x="0" y="0"/>
+          <a:ext cx="0" cy="0"/>
+          <a:chOff x="0" y="0"/>
+          <a:chExt cx="0" cy="0"/>
+        </a:xfrm>
+      </p:grpSpPr>
+      <p:sp>
+        <p:nvSpPr>
+          <p:cNvPr id="2" name="Title 1"/>
+          <p:cNvSpPr>
+            <a:spLocks noGrp="1"/>
+          </p:cNvSpPr>
+          <p:nvPr>
+            <p:ph type="title"/>
+          </p:nvPr>
+        </p:nvSpPr>
+        <p:spPr/>
+        <p:txBody>
+          <a:bodyPr/>
+          <a:lstStyle/>
+          <a:p>
+            <a:r>
+              <a:rPr lang="en-US" dirty="0" smtClean="0">
+                <a:latin typeface="Courier New" panose="02070309020205020404" pitchFamily="49" charset="0"/>
+                <a:cs typeface="Courier New" panose="02070309020205020404" pitchFamily="49" charset="0"/>
+              </a:rPr>
+              <a:t>HTML 5</a:t>
+            </a:r>
+            <a:endParaRPr lang="en-US" dirty="0">
+              <a:latin typeface="Courier New" panose="02070309020205020404" pitchFamily="49" charset="0"/>
+              <a:cs typeface="Courier New" panose="02070309020205020404" pitchFamily="49" charset="0"/>
+            </a:endParaRPr>
+          </a:p>
+        </p:txBody>
+      </p:sp>
+      <p:sp>
+        <p:nvSpPr>
+          <p:cNvPr id="3" name="Content Placeholder 2"/>
+          <p:cNvSpPr>
+            <a:spLocks noGrp="1"/>
+          </p:cNvSpPr>
+          <p:nvPr>
+            <p:ph idx="1"/>
+          </p:nvPr>
+        </p:nvSpPr>
+        <p:spPr/>
+        <p:txBody>
+          <a:bodyPr/>
+          <a:lstStyle/>
+          <a:p>
+            <a:r>
+              <a:rPr lang="en-US" dirty="0"/>
+              <a:t>&lt;applet</a:t>
+            </a:r>
+            <a:r>
+              <a:rPr lang="en-US" dirty="0" smtClean="0"/>
+              <a:t>&gt; removed (&lt;object&gt; instead)</a:t>
+            </a:r>
+            <a:endParaRPr lang="en-US" dirty="0"/>
+          </a:p>
+        </p:txBody>
+      </p:sp>
+    </p:spTree>
+    <p:extLst>
+      <p:ext uri="{BB962C8B-B14F-4D97-AF65-F5344CB8AC3E}">
+        <p14:creationId xmlns:p14="http://schemas.microsoft.com/office/powerpoint/2010/main" val="2612680553"/>
+      </p:ext>
+    </p:extLst>
+  </p:cSld>
+  <p:clrMapOvr>
+    <a:masterClrMapping/>
+  </p:clrMapOvr>
+</p:sld>
+</file>
+
+<file path=ppt/slides/slide15.xml><?xml version="1.0" encoding="utf-8"?>
+<p:sld xmlns:a="http://schemas.openxmlformats.org/drawingml/2006/main" xmlns:r="http://schemas.openxmlformats.org/officeDocument/2006/relationships" xmlns:p="http://schemas.openxmlformats.org/presentationml/2006/main">
+  <p:cSld>
+    <p:spTree>
+      <p:nvGrpSpPr>
+        <p:cNvPr id="1" name=""/>
+        <p:cNvGrpSpPr/>
+        <p:nvPr/>
+      </p:nvGrpSpPr>
+      <p:grpSpPr>
+        <a:xfrm>
+          <a:off x="0" y="0"/>
+          <a:ext cx="0" cy="0"/>
+          <a:chOff x="0" y="0"/>
+          <a:chExt cx="0" cy="0"/>
+        </a:xfrm>
+      </p:grpSpPr>
+      <p:sp>
+        <p:nvSpPr>
+          <p:cNvPr id="2" name="Title 1"/>
+          <p:cNvSpPr>
+            <a:spLocks noGrp="1"/>
+          </p:cNvSpPr>
+          <p:nvPr>
+            <p:ph type="title"/>
+          </p:nvPr>
+        </p:nvSpPr>
+        <p:spPr/>
+        <p:txBody>
+          <a:bodyPr/>
+          <a:lstStyle/>
+          <a:p>
+            <a:r>
+              <a:rPr lang="en-US" dirty="0" err="1" smtClean="0"/>
+              <a:t>Javascript</a:t>
+            </a:r>
+            <a:endParaRPr lang="en-US" dirty="0"/>
+          </a:p>
+        </p:txBody>
+      </p:sp>
+      <p:sp>
+        <p:nvSpPr>
+          <p:cNvPr id="3" name="Content Placeholder 2"/>
+          <p:cNvSpPr>
+            <a:spLocks noGrp="1"/>
+          </p:cNvSpPr>
+          <p:nvPr>
+            <p:ph idx="1"/>
+          </p:nvPr>
+        </p:nvSpPr>
+        <p:spPr/>
+        <p:txBody>
+          <a:bodyPr/>
+          <a:lstStyle/>
+          <a:p>
+            <a:r>
+              <a:rPr lang="en-US" dirty="0" smtClean="0"/>
+              <a:t>Java? </a:t>
+            </a:r>
+          </a:p>
+          <a:p>
+            <a:r>
+              <a:rPr lang="en-US" dirty="0" smtClean="0"/>
+              <a:t>Scripting?</a:t>
+            </a:r>
+            <a:endParaRPr lang="en-US" dirty="0"/>
+          </a:p>
+        </p:txBody>
+      </p:sp>
+    </p:spTree>
+    <p:extLst>
+      <p:ext uri="{BB962C8B-B14F-4D97-AF65-F5344CB8AC3E}">
+        <p14:creationId xmlns:p14="http://schemas.microsoft.com/office/powerpoint/2010/main" val="3725139495"/>
+      </p:ext>
+    </p:extLst>
+  </p:cSld>
+  <p:clrMapOvr>
+    <a:masterClrMapping/>
+  </p:clrMapOvr>
+</p:sld>
+</file>
+
+<file path=ppt/slides/slide16.xml><?xml version="1.0" encoding="utf-8"?>
+<p:sld xmlns:a="http://schemas.openxmlformats.org/drawingml/2006/main" xmlns:r="http://schemas.openxmlformats.org/officeDocument/2006/relationships" xmlns:p="http://schemas.openxmlformats.org/presentationml/2006/main">
+  <p:cSld>
+    <p:spTree>
+      <p:nvGrpSpPr>
+        <p:cNvPr id="1" name=""/>
+        <p:cNvGrpSpPr/>
+        <p:nvPr/>
+      </p:nvGrpSpPr>
+      <p:grpSpPr>
+        <a:xfrm>
+          <a:off x="0" y="0"/>
+          <a:ext cx="0" cy="0"/>
+          <a:chOff x="0" y="0"/>
+          <a:chExt cx="0" cy="0"/>
+        </a:xfrm>
+      </p:grpSpPr>
+      <p:sp>
+        <p:nvSpPr>
+          <p:cNvPr id="2" name="Title 1"/>
+          <p:cNvSpPr>
+            <a:spLocks noGrp="1"/>
+          </p:cNvSpPr>
+          <p:nvPr>
+            <p:ph type="title"/>
+          </p:nvPr>
+        </p:nvSpPr>
+        <p:spPr/>
+        <p:txBody>
+          <a:bodyPr/>
+          <a:lstStyle/>
+          <a:p>
+            <a:r>
+              <a:rPr lang="en-US" dirty="0" smtClean="0"/>
+              <a:t>Semantics</a:t>
+            </a:r>
+            <a:endParaRPr lang="en-US" dirty="0"/>
+          </a:p>
+        </p:txBody>
+      </p:sp>
+      <p:sp>
+        <p:nvSpPr>
+          <p:cNvPr id="3" name="Content Placeholder 2"/>
+          <p:cNvSpPr>
+            <a:spLocks noGrp="1"/>
+          </p:cNvSpPr>
+          <p:nvPr>
+            <p:ph idx="1"/>
+          </p:nvPr>
+        </p:nvSpPr>
+        <p:spPr/>
+        <p:txBody>
+          <a:bodyPr/>
+          <a:lstStyle/>
+          <a:p>
+            <a:r>
+              <a:rPr lang="en-US" dirty="0" smtClean="0"/>
+              <a:t>extends HTML with clarity</a:t>
+            </a:r>
+          </a:p>
+          <a:p>
+            <a:r>
+              <a:rPr lang="en-US" dirty="0" smtClean="0"/>
+              <a:t>custom behavioral notations (directives)</a:t>
+            </a:r>
+            <a:endParaRPr lang="en-US" dirty="0"/>
+          </a:p>
+        </p:txBody>
+      </p:sp>
+    </p:spTree>
+    <p:extLst>
+      <p:ext uri="{BB962C8B-B14F-4D97-AF65-F5344CB8AC3E}">
+        <p14:creationId xmlns:p14="http://schemas.microsoft.com/office/powerpoint/2010/main" val="3478444464"/>
+      </p:ext>
+    </p:extLst>
+  </p:cSld>
+  <p:clrMapOvr>
+    <a:masterClrMapping/>
+  </p:clrMapOvr>
+</p:sld>
+</file>
+
+<file path=ppt/slides/slide17.xml><?xml version="1.0" encoding="utf-8"?>
+<p:sld xmlns:a="http://schemas.openxmlformats.org/drawingml/2006/main" xmlns:r="http://schemas.openxmlformats.org/officeDocument/2006/relationships" xmlns:p="http://schemas.openxmlformats.org/presentationml/2006/main">
+  <p:cSld>
+    <p:spTree>
+      <p:nvGrpSpPr>
+        <p:cNvPr id="1" name=""/>
+        <p:cNvGrpSpPr/>
+        <p:nvPr/>
+      </p:nvGrpSpPr>
+      <p:grpSpPr>
+        <a:xfrm>
+          <a:off x="0" y="0"/>
+          <a:ext cx="0" cy="0"/>
+          <a:chOff x="0" y="0"/>
+          <a:chExt cx="0" cy="0"/>
+        </a:xfrm>
+      </p:grpSpPr>
+      <p:sp>
+        <p:nvSpPr>
+          <p:cNvPr id="2" name="Title 1"/>
+          <p:cNvSpPr>
+            <a:spLocks noGrp="1"/>
+          </p:cNvSpPr>
+          <p:nvPr>
+            <p:ph type="title"/>
+          </p:nvPr>
+        </p:nvSpPr>
+        <p:spPr/>
+        <p:txBody>
+          <a:bodyPr/>
+          <a:lstStyle/>
+          <a:p>
+            <a:r>
+              <a:rPr lang="en-US" dirty="0" smtClean="0"/>
+              <a:t>Angular 1 vs 2</a:t>
+            </a:r>
+            <a:endParaRPr lang="en-US" dirty="0"/>
+          </a:p>
+        </p:txBody>
+      </p:sp>
+      <p:sp>
+        <p:nvSpPr>
+          <p:cNvPr id="3" name="Content Placeholder 2"/>
+          <p:cNvSpPr>
+            <a:spLocks noGrp="1"/>
+          </p:cNvSpPr>
+          <p:nvPr>
+            <p:ph idx="1"/>
+          </p:nvPr>
+        </p:nvSpPr>
+        <p:spPr/>
+        <p:txBody>
+          <a:bodyPr/>
+          <a:lstStyle/>
+          <a:p>
+            <a:pPr marL="0" indent="0">
+              <a:buNone/>
+            </a:pPr>
+            <a:r>
+              <a:rPr lang="en-US" dirty="0" smtClean="0"/>
+              <a:t>(what people say)</a:t>
+            </a:r>
+          </a:p>
+          <a:p>
+            <a:r>
+              <a:rPr lang="en-US" dirty="0" smtClean="0"/>
+              <a:t>2 is too raw</a:t>
+            </a:r>
+          </a:p>
+          <a:p>
+            <a:r>
+              <a:rPr lang="en-US" dirty="0" smtClean="0"/>
+              <a:t>1 can be upgraded using </a:t>
+            </a:r>
+            <a:r>
+              <a:rPr lang="en-US" dirty="0" err="1" smtClean="0"/>
+              <a:t>ngForward</a:t>
+            </a:r>
+            <a:endParaRPr lang="en-US" dirty="0" smtClean="0"/>
+          </a:p>
+          <a:p>
+            <a:r>
+              <a:rPr lang="en-US" dirty="0" smtClean="0"/>
+              <a:t>2 has better performance</a:t>
+            </a:r>
+          </a:p>
+          <a:p>
+            <a:r>
+              <a:rPr lang="en-US" dirty="0" smtClean="0"/>
+              <a:t>1 will still be supported</a:t>
+            </a:r>
+          </a:p>
+          <a:p>
+            <a:r>
+              <a:rPr lang="en-US" dirty="0" smtClean="0"/>
+              <a:t>2 uses TS and ES6</a:t>
+            </a:r>
+          </a:p>
+        </p:txBody>
+      </p:sp>
+    </p:spTree>
+    <p:extLst>
+      <p:ext uri="{BB962C8B-B14F-4D97-AF65-F5344CB8AC3E}">
+        <p14:creationId xmlns:p14="http://schemas.microsoft.com/office/powerpoint/2010/main" val="1269660243"/>
+      </p:ext>
+    </p:extLst>
+  </p:cSld>
+  <p:clrMapOvr>
+    <a:masterClrMapping/>
+  </p:clrMapOvr>
+</p:sld>
+</file>
+
+<file path=ppt/slides/slide2.xml><?xml version="1.0" encoding="utf-8"?>
+<p:sld xmlns:a="http://schemas.openxmlformats.org/drawingml/2006/main" xmlns:r="http://schemas.openxmlformats.org/officeDocument/2006/relationships" xmlns:p="http://schemas.openxmlformats.org/presentationml/2006/main">
+  <p:cSld>
+    <p:spTree>
+      <p:nvGrpSpPr>
+        <p:cNvPr id="1" name=""/>
+        <p:cNvGrpSpPr/>
+        <p:nvPr/>
+      </p:nvGrpSpPr>
+      <p:grpSpPr>
+        <a:xfrm>
+          <a:off x="0" y="0"/>
+          <a:ext cx="0" cy="0"/>
+          <a:chOff x="0" y="0"/>
+          <a:chExt cx="0" cy="0"/>
+        </a:xfrm>
+      </p:grpSpPr>
+      <p:sp>
+        <p:nvSpPr>
+          <p:cNvPr id="2" name="Title 1"/>
+          <p:cNvSpPr>
+            <a:spLocks noGrp="1"/>
+          </p:cNvSpPr>
+          <p:nvPr>
+            <p:ph type="title"/>
+          </p:nvPr>
+        </p:nvSpPr>
+        <p:spPr/>
+        <p:txBody>
+          <a:bodyPr/>
+          <a:lstStyle/>
+          <a:p>
+            <a:r>
+              <a:rPr lang="en-US" dirty="0" smtClean="0">
+                <a:latin typeface="Courier New" panose="02070309020205020404" pitchFamily="49" charset="0"/>
+                <a:cs typeface="Courier New" panose="02070309020205020404" pitchFamily="49" charset="0"/>
+              </a:rPr>
+              <a:t>The Zen of Angular</a:t>
+            </a:r>
+            <a:endParaRPr lang="ru-RU" dirty="0">
+              <a:latin typeface="Courier New" panose="02070309020205020404" pitchFamily="49" charset="0"/>
+              <a:cs typeface="Courier New" panose="02070309020205020404" pitchFamily="49" charset="0"/>
+            </a:endParaRPr>
+          </a:p>
+        </p:txBody>
+      </p:sp>
+      <p:sp>
+        <p:nvSpPr>
+          <p:cNvPr id="3" name="Content Placeholder 2"/>
+          <p:cNvSpPr>
+            <a:spLocks noGrp="1"/>
+          </p:cNvSpPr>
+          <p:nvPr>
+            <p:ph idx="1"/>
+          </p:nvPr>
+        </p:nvSpPr>
+        <p:spPr>
+          <a:xfrm>
+            <a:off x="457200" y="1600200"/>
+            <a:ext cx="8229600" cy="3809999"/>
+          </a:xfrm>
+        </p:spPr>
+        <p:txBody>
+          <a:bodyPr>
+            <a:normAutofit/>
+          </a:bodyPr>
+          <a:lstStyle/>
+          <a:p>
+            <a:r>
+              <a:rPr lang="en-US" dirty="0"/>
+              <a:t>decouple DOM manipulation from app </a:t>
+            </a:r>
+            <a:r>
+              <a:rPr lang="en-US" dirty="0" smtClean="0"/>
+              <a:t>logic</a:t>
+            </a:r>
+          </a:p>
+          <a:p>
+            <a:r>
+              <a:rPr lang="en-US" dirty="0" smtClean="0"/>
+              <a:t>well structured coding</a:t>
+            </a:r>
+          </a:p>
+          <a:p>
+            <a:r>
+              <a:rPr lang="en-US" dirty="0" smtClean="0"/>
+              <a:t>2-way binding</a:t>
+            </a:r>
+          </a:p>
+          <a:p>
+            <a:endParaRPr lang="ru-RU" dirty="0"/>
+          </a:p>
+        </p:txBody>
+      </p:sp>
+    </p:spTree>
+    <p:extLst>
+      <p:ext uri="{BB962C8B-B14F-4D97-AF65-F5344CB8AC3E}">
+        <p14:creationId xmlns:p14="http://schemas.microsoft.com/office/powerpoint/2010/main" val="3356693845"/>
+      </p:ext>
+    </p:extLst>
+  </p:cSld>
+  <p:clrMapOvr>
+    <a:masterClrMapping/>
+  </p:clrMapOvr>
+  <mc:AlternateContent xmlns:mc="http://schemas.openxmlformats.org/markup-compatibility/2006" xmlns:p14="http://schemas.microsoft.com/office/powerpoint/2010/main">
+    <mc:Choice Requires="p14">
+      <p:transition spd="slow" p14:dur="2000"/>
+    </mc:Choice>
+    <mc:Fallback xmlns="">
+      <p:transition spd="slow"/>
+    </mc:Fallback>
+  </mc:AlternateContent>
+  <p:timing>
+    <p:tnLst>
+      <p:par>
+        <p:cTn id="1" dur="indefinite" restart="never" nodeType="tmRoot"/>
+      </p:par>
+    </p:tnLst>
+  </p:timing>
+</p:sld>
+</file>
+
+<file path=ppt/slides/slide3.xml><?xml version="1.0" encoding="utf-8"?>
+<p:sld xmlns:a="http://schemas.openxmlformats.org/drawingml/2006/main" xmlns:r="http://schemas.openxmlformats.org/officeDocument/2006/relationships" xmlns:p="http://schemas.openxmlformats.org/presentationml/2006/main">
+  <p:cSld>
+    <p:spTree>
+      <p:nvGrpSpPr>
+        <p:cNvPr id="1" name=""/>
+        <p:cNvGrpSpPr/>
+        <p:nvPr/>
+      </p:nvGrpSpPr>
+      <p:grpSpPr>
+        <a:xfrm>
+          <a:off x="0" y="0"/>
+          <a:ext cx="0" cy="0"/>
+          <a:chOff x="0" y="0"/>
+          <a:chExt cx="0" cy="0"/>
+        </a:xfrm>
+      </p:grpSpPr>
+      <p:pic>
+        <p:nvPicPr>
+          <p:cNvPr id="1026" name="Picture 2" descr="https://docs.angularjs.org/img/One_Way_Data_Binding.png"/>
+          <p:cNvPicPr>
+            <a:picLocks noChangeAspect="1" noChangeArrowheads="1"/>
+          </p:cNvPicPr>
+          <p:nvPr/>
+        </p:nvPicPr>
+        <p:blipFill>
+          <a:blip r:embed="rId3">
+            <a:extLst>
+              <a:ext uri="{28A0092B-C50C-407E-A947-70E740481C1C}">
+                <a14:useLocalDpi xmlns:a14="http://schemas.microsoft.com/office/drawing/2010/main" val="0"/>
+              </a:ext>
+            </a:extLst>
+          </a:blip>
+          <a:srcRect/>
+          <a:stretch>
+            <a:fillRect/>
+          </a:stretch>
+        </p:blipFill>
+        <p:spPr bwMode="auto">
+          <a:xfrm>
+            <a:off x="533400" y="457200"/>
+            <a:ext cx="3810000" cy="2428875"/>
+          </a:xfrm>
+          <a:prstGeom prst="rect">
+            <a:avLst/>
+          </a:prstGeom>
+          <a:noFill/>
+          <a:extLst>
+            <a:ext uri="{909E8E84-426E-40DD-AFC4-6F175D3DCCD1}">
+              <a14:hiddenFill xmlns:a14="http://schemas.microsoft.com/office/drawing/2010/main">
+                <a:solidFill>
+                  <a:srgbClr val="FFFFFF"/>
+                </a:solidFill>
+              </a14:hiddenFill>
+            </a:ext>
+          </a:extLst>
+        </p:spPr>
+      </p:pic>
+      <p:pic>
+        <p:nvPicPr>
+          <p:cNvPr id="1028" name="Picture 4" descr="https://docs.angularjs.org/img/Two_Way_Data_Binding.png"/>
+          <p:cNvPicPr>
+            <a:picLocks noChangeAspect="1" noChangeArrowheads="1"/>
+          </p:cNvPicPr>
+          <p:nvPr/>
+        </p:nvPicPr>
+        <p:blipFill>
+          <a:blip r:embed="rId4">
+            <a:extLst>
+              <a:ext uri="{28A0092B-C50C-407E-A947-70E740481C1C}">
+                <a14:useLocalDpi xmlns:a14="http://schemas.microsoft.com/office/drawing/2010/main" val="0"/>
+              </a:ext>
+            </a:extLst>
+          </a:blip>
+          <a:srcRect/>
+          <a:stretch>
+            <a:fillRect/>
+          </a:stretch>
+        </p:blipFill>
+        <p:spPr bwMode="auto">
+          <a:xfrm>
+            <a:off x="533400" y="3352800"/>
+            <a:ext cx="3810000" cy="2762251"/>
+          </a:xfrm>
+          <a:prstGeom prst="rect">
+            <a:avLst/>
+          </a:prstGeom>
+          <a:noFill/>
+          <a:extLst>
+            <a:ext uri="{909E8E84-426E-40DD-AFC4-6F175D3DCCD1}">
+              <a14:hiddenFill xmlns:a14="http://schemas.microsoft.com/office/drawing/2010/main">
+                <a:solidFill>
+                  <a:srgbClr val="FFFFFF"/>
+                </a:solidFill>
+              </a14:hiddenFill>
+            </a:ext>
+          </a:extLst>
+        </p:spPr>
+      </p:pic>
+    </p:spTree>
+    <p:extLst>
+      <p:ext uri="{BB962C8B-B14F-4D97-AF65-F5344CB8AC3E}">
+        <p14:creationId xmlns:p14="http://schemas.microsoft.com/office/powerpoint/2010/main" val="2052117727"/>
+      </p:ext>
+    </p:extLst>
+  </p:cSld>
+  <p:clrMapOvr>
+    <a:masterClrMapping/>
+  </p:clrMapOvr>
+  <mc:AlternateContent xmlns:mc="http://schemas.openxmlformats.org/markup-compatibility/2006" xmlns:p14="http://schemas.microsoft.com/office/powerpoint/2010/main">
+    <mc:Choice Requires="p14">
+      <p:transition spd="slow" p14:dur="2000"/>
+    </mc:Choice>
+    <mc:Fallback xmlns="">
+      <p:transition spd="slow"/>
+    </mc:Fallback>
+  </mc:AlternateContent>
+  <p:timing>
+    <p:tnLst>
+      <p:par>
+        <p:cTn id="1" dur="indefinite" restart="never" nodeType="tmRoot"/>
+      </p:par>
+    </p:tnLst>
+  </p:timing>
+</p:sld>
+</file>
+
+<file path=ppt/slides/slide4.xml><?xml version="1.0" encoding="utf-8"?>
+<p:sld xmlns:a="http://schemas.openxmlformats.org/drawingml/2006/main" xmlns:r="http://schemas.openxmlformats.org/officeDocument/2006/relationships" xmlns:p="http://schemas.openxmlformats.org/presentationml/2006/main">
+  <p:cSld>
+    <p:spTree>
+      <p:nvGrpSpPr>
+        <p:cNvPr id="1" name=""/>
+        <p:cNvGrpSpPr/>
+        <p:nvPr/>
+      </p:nvGrpSpPr>
+      <p:grpSpPr>
+        <a:xfrm>
+          <a:off x="0" y="0"/>
+          <a:ext cx="0" cy="0"/>
+          <a:chOff x="0" y="0"/>
+          <a:chExt cx="0" cy="0"/>
+        </a:xfrm>
+      </p:grpSpPr>
+      <p:sp>
+        <p:nvSpPr>
+          <p:cNvPr id="2" name="Title 1"/>
+          <p:cNvSpPr>
+            <a:spLocks noGrp="1"/>
+          </p:cNvSpPr>
+          <p:nvPr>
+            <p:ph type="title"/>
+          </p:nvPr>
+        </p:nvSpPr>
+        <p:spPr/>
+        <p:txBody>
+          <a:bodyPr/>
+          <a:lstStyle/>
+          <a:p>
+            <a:r>
+              <a:rPr lang="en-US" dirty="0" smtClean="0">
+                <a:latin typeface="Courier New" panose="02070309020205020404" pitchFamily="49" charset="0"/>
+                <a:cs typeface="Courier New" panose="02070309020205020404" pitchFamily="49" charset="0"/>
+              </a:rPr>
+              <a:t>MVVM</a:t>
+            </a:r>
+            <a:endParaRPr lang="ru-RU" dirty="0">
+              <a:latin typeface="Courier New" panose="02070309020205020404" pitchFamily="49" charset="0"/>
+              <a:cs typeface="Courier New" panose="02070309020205020404" pitchFamily="49" charset="0"/>
+            </a:endParaRPr>
+          </a:p>
+        </p:txBody>
+      </p:sp>
+      <p:sp>
+        <p:nvSpPr>
+          <p:cNvPr id="3" name="Content Placeholder 2"/>
+          <p:cNvSpPr>
+            <a:spLocks noGrp="1"/>
+          </p:cNvSpPr>
+          <p:nvPr>
+            <p:ph idx="1"/>
+          </p:nvPr>
+        </p:nvSpPr>
+        <p:spPr>
+          <a:xfrm>
+            <a:off x="457200" y="1600200"/>
+            <a:ext cx="8229600" cy="3809999"/>
+          </a:xfrm>
+        </p:spPr>
+        <p:txBody>
+          <a:bodyPr>
+            <a:normAutofit/>
+          </a:bodyPr>
+          <a:lstStyle/>
+          <a:p>
+            <a:r>
+              <a:rPr lang="en-US" dirty="0" smtClean="0"/>
+              <a:t>JS – model</a:t>
+            </a:r>
+          </a:p>
+          <a:p>
+            <a:r>
+              <a:rPr lang="en-US" dirty="0" smtClean="0"/>
+              <a:t>HTML – view</a:t>
+            </a:r>
+          </a:p>
+          <a:p>
+            <a:r>
+              <a:rPr lang="en-US" dirty="0" smtClean="0"/>
+              <a:t>$scope – view model – shared object between view and model</a:t>
+            </a:r>
+            <a:endParaRPr lang="ru-RU" dirty="0"/>
+          </a:p>
+        </p:txBody>
+      </p:sp>
+    </p:spTree>
+    <p:extLst>
+      <p:ext uri="{BB962C8B-B14F-4D97-AF65-F5344CB8AC3E}">
+        <p14:creationId xmlns:p14="http://schemas.microsoft.com/office/powerpoint/2010/main" val="1498899927"/>
+      </p:ext>
+    </p:extLst>
+  </p:cSld>
+  <p:clrMapOvr>
+    <a:masterClrMapping/>
+  </p:clrMapOvr>
+  <mc:AlternateContent xmlns:mc="http://schemas.openxmlformats.org/markup-compatibility/2006" xmlns:p14="http://schemas.microsoft.com/office/powerpoint/2010/main">
+    <mc:Choice Requires="p14">
+      <p:transition spd="slow" p14:dur="2000"/>
+    </mc:Choice>
+    <mc:Fallback xmlns="">
+      <p:transition spd="slow"/>
+    </mc:Fallback>
+  </mc:AlternateContent>
+  <p:timing>
+    <p:tnLst>
+      <p:par>
+        <p:cTn id="1" dur="indefinite" restart="never" nodeType="tmRoot"/>
+      </p:par>
+    </p:tnLst>
+  </p:timing>
+</p:sld>
+</file>
+
+<file path=ppt/slides/slide5.xml><?xml version="1.0" encoding="utf-8"?>
+<p:sld xmlns:a="http://schemas.openxmlformats.org/drawingml/2006/main" xmlns:r="http://schemas.openxmlformats.org/officeDocument/2006/relationships" xmlns:p="http://schemas.openxmlformats.org/presentationml/2006/main">
+  <p:cSld>
+    <p:spTree>
+      <p:nvGrpSpPr>
+        <p:cNvPr id="1" name=""/>
+        <p:cNvGrpSpPr/>
+        <p:nvPr/>
+      </p:nvGrpSpPr>
+      <p:grpSpPr>
+        <a:xfrm>
+          <a:off x="0" y="0"/>
+          <a:ext cx="0" cy="0"/>
+          <a:chOff x="0" y="0"/>
+          <a:chExt cx="0" cy="0"/>
+        </a:xfrm>
+      </p:grpSpPr>
+      <p:sp>
+        <p:nvSpPr>
+          <p:cNvPr id="2" name="Title 1"/>
+          <p:cNvSpPr>
+            <a:spLocks noGrp="1"/>
+          </p:cNvSpPr>
+          <p:nvPr>
+            <p:ph type="title"/>
+          </p:nvPr>
+        </p:nvSpPr>
+        <p:spPr/>
+        <p:txBody>
+          <a:bodyPr/>
+          <a:lstStyle/>
+          <a:p>
+            <a:r>
+              <a:rPr lang="en-US" dirty="0" smtClean="0">
+                <a:latin typeface="Courier New" panose="02070309020205020404" pitchFamily="49" charset="0"/>
+                <a:cs typeface="Courier New" panose="02070309020205020404" pitchFamily="49" charset="0"/>
+              </a:rPr>
+              <a:t>Controllers</a:t>
+            </a:r>
+            <a:endParaRPr lang="ru-RU" dirty="0">
+              <a:latin typeface="Courier New" panose="02070309020205020404" pitchFamily="49" charset="0"/>
+              <a:cs typeface="Courier New" panose="02070309020205020404" pitchFamily="49" charset="0"/>
+            </a:endParaRPr>
+          </a:p>
+        </p:txBody>
+      </p:sp>
+      <p:sp>
+        <p:nvSpPr>
+          <p:cNvPr id="4" name="Content Placeholder 3"/>
+          <p:cNvSpPr>
+            <a:spLocks noGrp="1"/>
+          </p:cNvSpPr>
+          <p:nvPr>
+            <p:ph idx="1"/>
+          </p:nvPr>
+        </p:nvSpPr>
+        <p:spPr/>
+        <p:txBody>
+          <a:bodyPr/>
+          <a:lstStyle/>
+          <a:p>
+            <a:endParaRPr lang="en-US"/>
+          </a:p>
+        </p:txBody>
+      </p:sp>
+    </p:spTree>
+    <p:extLst>
+      <p:ext uri="{BB962C8B-B14F-4D97-AF65-F5344CB8AC3E}">
+        <p14:creationId xmlns:p14="http://schemas.microsoft.com/office/powerpoint/2010/main" val="589420582"/>
+      </p:ext>
+    </p:extLst>
+  </p:cSld>
+  <p:clrMapOvr>
+    <a:masterClrMapping/>
+  </p:clrMapOvr>
+  <mc:AlternateContent xmlns:mc="http://schemas.openxmlformats.org/markup-compatibility/2006" xmlns:p14="http://schemas.microsoft.com/office/powerpoint/2010/main">
+    <mc:Choice Requires="p14">
+      <p:transition spd="slow" p14:dur="2000"/>
+    </mc:Choice>
+    <mc:Fallback xmlns="">
+      <p:transition spd="slow"/>
+    </mc:Fallback>
+  </mc:AlternateContent>
+  <p:timing>
+    <p:tnLst>
+      <p:par>
+        <p:cTn id="1" dur="indefinite" restart="never" nodeType="tmRoot"/>
+      </p:par>
+    </p:tnLst>
+  </p:timing>
+</p:sld>
+</file>
+
+<file path=ppt/slides/slide6.xml><?xml version="1.0" encoding="utf-8"?>
+<p:sld xmlns:a="http://schemas.openxmlformats.org/drawingml/2006/main" xmlns:r="http://schemas.openxmlformats.org/officeDocument/2006/relationships" xmlns:p="http://schemas.openxmlformats.org/presentationml/2006/main">
+  <p:cSld>
+    <p:spTree>
+      <p:nvGrpSpPr>
+        <p:cNvPr id="1" name=""/>
+        <p:cNvGrpSpPr/>
+        <p:nvPr/>
+      </p:nvGrpSpPr>
+      <p:grpSpPr>
+        <a:xfrm>
+          <a:off x="0" y="0"/>
+          <a:ext cx="0" cy="0"/>
+          <a:chOff x="0" y="0"/>
+          <a:chExt cx="0" cy="0"/>
+        </a:xfrm>
+      </p:grpSpPr>
+      <p:sp>
+        <p:nvSpPr>
+          <p:cNvPr id="2" name="Title 1"/>
+          <p:cNvSpPr>
+            <a:spLocks noGrp="1"/>
+          </p:cNvSpPr>
+          <p:nvPr>
+            <p:ph type="title"/>
+          </p:nvPr>
+        </p:nvSpPr>
+        <p:spPr/>
+        <p:txBody>
+          <a:bodyPr>
+            <a:normAutofit/>
+          </a:bodyPr>
+          <a:lstStyle/>
+          <a:p>
+            <a:r>
+              <a:rPr lang="en-US" dirty="0" smtClean="0">
+                <a:latin typeface="Courier New" panose="02070309020205020404" pitchFamily="49" charset="0"/>
+                <a:cs typeface="Courier New" panose="02070309020205020404" pitchFamily="49" charset="0"/>
+              </a:rPr>
+              <a:t>[Dependency injection]</a:t>
+            </a:r>
+            <a:endParaRPr lang="ru-RU" dirty="0">
+              <a:latin typeface="Courier New" panose="02070309020205020404" pitchFamily="49" charset="0"/>
+              <a:cs typeface="Courier New" panose="02070309020205020404" pitchFamily="49" charset="0"/>
+            </a:endParaRPr>
+          </a:p>
+        </p:txBody>
+      </p:sp>
+      <p:pic>
+        <p:nvPicPr>
+          <p:cNvPr id="1026" name="Picture 2" descr="https://docs.angularjs.org/img/guide/concepts-module-injector.png"/>
+          <p:cNvPicPr>
+            <a:picLocks noChangeAspect="1" noChangeArrowheads="1"/>
+          </p:cNvPicPr>
+          <p:nvPr/>
+        </p:nvPicPr>
+        <p:blipFill>
+          <a:blip r:embed="rId3">
+            <a:extLst>
+              <a:ext uri="{28A0092B-C50C-407E-A947-70E740481C1C}">
+                <a14:useLocalDpi xmlns:a14="http://schemas.microsoft.com/office/drawing/2010/main" val="0"/>
+              </a:ext>
+            </a:extLst>
+          </a:blip>
+          <a:srcRect/>
+          <a:stretch>
+            <a:fillRect/>
+          </a:stretch>
+        </p:blipFill>
+        <p:spPr bwMode="auto">
+          <a:xfrm>
+            <a:off x="5534025" y="1981200"/>
+            <a:ext cx="3152775" cy="2552700"/>
+          </a:xfrm>
+          <a:prstGeom prst="rect">
+            <a:avLst/>
+          </a:prstGeom>
+          <a:noFill/>
+          <a:extLst>
+            <a:ext uri="{909E8E84-426E-40DD-AFC4-6F175D3DCCD1}">
+              <a14:hiddenFill xmlns:a14="http://schemas.microsoft.com/office/drawing/2010/main">
+                <a:solidFill>
+                  <a:srgbClr val="FFFFFF"/>
+                </a:solidFill>
+              </a14:hiddenFill>
+            </a:ext>
+          </a:extLst>
+        </p:spPr>
+      </p:pic>
+    </p:spTree>
+    <p:extLst>
+      <p:ext uri="{BB962C8B-B14F-4D97-AF65-F5344CB8AC3E}">
+        <p14:creationId xmlns:p14="http://schemas.microsoft.com/office/powerpoint/2010/main" val="366578720"/>
+      </p:ext>
+    </p:extLst>
+  </p:cSld>
+  <p:clrMapOvr>
+    <a:masterClrMapping/>
+  </p:clrMapOvr>
+  <mc:AlternateContent xmlns:mc="http://schemas.openxmlformats.org/markup-compatibility/2006" xmlns:p14="http://schemas.microsoft.com/office/powerpoint/2010/main">
+    <mc:Choice Requires="p14">
+      <p:transition spd="slow" p14:dur="2000"/>
+    </mc:Choice>
+    <mc:Fallback xmlns="">
+      <p:transition spd="slow"/>
+    </mc:Fallback>
+  </mc:AlternateContent>
+  <p:timing>
+    <p:tnLst>
+      <p:par>
+        <p:cTn id="1" dur="indefinite" restart="never" nodeType="tmRoot"/>
+      </p:par>
+    </p:tnLst>
+  </p:timing>
+</p:sld>
+</file>
+
+<file path=ppt/slides/slide7.xml><?xml version="1.0" encoding="utf-8"?>
+<p:sld xmlns:a="http://schemas.openxmlformats.org/drawingml/2006/main" xmlns:r="http://schemas.openxmlformats.org/officeDocument/2006/relationships" xmlns:p="http://schemas.openxmlformats.org/presentationml/2006/main">
+  <p:cSld>
+    <p:spTree>
+      <p:nvGrpSpPr>
+        <p:cNvPr id="1" name=""/>
+        <p:cNvGrpSpPr/>
+        <p:nvPr/>
+      </p:nvGrpSpPr>
+      <p:grpSpPr>
+        <a:xfrm>
+          <a:off x="0" y="0"/>
+          <a:ext cx="0" cy="0"/>
+          <a:chOff x="0" y="0"/>
+          <a:chExt cx="0" cy="0"/>
+        </a:xfrm>
+      </p:grpSpPr>
+      <p:sp>
+        <p:nvSpPr>
+          <p:cNvPr id="2" name="Title 1"/>
+          <p:cNvSpPr>
+            <a:spLocks noGrp="1"/>
+          </p:cNvSpPr>
+          <p:nvPr>
+            <p:ph type="title"/>
+          </p:nvPr>
+        </p:nvSpPr>
+        <p:spPr/>
+        <p:txBody>
+          <a:bodyPr/>
+          <a:lstStyle/>
+          <a:p>
+            <a:r>
+              <a:rPr lang="en-US" dirty="0" smtClean="0">
+                <a:latin typeface="Courier New" panose="02070309020205020404" pitchFamily="49" charset="0"/>
+                <a:cs typeface="Courier New" panose="02070309020205020404" pitchFamily="49" charset="0"/>
+              </a:rPr>
+              <a:t>$scope</a:t>
+            </a:r>
+            <a:endParaRPr lang="ru-RU" dirty="0">
+              <a:latin typeface="Courier New" panose="02070309020205020404" pitchFamily="49" charset="0"/>
+              <a:cs typeface="Courier New" panose="02070309020205020404" pitchFamily="49" charset="0"/>
+            </a:endParaRPr>
+          </a:p>
+        </p:txBody>
+      </p:sp>
+      <p:sp>
+        <p:nvSpPr>
+          <p:cNvPr id="3" name="Content Placeholder 2"/>
+          <p:cNvSpPr>
+            <a:spLocks noGrp="1"/>
+          </p:cNvSpPr>
+          <p:nvPr>
+            <p:ph idx="1"/>
+          </p:nvPr>
+        </p:nvSpPr>
+        <p:spPr>
+          <a:xfrm>
+            <a:off x="457200" y="1600200"/>
+            <a:ext cx="8229600" cy="3809999"/>
+          </a:xfrm>
+        </p:spPr>
+        <p:txBody>
+          <a:bodyPr>
+            <a:normAutofit/>
+          </a:bodyPr>
+          <a:lstStyle/>
+          <a:p>
+            <a:r>
+              <a:rPr lang="en-US" dirty="0"/>
+              <a:t>In an AngularJS application, the controller and view share an object called a </a:t>
+            </a:r>
+            <a:r>
+              <a:rPr lang="en-US" dirty="0" smtClean="0"/>
+              <a:t>scope</a:t>
+            </a:r>
+          </a:p>
+          <a:p>
+            <a:r>
+              <a:rPr lang="en-US" dirty="0" smtClean="0"/>
+              <a:t>scope has </a:t>
+            </a:r>
+            <a:r>
+              <a:rPr lang="en-US" dirty="0"/>
+              <a:t>two-way data </a:t>
+            </a:r>
+            <a:r>
+              <a:rPr lang="en-US" dirty="0" smtClean="0"/>
+              <a:t>binding</a:t>
+            </a:r>
+          </a:p>
+          <a:p>
+            <a:r>
+              <a:rPr lang="en-US" dirty="0"/>
+              <a:t>$</a:t>
+            </a:r>
+            <a:r>
+              <a:rPr lang="en-US" dirty="0" err="1" smtClean="0"/>
+              <a:t>rootScope</a:t>
+            </a:r>
+            <a:r>
+              <a:rPr lang="en-US" dirty="0" smtClean="0"/>
+              <a:t> is always created on app start</a:t>
+            </a:r>
+            <a:endParaRPr lang="ru-RU" dirty="0"/>
+          </a:p>
+        </p:txBody>
+      </p:sp>
+    </p:spTree>
+    <p:extLst>
+      <p:ext uri="{BB962C8B-B14F-4D97-AF65-F5344CB8AC3E}">
+        <p14:creationId xmlns:p14="http://schemas.microsoft.com/office/powerpoint/2010/main" val="2019787567"/>
+      </p:ext>
+    </p:extLst>
+  </p:cSld>
+  <p:clrMapOvr>
+    <a:masterClrMapping/>
+  </p:clrMapOvr>
+  <mc:AlternateContent xmlns:mc="http://schemas.openxmlformats.org/markup-compatibility/2006" xmlns:p14="http://schemas.microsoft.com/office/powerpoint/2010/main">
+    <mc:Choice Requires="p14">
+      <p:transition spd="slow" p14:dur="2000"/>
+    </mc:Choice>
+    <mc:Fallback xmlns="">
+      <p:transition spd="slow"/>
+    </mc:Fallback>
+  </mc:AlternateContent>
+  <p:timing>
+    <p:tnLst>
+      <p:par>
+        <p:cTn id="1" dur="indefinite" restart="never" nodeType="tmRoot"/>
+      </p:par>
+    </p:tnLst>
+  </p:timing>
+</p:sld>
+</file>
+
 <file path=ppt/slides/slide8.xml><?xml version="1.0" encoding="utf-8"?>
 <p:sld xmlns:a="http://schemas.openxmlformats.org/drawingml/2006/main" xmlns:r="http://schemas.openxmlformats.org/officeDocument/2006/relationships" xmlns:p="http://schemas.openxmlformats.org/presentationml/2006/main">
   <p:cSld>
@@ -5966,66 +6999,92 @@
           <a:lstStyle/>
           <a:p>
             <a:r>
+              <a:rPr lang="en-US" dirty="0" smtClean="0">
+                <a:latin typeface="Courier New" panose="02070309020205020404" pitchFamily="49" charset="0"/>
+                <a:cs typeface="Courier New" panose="02070309020205020404" pitchFamily="49" charset="0"/>
+              </a:rPr>
+              <a:t>$ build-in services</a:t>
+            </a:r>
+            <a:endParaRPr lang="ru-RU" dirty="0">
+              <a:latin typeface="Courier New" panose="02070309020205020404" pitchFamily="49" charset="0"/>
+              <a:cs typeface="Courier New" panose="02070309020205020404" pitchFamily="49" charset="0"/>
+            </a:endParaRPr>
+          </a:p>
+        </p:txBody>
+      </p:sp>
+      <p:sp>
+        <p:nvSpPr>
+          <p:cNvPr id="3" name="Content Placeholder 2"/>
+          <p:cNvSpPr>
+            <a:spLocks noGrp="1"/>
+          </p:cNvSpPr>
+          <p:nvPr>
+            <p:ph idx="1"/>
+          </p:nvPr>
+        </p:nvSpPr>
+        <p:spPr>
+          <a:xfrm>
+            <a:off x="457200" y="1600200"/>
+            <a:ext cx="8229600" cy="3809999"/>
+          </a:xfrm>
+        </p:spPr>
+        <p:txBody>
+          <a:bodyPr>
+            <a:normAutofit/>
+          </a:bodyPr>
+          <a:lstStyle/>
+          <a:p>
+            <a:r>
               <a:rPr lang="en-US" dirty="0" smtClean="0"/>
-              <a:t>Scope inheritance</a:t>
-            </a:r>
-            <a:endParaRPr lang="ru-RU" dirty="0"/>
-          </a:p>
-        </p:txBody>
-      </p:sp>
-      <p:sp>
-        <p:nvSpPr>
-          <p:cNvPr id="3" name="Content Placeholder 2"/>
-          <p:cNvSpPr>
-            <a:spLocks noGrp="1"/>
-          </p:cNvSpPr>
-          <p:nvPr>
-            <p:ph idx="1"/>
-          </p:nvPr>
-        </p:nvSpPr>
-        <p:spPr/>
-        <p:txBody>
-          <a:bodyPr/>
-          <a:lstStyle/>
+              <a:t>services are lazy-initialized</a:t>
+            </a:r>
+          </a:p>
           <a:p>
             <a:r>
               <a:rPr lang="en-US" dirty="0" smtClean="0"/>
-              <a:t>parent scope </a:t>
-            </a:r>
-            <a:r>
-              <a:rPr lang="en-US" dirty="0" err="1" smtClean="0"/>
-              <a:t>vars</a:t>
-            </a:r>
-            <a:r>
-              <a:rPr lang="en-US" dirty="0" smtClean="0"/>
-              <a:t> in inherited in child scope</a:t>
-            </a:r>
-          </a:p>
-          <a:p>
-            <a:r>
-              <a:rPr lang="en-US" dirty="0" smtClean="0"/>
-              <a:t>unless it’s an isolated scope</a:t>
-            </a:r>
-          </a:p>
-          <a:p>
-            <a:r>
-              <a:rPr lang="en-US" dirty="0" smtClean="0"/>
-              <a:t>scopes are inherited using prototype</a:t>
-            </a:r>
-            <a:endParaRPr lang="ru-RU" dirty="0"/>
+              <a:t>build-in services always start with </a:t>
+            </a:r>
+            <a:r>
+              <a:rPr lang="en-US" dirty="0" smtClean="0">
+                <a:latin typeface="Courier New" panose="02070309020205020404" pitchFamily="49" charset="0"/>
+                <a:cs typeface="Courier New" panose="02070309020205020404" pitchFamily="49" charset="0"/>
+              </a:rPr>
+              <a:t>$</a:t>
+            </a:r>
+          </a:p>
+          <a:p>
+            <a:endParaRPr lang="ru-RU" dirty="0">
+              <a:latin typeface="+mj-lt"/>
+              <a:cs typeface="Courier New" panose="02070309020205020404" pitchFamily="49" charset="0"/>
+            </a:endParaRPr>
           </a:p>
         </p:txBody>
       </p:sp>
     </p:spTree>
     <p:extLst>
       <p:ext uri="{BB962C8B-B14F-4D97-AF65-F5344CB8AC3E}">
-        <p14:creationId xmlns:p14="http://schemas.microsoft.com/office/powerpoint/2010/main" val="3403269080"/>
+        <p14:creationId xmlns:p14="http://schemas.microsoft.com/office/powerpoint/2010/main" val="1584952820"/>
       </p:ext>
     </p:extLst>
   </p:cSld>
   <p:clrMapOvr>
     <a:masterClrMapping/>
   </p:clrMapOvr>
+  <mc:AlternateContent xmlns:mc="http://schemas.openxmlformats.org/markup-compatibility/2006" xmlns:p14="http://schemas.microsoft.com/office/powerpoint/2010/main">
+    <mc:Choice Requires="p14">
+      <p:transition spd="slow" p14:dur="2000"/>
+    </mc:Choice>
+    <mc:Fallback xmlns="">
+      <p:transition spd="slow"/>
+    </mc:Fallback>
+  </mc:AlternateContent>
+  <p:timing>
+    <p:tnLst>
+      <p:par>
+        <p:cTn id="1" dur="indefinite" restart="never" nodeType="tmRoot"/>
+      </p:par>
+    </p:tnLst>
+  </p:timing>
 </p:sld>
 </file>
 
@@ -6062,50 +7121,76 @@
           <a:lstStyle/>
           <a:p>
             <a:r>
+              <a:rPr lang="en-US" dirty="0" smtClean="0">
+                <a:latin typeface="Courier New" panose="02070309020205020404" pitchFamily="49" charset="0"/>
+                <a:cs typeface="Courier New" panose="02070309020205020404" pitchFamily="49" charset="0"/>
+              </a:rPr>
+              <a:t>Application lifecycle</a:t>
+            </a:r>
+            <a:endParaRPr lang="ru-RU" dirty="0">
+              <a:latin typeface="Courier New" panose="02070309020205020404" pitchFamily="49" charset="0"/>
+              <a:cs typeface="Courier New" panose="02070309020205020404" pitchFamily="49" charset="0"/>
+            </a:endParaRPr>
+          </a:p>
+        </p:txBody>
+      </p:sp>
+      <p:sp>
+        <p:nvSpPr>
+          <p:cNvPr id="3" name="Content Placeholder 2"/>
+          <p:cNvSpPr>
+            <a:spLocks noGrp="1"/>
+          </p:cNvSpPr>
+          <p:nvPr>
+            <p:ph idx="1"/>
+          </p:nvPr>
+        </p:nvSpPr>
+        <p:spPr/>
+        <p:txBody>
+          <a:bodyPr/>
+          <a:lstStyle/>
+          <a:p>
+            <a:r>
               <a:rPr lang="en-US" dirty="0" smtClean="0"/>
-              <a:t>HTML 5</a:t>
-            </a:r>
-            <a:endParaRPr lang="en-US" dirty="0"/>
-          </a:p>
-        </p:txBody>
-      </p:sp>
-      <p:sp>
-        <p:nvSpPr>
-          <p:cNvPr id="3" name="Content Placeholder 2"/>
-          <p:cNvSpPr>
-            <a:spLocks noGrp="1"/>
-          </p:cNvSpPr>
-          <p:nvPr>
-            <p:ph idx="1"/>
-          </p:nvPr>
-        </p:nvSpPr>
-        <p:spPr/>
-        <p:txBody>
-          <a:bodyPr/>
-          <a:lstStyle/>
-          <a:p>
-            <a:r>
-              <a:rPr lang="en-US" dirty="0"/>
-              <a:t>&lt;applet</a:t>
-            </a:r>
+              <a:t>starts the app, creates $</a:t>
+            </a:r>
+            <a:r>
+              <a:rPr lang="en-US" dirty="0" err="1" smtClean="0"/>
+              <a:t>rootScope</a:t>
+            </a:r>
+            <a:endParaRPr lang="en-US" dirty="0" smtClean="0"/>
+          </a:p>
+          <a:p>
             <a:r>
               <a:rPr lang="en-US" dirty="0" smtClean="0"/>
-              <a:t>&gt; removed (&lt;object&gt; instead)</a:t>
-            </a:r>
-            <a:endParaRPr lang="en-US" dirty="0"/>
+              <a:t>“compiles” the DOM, searches for directives</a:t>
+            </a:r>
+          </a:p>
+          <a:p>
+            <a:r>
+              <a:rPr lang="en-US" dirty="0" smtClean="0"/>
+              <a:t>creates the scopes tree that “mirrors” the DOM</a:t>
+            </a:r>
+            <a:endParaRPr lang="ru-RU" dirty="0"/>
           </a:p>
         </p:txBody>
       </p:sp>
     </p:spTree>
     <p:extLst>
       <p:ext uri="{BB962C8B-B14F-4D97-AF65-F5344CB8AC3E}">
-        <p14:creationId xmlns:p14="http://schemas.microsoft.com/office/powerpoint/2010/main" val="2612680553"/>
+        <p14:creationId xmlns:p14="http://schemas.microsoft.com/office/powerpoint/2010/main" val="1797790202"/>
       </p:ext>
     </p:extLst>
   </p:cSld>
   <p:clrMapOvr>
     <a:masterClrMapping/>
   </p:clrMapOvr>
+  <p:timing>
+    <p:tnLst>
+      <p:par>
+        <p:cTn id="1" dur="indefinite" restart="never" nodeType="tmRoot"/>
+      </p:par>
+    </p:tnLst>
+  </p:timing>
 </p:sld>
 </file>
 
